--- a/slides/cds431_week9_1.pptx
+++ b/slides/cds431_week9_1.pptx
@@ -4,13 +4,19 @@
   <p:sldMasterIdLst>
     <p:sldMasterId id="2147483648" r:id="rId1"/>
   </p:sldMasterIdLst>
-  <p:notesMasterIdLst>
-    <p:notesMasterId r:id="rId5"/>
-  </p:notesMasterIdLst>
   <p:sldIdLst>
-    <p:sldId id="543" r:id="rId2"/>
-    <p:sldId id="467" r:id="rId3"/>
-    <p:sldId id="468" r:id="rId4"/>
+    <p:sldId id="448" r:id="rId2"/>
+    <p:sldId id="378" r:id="rId3"/>
+    <p:sldId id="552" r:id="rId4"/>
+    <p:sldId id="450" r:id="rId5"/>
+    <p:sldId id="451" r:id="rId6"/>
+    <p:sldId id="440" r:id="rId7"/>
+    <p:sldId id="452" r:id="rId8"/>
+    <p:sldId id="602" r:id="rId9"/>
+    <p:sldId id="441" r:id="rId10"/>
+    <p:sldId id="379" r:id="rId11"/>
+    <p:sldId id="497" r:id="rId12"/>
+    <p:sldId id="557" r:id="rId13"/>
   </p:sldIdLst>
   <p:sldSz cx="12192000" cy="6858000"/>
   <p:notesSz cx="6858000" cy="9144000"/>
@@ -117,437 +123,2663 @@
 </p:presentation>
 </file>
 
-<file path=ppt/notesMasters/notesMaster1.xml><?xml version="1.0" encoding="utf-8"?>
-<p:notesMaster xmlns:a="http://schemas.openxmlformats.org/drawingml/2006/main" xmlns:r="http://schemas.openxmlformats.org/officeDocument/2006/relationships" xmlns:p="http://schemas.openxmlformats.org/presentationml/2006/main">
-  <p:cSld>
-    <p:bg>
-      <p:bgRef idx="1001">
-        <a:schemeClr val="bg1"/>
-      </p:bgRef>
-    </p:bg>
-    <p:spTree>
-      <p:nvGrpSpPr>
-        <p:cNvPr id="1" name=""/>
-        <p:cNvGrpSpPr/>
-        <p:nvPr/>
-      </p:nvGrpSpPr>
-      <p:grpSpPr>
-        <a:xfrm>
-          <a:off x="0" y="0"/>
-          <a:ext cx="0" cy="0"/>
-          <a:chOff x="0" y="0"/>
-          <a:chExt cx="0" cy="0"/>
-        </a:xfrm>
-      </p:grpSpPr>
-      <p:sp>
-        <p:nvSpPr>
-          <p:cNvPr id="2" name="Header Placeholder 1"/>
-          <p:cNvSpPr>
-            <a:spLocks noGrp="1"/>
-          </p:cNvSpPr>
-          <p:nvPr>
-            <p:ph type="hdr" sz="quarter"/>
-          </p:nvPr>
-        </p:nvSpPr>
-        <p:spPr>
-          <a:xfrm>
-            <a:off x="0" y="0"/>
-            <a:ext cx="2971800" cy="458788"/>
-          </a:xfrm>
-          <a:prstGeom prst="rect">
-            <a:avLst/>
-          </a:prstGeom>
-        </p:spPr>
-        <p:txBody>
-          <a:bodyPr vert="horz" lIns="91440" tIns="45720" rIns="91440" bIns="45720" rtlCol="0"/>
-          <a:lstStyle>
-            <a:lvl1pPr algn="l">
-              <a:defRPr sz="1200"/>
-            </a:lvl1pPr>
-          </a:lstStyle>
-          <a:p>
-            <a:endParaRPr lang="en-US"/>
-          </a:p>
-        </p:txBody>
-      </p:sp>
-      <p:sp>
-        <p:nvSpPr>
-          <p:cNvPr id="3" name="Date Placeholder 2"/>
-          <p:cNvSpPr>
-            <a:spLocks noGrp="1"/>
-          </p:cNvSpPr>
-          <p:nvPr>
-            <p:ph type="dt" idx="1"/>
-          </p:nvPr>
-        </p:nvSpPr>
-        <p:spPr>
-          <a:xfrm>
-            <a:off x="3884613" y="0"/>
-            <a:ext cx="2971800" cy="458788"/>
-          </a:xfrm>
-          <a:prstGeom prst="rect">
-            <a:avLst/>
-          </a:prstGeom>
-        </p:spPr>
-        <p:txBody>
-          <a:bodyPr vert="horz" lIns="91440" tIns="45720" rIns="91440" bIns="45720" rtlCol="0"/>
-          <a:lstStyle>
-            <a:lvl1pPr algn="r">
-              <a:defRPr sz="1200"/>
-            </a:lvl1pPr>
-          </a:lstStyle>
-          <a:p>
-            <a:fld id="{47DACD6E-E7EF-7C4C-9854-58BEBE3B5DEE}" type="datetimeFigureOut">
-              <a:rPr lang="en-US" smtClean="0"/>
-              <a:t>1/11/22</a:t>
-            </a:fld>
-            <a:endParaRPr lang="en-US"/>
-          </a:p>
-        </p:txBody>
-      </p:sp>
-      <p:sp>
-        <p:nvSpPr>
-          <p:cNvPr id="4" name="Slide Image Placeholder 3"/>
-          <p:cNvSpPr>
-            <a:spLocks noGrp="1" noRot="1" noChangeAspect="1"/>
-          </p:cNvSpPr>
-          <p:nvPr>
-            <p:ph type="sldImg" idx="2"/>
-          </p:nvPr>
-        </p:nvSpPr>
-        <p:spPr>
-          <a:xfrm>
-            <a:off x="685800" y="1143000"/>
-            <a:ext cx="5486400" cy="3086100"/>
-          </a:xfrm>
-          <a:prstGeom prst="rect">
-            <a:avLst/>
-          </a:prstGeom>
-          <a:noFill/>
-          <a:ln w="12700">
-            <a:solidFill>
-              <a:prstClr val="black"/>
-            </a:solidFill>
-          </a:ln>
-        </p:spPr>
-        <p:txBody>
-          <a:bodyPr vert="horz" lIns="91440" tIns="45720" rIns="91440" bIns="45720" rtlCol="0" anchor="ctr"/>
-          <a:lstStyle/>
-          <a:p>
-            <a:endParaRPr lang="en-US"/>
-          </a:p>
-        </p:txBody>
-      </p:sp>
-      <p:sp>
-        <p:nvSpPr>
-          <p:cNvPr id="5" name="Notes Placeholder 4"/>
-          <p:cNvSpPr>
-            <a:spLocks noGrp="1"/>
-          </p:cNvSpPr>
-          <p:nvPr>
-            <p:ph type="body" sz="quarter" idx="3"/>
-          </p:nvPr>
-        </p:nvSpPr>
-        <p:spPr>
-          <a:xfrm>
-            <a:off x="685800" y="4400550"/>
-            <a:ext cx="5486400" cy="3600450"/>
-          </a:xfrm>
-          <a:prstGeom prst="rect">
-            <a:avLst/>
-          </a:prstGeom>
-        </p:spPr>
-        <p:txBody>
-          <a:bodyPr vert="horz" lIns="91440" tIns="45720" rIns="91440" bIns="45720" rtlCol="0"/>
-          <a:lstStyle/>
-          <a:p>
-            <a:pPr lvl="0"/>
-            <a:r>
-              <a:rPr lang="en-US"/>
-              <a:t>Click to edit Master text styles</a:t>
-            </a:r>
-          </a:p>
-          <a:p>
-            <a:pPr lvl="1"/>
-            <a:r>
-              <a:rPr lang="en-US"/>
-              <a:t>Second level</a:t>
-            </a:r>
-          </a:p>
-          <a:p>
-            <a:pPr lvl="2"/>
-            <a:r>
-              <a:rPr lang="en-US"/>
-              <a:t>Third level</a:t>
-            </a:r>
-          </a:p>
-          <a:p>
-            <a:pPr lvl="3"/>
-            <a:r>
-              <a:rPr lang="en-US"/>
-              <a:t>Fourth level</a:t>
-            </a:r>
-          </a:p>
-          <a:p>
-            <a:pPr lvl="4"/>
-            <a:r>
-              <a:rPr lang="en-US"/>
-              <a:t>Fifth level</a:t>
-            </a:r>
-          </a:p>
-        </p:txBody>
-      </p:sp>
-      <p:sp>
-        <p:nvSpPr>
-          <p:cNvPr id="6" name="Footer Placeholder 5"/>
-          <p:cNvSpPr>
-            <a:spLocks noGrp="1"/>
-          </p:cNvSpPr>
-          <p:nvPr>
-            <p:ph type="ftr" sz="quarter" idx="4"/>
-          </p:nvPr>
-        </p:nvSpPr>
-        <p:spPr>
-          <a:xfrm>
-            <a:off x="0" y="8685213"/>
-            <a:ext cx="2971800" cy="458787"/>
-          </a:xfrm>
-          <a:prstGeom prst="rect">
-            <a:avLst/>
-          </a:prstGeom>
-        </p:spPr>
-        <p:txBody>
-          <a:bodyPr vert="horz" lIns="91440" tIns="45720" rIns="91440" bIns="45720" rtlCol="0" anchor="b"/>
-          <a:lstStyle>
-            <a:lvl1pPr algn="l">
-              <a:defRPr sz="1200"/>
-            </a:lvl1pPr>
-          </a:lstStyle>
-          <a:p>
-            <a:endParaRPr lang="en-US"/>
-          </a:p>
-        </p:txBody>
-      </p:sp>
-      <p:sp>
-        <p:nvSpPr>
-          <p:cNvPr id="7" name="Slide Number Placeholder 6"/>
-          <p:cNvSpPr>
-            <a:spLocks noGrp="1"/>
-          </p:cNvSpPr>
-          <p:nvPr>
-            <p:ph type="sldNum" sz="quarter" idx="5"/>
-          </p:nvPr>
-        </p:nvSpPr>
-        <p:spPr>
-          <a:xfrm>
-            <a:off x="3884613" y="8685213"/>
-            <a:ext cx="2971800" cy="458787"/>
-          </a:xfrm>
-          <a:prstGeom prst="rect">
-            <a:avLst/>
-          </a:prstGeom>
-        </p:spPr>
-        <p:txBody>
-          <a:bodyPr vert="horz" lIns="91440" tIns="45720" rIns="91440" bIns="45720" rtlCol="0" anchor="b"/>
-          <a:lstStyle>
-            <a:lvl1pPr algn="r">
-              <a:defRPr sz="1200"/>
-            </a:lvl1pPr>
-          </a:lstStyle>
-          <a:p>
-            <a:fld id="{004E1CB2-0442-D342-A304-2118EA2AC57F}" type="slidenum">
-              <a:rPr lang="en-US" smtClean="0"/>
-              <a:t>‹#›</a:t>
-            </a:fld>
-            <a:endParaRPr lang="en-US"/>
-          </a:p>
-        </p:txBody>
-      </p:sp>
-    </p:spTree>
-    <p:extLst>
-      <p:ext uri="{BB962C8B-B14F-4D97-AF65-F5344CB8AC3E}">
-        <p14:creationId xmlns:p14="http://schemas.microsoft.com/office/powerpoint/2010/main" val="1153867554"/>
-      </p:ext>
-    </p:extLst>
-  </p:cSld>
-  <p:clrMap bg1="lt1" tx1="dk1" bg2="lt2" tx2="dk2" accent1="accent1" accent2="accent2" accent3="accent3" accent4="accent4" accent5="accent5" accent6="accent6" hlink="hlink" folHlink="folHlink"/>
-  <p:notesStyle>
-    <a:lvl1pPr marL="0" algn="l" defTabSz="914400" rtl="0" eaLnBrk="1" latinLnBrk="0" hangingPunct="1">
-      <a:defRPr sz="1200" kern="1200">
-        <a:solidFill>
-          <a:schemeClr val="tx1"/>
-        </a:solidFill>
-        <a:latin typeface="+mn-lt"/>
-        <a:ea typeface="+mn-ea"/>
-        <a:cs typeface="+mn-cs"/>
-      </a:defRPr>
-    </a:lvl1pPr>
-    <a:lvl2pPr marL="457200" algn="l" defTabSz="914400" rtl="0" eaLnBrk="1" latinLnBrk="0" hangingPunct="1">
-      <a:defRPr sz="1200" kern="1200">
-        <a:solidFill>
-          <a:schemeClr val="tx1"/>
-        </a:solidFill>
-        <a:latin typeface="+mn-lt"/>
-        <a:ea typeface="+mn-ea"/>
-        <a:cs typeface="+mn-cs"/>
-      </a:defRPr>
-    </a:lvl2pPr>
-    <a:lvl3pPr marL="914400" algn="l" defTabSz="914400" rtl="0" eaLnBrk="1" latinLnBrk="0" hangingPunct="1">
-      <a:defRPr sz="1200" kern="1200">
-        <a:solidFill>
-          <a:schemeClr val="tx1"/>
-        </a:solidFill>
-        <a:latin typeface="+mn-lt"/>
-        <a:ea typeface="+mn-ea"/>
-        <a:cs typeface="+mn-cs"/>
-      </a:defRPr>
-    </a:lvl3pPr>
-    <a:lvl4pPr marL="1371600" algn="l" defTabSz="914400" rtl="0" eaLnBrk="1" latinLnBrk="0" hangingPunct="1">
-      <a:defRPr sz="1200" kern="1200">
-        <a:solidFill>
-          <a:schemeClr val="tx1"/>
-        </a:solidFill>
-        <a:latin typeface="+mn-lt"/>
-        <a:ea typeface="+mn-ea"/>
-        <a:cs typeface="+mn-cs"/>
-      </a:defRPr>
-    </a:lvl4pPr>
-    <a:lvl5pPr marL="1828800" algn="l" defTabSz="914400" rtl="0" eaLnBrk="1" latinLnBrk="0" hangingPunct="1">
-      <a:defRPr sz="1200" kern="1200">
-        <a:solidFill>
-          <a:schemeClr val="tx1"/>
-        </a:solidFill>
-        <a:latin typeface="+mn-lt"/>
-        <a:ea typeface="+mn-ea"/>
-        <a:cs typeface="+mn-cs"/>
-      </a:defRPr>
-    </a:lvl5pPr>
-    <a:lvl6pPr marL="2286000" algn="l" defTabSz="914400" rtl="0" eaLnBrk="1" latinLnBrk="0" hangingPunct="1">
-      <a:defRPr sz="1200" kern="1200">
-        <a:solidFill>
-          <a:schemeClr val="tx1"/>
-        </a:solidFill>
-        <a:latin typeface="+mn-lt"/>
-        <a:ea typeface="+mn-ea"/>
-        <a:cs typeface="+mn-cs"/>
-      </a:defRPr>
-    </a:lvl6pPr>
-    <a:lvl7pPr marL="2743200" algn="l" defTabSz="914400" rtl="0" eaLnBrk="1" latinLnBrk="0" hangingPunct="1">
-      <a:defRPr sz="1200" kern="1200">
-        <a:solidFill>
-          <a:schemeClr val="tx1"/>
-        </a:solidFill>
-        <a:latin typeface="+mn-lt"/>
-        <a:ea typeface="+mn-ea"/>
-        <a:cs typeface="+mn-cs"/>
-      </a:defRPr>
-    </a:lvl7pPr>
-    <a:lvl8pPr marL="3200400" algn="l" defTabSz="914400" rtl="0" eaLnBrk="1" latinLnBrk="0" hangingPunct="1">
-      <a:defRPr sz="1200" kern="1200">
-        <a:solidFill>
-          <a:schemeClr val="tx1"/>
-        </a:solidFill>
-        <a:latin typeface="+mn-lt"/>
-        <a:ea typeface="+mn-ea"/>
-        <a:cs typeface="+mn-cs"/>
-      </a:defRPr>
-    </a:lvl8pPr>
-    <a:lvl9pPr marL="3657600" algn="l" defTabSz="914400" rtl="0" eaLnBrk="1" latinLnBrk="0" hangingPunct="1">
-      <a:defRPr sz="1200" kern="1200">
-        <a:solidFill>
-          <a:schemeClr val="tx1"/>
-        </a:solidFill>
-        <a:latin typeface="+mn-lt"/>
-        <a:ea typeface="+mn-ea"/>
-        <a:cs typeface="+mn-cs"/>
-      </a:defRPr>
-    </a:lvl9pPr>
-  </p:notesStyle>
-</p:notesMaster>
+<file path=ppt/diagrams/colors1.xml><?xml version="1.0" encoding="utf-8"?>
+<dgm:colorsDef xmlns:dgm="http://schemas.openxmlformats.org/drawingml/2006/diagram" xmlns:a="http://schemas.openxmlformats.org/drawingml/2006/main" uniqueId="urn:microsoft.com/office/officeart/2005/8/colors/colorful2">
+  <dgm:title val=""/>
+  <dgm:desc val=""/>
+  <dgm:catLst>
+    <dgm:cat type="colorful" pri="10200"/>
+  </dgm:catLst>
+  <dgm:styleLbl name="node0">
+    <dgm:fillClrLst meth="repeat">
+      <a:schemeClr val="accent1"/>
+    </dgm:fillClrLst>
+    <dgm:linClrLst meth="repeat">
+      <a:schemeClr val="lt1"/>
+    </dgm:linClrLst>
+    <dgm:effectClrLst/>
+    <dgm:txLinClrLst/>
+    <dgm:txFillClrLst/>
+    <dgm:txEffectClrLst/>
+  </dgm:styleLbl>
+  <dgm:styleLbl name="node1">
+    <dgm:fillClrLst>
+      <a:schemeClr val="accent2"/>
+      <a:schemeClr val="accent3"/>
+    </dgm:fillClrLst>
+    <dgm:linClrLst meth="repeat">
+      <a:schemeClr val="lt1"/>
+    </dgm:linClrLst>
+    <dgm:effectClrLst/>
+    <dgm:txLinClrLst/>
+    <dgm:txFillClrLst/>
+    <dgm:txEffectClrLst/>
+  </dgm:styleLbl>
+  <dgm:styleLbl name="alignNode1">
+    <dgm:fillClrLst>
+      <a:schemeClr val="accent2"/>
+      <a:schemeClr val="accent3"/>
+    </dgm:fillClrLst>
+    <dgm:linClrLst>
+      <a:schemeClr val="accent2"/>
+      <a:schemeClr val="accent3"/>
+    </dgm:linClrLst>
+    <dgm:effectClrLst/>
+    <dgm:txLinClrLst/>
+    <dgm:txFillClrLst/>
+    <dgm:txEffectClrLst/>
+  </dgm:styleLbl>
+  <dgm:styleLbl name="lnNode1">
+    <dgm:fillClrLst>
+      <a:schemeClr val="accent2"/>
+      <a:schemeClr val="accent3"/>
+    </dgm:fillClrLst>
+    <dgm:linClrLst meth="repeat">
+      <a:schemeClr val="lt1"/>
+    </dgm:linClrLst>
+    <dgm:effectClrLst/>
+    <dgm:txLinClrLst/>
+    <dgm:txFillClrLst/>
+    <dgm:txEffectClrLst/>
+  </dgm:styleLbl>
+  <dgm:styleLbl name="vennNode1">
+    <dgm:fillClrLst>
+      <a:schemeClr val="accent2">
+        <a:alpha val="50000"/>
+      </a:schemeClr>
+      <a:schemeClr val="accent3">
+        <a:alpha val="50000"/>
+      </a:schemeClr>
+    </dgm:fillClrLst>
+    <dgm:linClrLst meth="repeat">
+      <a:schemeClr val="lt1"/>
+    </dgm:linClrLst>
+    <dgm:effectClrLst/>
+    <dgm:txLinClrLst/>
+    <dgm:txFillClrLst/>
+    <dgm:txEffectClrLst/>
+  </dgm:styleLbl>
+  <dgm:styleLbl name="node2">
+    <dgm:fillClrLst>
+      <a:schemeClr val="accent3"/>
+    </dgm:fillClrLst>
+    <dgm:linClrLst meth="repeat">
+      <a:schemeClr val="lt1"/>
+    </dgm:linClrLst>
+    <dgm:effectClrLst/>
+    <dgm:txLinClrLst/>
+    <dgm:txFillClrLst/>
+    <dgm:txEffectClrLst/>
+  </dgm:styleLbl>
+  <dgm:styleLbl name="node3">
+    <dgm:fillClrLst>
+      <a:schemeClr val="accent4"/>
+    </dgm:fillClrLst>
+    <dgm:linClrLst meth="repeat">
+      <a:schemeClr val="lt1"/>
+    </dgm:linClrLst>
+    <dgm:effectClrLst/>
+    <dgm:txLinClrLst/>
+    <dgm:txFillClrLst/>
+    <dgm:txEffectClrLst/>
+  </dgm:styleLbl>
+  <dgm:styleLbl name="node4">
+    <dgm:fillClrLst>
+      <a:schemeClr val="accent5"/>
+    </dgm:fillClrLst>
+    <dgm:linClrLst meth="repeat">
+      <a:schemeClr val="lt1"/>
+    </dgm:linClrLst>
+    <dgm:effectClrLst/>
+    <dgm:txLinClrLst/>
+    <dgm:txFillClrLst/>
+    <dgm:txEffectClrLst/>
+  </dgm:styleLbl>
+  <dgm:styleLbl name="fgImgPlace1">
+    <dgm:fillClrLst>
+      <a:schemeClr val="accent2">
+        <a:tint val="50000"/>
+      </a:schemeClr>
+      <a:schemeClr val="accent3">
+        <a:tint val="50000"/>
+      </a:schemeClr>
+    </dgm:fillClrLst>
+    <dgm:linClrLst meth="repeat">
+      <a:schemeClr val="lt1"/>
+    </dgm:linClrLst>
+    <dgm:effectClrLst/>
+    <dgm:txLinClrLst/>
+    <dgm:txFillClrLst meth="repeat">
+      <a:schemeClr val="lt1"/>
+    </dgm:txFillClrLst>
+    <dgm:txEffectClrLst/>
+  </dgm:styleLbl>
+  <dgm:styleLbl name="alignImgPlace1">
+    <dgm:fillClrLst>
+      <a:schemeClr val="accent2">
+        <a:tint val="50000"/>
+      </a:schemeClr>
+      <a:schemeClr val="accent3">
+        <a:tint val="20000"/>
+      </a:schemeClr>
+    </dgm:fillClrLst>
+    <dgm:linClrLst meth="repeat">
+      <a:schemeClr val="lt1"/>
+    </dgm:linClrLst>
+    <dgm:effectClrLst/>
+    <dgm:txLinClrLst/>
+    <dgm:txFillClrLst meth="repeat">
+      <a:schemeClr val="lt1"/>
+    </dgm:txFillClrLst>
+    <dgm:txEffectClrLst/>
+  </dgm:styleLbl>
+  <dgm:styleLbl name="bgImgPlace1">
+    <dgm:fillClrLst>
+      <a:schemeClr val="accent2">
+        <a:tint val="50000"/>
+      </a:schemeClr>
+      <a:schemeClr val="accent3">
+        <a:tint val="20000"/>
+      </a:schemeClr>
+    </dgm:fillClrLst>
+    <dgm:linClrLst meth="repeat">
+      <a:schemeClr val="lt1"/>
+    </dgm:linClrLst>
+    <dgm:effectClrLst/>
+    <dgm:txLinClrLst/>
+    <dgm:txFillClrLst meth="repeat">
+      <a:schemeClr val="lt1"/>
+    </dgm:txFillClrLst>
+    <dgm:txEffectClrLst/>
+  </dgm:styleLbl>
+  <dgm:styleLbl name="sibTrans2D1">
+    <dgm:fillClrLst>
+      <a:schemeClr val="accent2"/>
+      <a:schemeClr val="accent3"/>
+    </dgm:fillClrLst>
+    <dgm:linClrLst meth="repeat">
+      <a:schemeClr val="lt1"/>
+    </dgm:linClrLst>
+    <dgm:effectClrLst/>
+    <dgm:txLinClrLst/>
+    <dgm:txFillClrLst/>
+    <dgm:txEffectClrLst/>
+  </dgm:styleLbl>
+  <dgm:styleLbl name="fgSibTrans2D1">
+    <dgm:fillClrLst>
+      <a:schemeClr val="accent2"/>
+      <a:schemeClr val="accent3"/>
+    </dgm:fillClrLst>
+    <dgm:linClrLst meth="repeat">
+      <a:schemeClr val="lt1"/>
+    </dgm:linClrLst>
+    <dgm:effectClrLst/>
+    <dgm:txLinClrLst/>
+    <dgm:txFillClrLst meth="repeat">
+      <a:schemeClr val="lt1"/>
+    </dgm:txFillClrLst>
+    <dgm:txEffectClrLst/>
+  </dgm:styleLbl>
+  <dgm:styleLbl name="bgSibTrans2D1">
+    <dgm:fillClrLst>
+      <a:schemeClr val="accent2"/>
+      <a:schemeClr val="accent3"/>
+    </dgm:fillClrLst>
+    <dgm:linClrLst meth="repeat">
+      <a:schemeClr val="lt1"/>
+    </dgm:linClrLst>
+    <dgm:effectClrLst/>
+    <dgm:txLinClrLst/>
+    <dgm:txFillClrLst meth="repeat">
+      <a:schemeClr val="lt1"/>
+    </dgm:txFillClrLst>
+    <dgm:txEffectClrLst/>
+  </dgm:styleLbl>
+  <dgm:styleLbl name="sibTrans1D1">
+    <dgm:fillClrLst/>
+    <dgm:linClrLst>
+      <a:schemeClr val="accent2"/>
+      <a:schemeClr val="accent3"/>
+    </dgm:linClrLst>
+    <dgm:effectClrLst/>
+    <dgm:txLinClrLst/>
+    <dgm:txFillClrLst meth="repeat">
+      <a:schemeClr val="tx1"/>
+    </dgm:txFillClrLst>
+    <dgm:txEffectClrLst/>
+  </dgm:styleLbl>
+  <dgm:styleLbl name="callout">
+    <dgm:fillClrLst meth="repeat">
+      <a:schemeClr val="accent2"/>
+    </dgm:fillClrLst>
+    <dgm:linClrLst meth="repeat">
+      <a:schemeClr val="accent2">
+        <a:tint val="50000"/>
+      </a:schemeClr>
+    </dgm:linClrLst>
+    <dgm:effectClrLst/>
+    <dgm:txLinClrLst/>
+    <dgm:txFillClrLst meth="repeat">
+      <a:schemeClr val="tx1"/>
+    </dgm:txFillClrLst>
+    <dgm:txEffectClrLst/>
+  </dgm:styleLbl>
+  <dgm:styleLbl name="asst0">
+    <dgm:fillClrLst meth="repeat">
+      <a:schemeClr val="accent2"/>
+    </dgm:fillClrLst>
+    <dgm:linClrLst meth="repeat">
+      <a:schemeClr val="lt1">
+        <a:shade val="80000"/>
+      </a:schemeClr>
+    </dgm:linClrLst>
+    <dgm:effectClrLst/>
+    <dgm:txLinClrLst/>
+    <dgm:txFillClrLst/>
+    <dgm:txEffectClrLst/>
+  </dgm:styleLbl>
+  <dgm:styleLbl name="asst1">
+    <dgm:fillClrLst meth="repeat">
+      <a:schemeClr val="accent3"/>
+    </dgm:fillClrLst>
+    <dgm:linClrLst meth="repeat">
+      <a:schemeClr val="lt1">
+        <a:shade val="80000"/>
+      </a:schemeClr>
+    </dgm:linClrLst>
+    <dgm:effectClrLst/>
+    <dgm:txLinClrLst/>
+    <dgm:txFillClrLst/>
+    <dgm:txEffectClrLst/>
+  </dgm:styleLbl>
+  <dgm:styleLbl name="asst2">
+    <dgm:fillClrLst>
+      <a:schemeClr val="accent4"/>
+    </dgm:fillClrLst>
+    <dgm:linClrLst meth="repeat">
+      <a:schemeClr val="lt1"/>
+    </dgm:linClrLst>
+    <dgm:effectClrLst/>
+    <dgm:txLinClrLst/>
+    <dgm:txFillClrLst/>
+    <dgm:txEffectClrLst/>
+  </dgm:styleLbl>
+  <dgm:styleLbl name="asst3">
+    <dgm:fillClrLst>
+      <a:schemeClr val="accent5"/>
+    </dgm:fillClrLst>
+    <dgm:linClrLst meth="repeat">
+      <a:schemeClr val="lt1"/>
+    </dgm:linClrLst>
+    <dgm:effectClrLst/>
+    <dgm:txLinClrLst/>
+    <dgm:txFillClrLst/>
+    <dgm:txEffectClrLst/>
+  </dgm:styleLbl>
+  <dgm:styleLbl name="asst4">
+    <dgm:fillClrLst>
+      <a:schemeClr val="accent6"/>
+    </dgm:fillClrLst>
+    <dgm:linClrLst meth="repeat">
+      <a:schemeClr val="lt1"/>
+    </dgm:linClrLst>
+    <dgm:effectClrLst/>
+    <dgm:txLinClrLst/>
+    <dgm:txFillClrLst/>
+    <dgm:txEffectClrLst/>
+  </dgm:styleLbl>
+  <dgm:styleLbl name="parChTrans2D1">
+    <dgm:fillClrLst meth="repeat">
+      <a:schemeClr val="accent2"/>
+    </dgm:fillClrLst>
+    <dgm:linClrLst meth="repeat">
+      <a:schemeClr val="lt1"/>
+    </dgm:linClrLst>
+    <dgm:effectClrLst/>
+    <dgm:txLinClrLst/>
+    <dgm:txFillClrLst meth="repeat">
+      <a:schemeClr val="lt1"/>
+    </dgm:txFillClrLst>
+    <dgm:txEffectClrLst/>
+  </dgm:styleLbl>
+  <dgm:styleLbl name="parChTrans2D2">
+    <dgm:fillClrLst meth="repeat">
+      <a:schemeClr val="accent3"/>
+    </dgm:fillClrLst>
+    <dgm:linClrLst meth="repeat">
+      <a:schemeClr val="lt1"/>
+    </dgm:linClrLst>
+    <dgm:effectClrLst/>
+    <dgm:txLinClrLst/>
+    <dgm:txFillClrLst/>
+    <dgm:txEffectClrLst/>
+  </dgm:styleLbl>
+  <dgm:styleLbl name="parChTrans2D3">
+    <dgm:fillClrLst meth="repeat">
+      <a:schemeClr val="accent4"/>
+    </dgm:fillClrLst>
+    <dgm:linClrLst meth="repeat">
+      <a:schemeClr val="lt1"/>
+    </dgm:linClrLst>
+    <dgm:effectClrLst/>
+    <dgm:txLinClrLst/>
+    <dgm:txFillClrLst/>
+    <dgm:txEffectClrLst/>
+  </dgm:styleLbl>
+  <dgm:styleLbl name="parChTrans2D4">
+    <dgm:fillClrLst meth="repeat">
+      <a:schemeClr val="accent5"/>
+    </dgm:fillClrLst>
+    <dgm:linClrLst meth="repeat">
+      <a:schemeClr val="lt1"/>
+    </dgm:linClrLst>
+    <dgm:effectClrLst/>
+    <dgm:txLinClrLst/>
+    <dgm:txFillClrLst meth="repeat">
+      <a:schemeClr val="lt1"/>
+    </dgm:txFillClrLst>
+    <dgm:txEffectClrLst/>
+  </dgm:styleLbl>
+  <dgm:styleLbl name="parChTrans1D1">
+    <dgm:fillClrLst meth="repeat">
+      <a:schemeClr val="accent2"/>
+    </dgm:fillClrLst>
+    <dgm:linClrLst meth="repeat">
+      <a:schemeClr val="accent2"/>
+    </dgm:linClrLst>
+    <dgm:effectClrLst/>
+    <dgm:txLinClrLst/>
+    <dgm:txFillClrLst meth="repeat">
+      <a:schemeClr val="tx1"/>
+    </dgm:txFillClrLst>
+    <dgm:txEffectClrLst/>
+  </dgm:styleLbl>
+  <dgm:styleLbl name="parChTrans1D2">
+    <dgm:fillClrLst meth="repeat">
+      <a:schemeClr val="accent2">
+        <a:tint val="90000"/>
+      </a:schemeClr>
+    </dgm:fillClrLst>
+    <dgm:linClrLst meth="repeat">
+      <a:schemeClr val="accent3"/>
+    </dgm:linClrLst>
+    <dgm:effectClrLst/>
+    <dgm:txLinClrLst/>
+    <dgm:txFillClrLst meth="repeat">
+      <a:schemeClr val="tx1"/>
+    </dgm:txFillClrLst>
+    <dgm:txEffectClrLst/>
+  </dgm:styleLbl>
+  <dgm:styleLbl name="parChTrans1D3">
+    <dgm:fillClrLst meth="repeat">
+      <a:schemeClr val="accent2">
+        <a:tint val="70000"/>
+      </a:schemeClr>
+    </dgm:fillClrLst>
+    <dgm:linClrLst meth="repeat">
+      <a:schemeClr val="accent4"/>
+    </dgm:linClrLst>
+    <dgm:effectClrLst/>
+    <dgm:txLinClrLst/>
+    <dgm:txFillClrLst meth="repeat">
+      <a:schemeClr val="tx1"/>
+    </dgm:txFillClrLst>
+    <dgm:txEffectClrLst/>
+  </dgm:styleLbl>
+  <dgm:styleLbl name="parChTrans1D4">
+    <dgm:fillClrLst meth="repeat">
+      <a:schemeClr val="accent2">
+        <a:tint val="50000"/>
+      </a:schemeClr>
+    </dgm:fillClrLst>
+    <dgm:linClrLst meth="repeat">
+      <a:schemeClr val="accent5"/>
+    </dgm:linClrLst>
+    <dgm:effectClrLst/>
+    <dgm:txLinClrLst/>
+    <dgm:txFillClrLst meth="repeat">
+      <a:schemeClr val="tx1"/>
+    </dgm:txFillClrLst>
+    <dgm:txEffectClrLst/>
+  </dgm:styleLbl>
+  <dgm:styleLbl name="fgAcc1">
+    <dgm:fillClrLst meth="repeat">
+      <a:schemeClr val="lt1">
+        <a:alpha val="90000"/>
+      </a:schemeClr>
+    </dgm:fillClrLst>
+    <dgm:linClrLst>
+      <a:schemeClr val="accent2"/>
+      <a:schemeClr val="accent3"/>
+    </dgm:linClrLst>
+    <dgm:effectClrLst/>
+    <dgm:txLinClrLst/>
+    <dgm:txFillClrLst meth="repeat">
+      <a:schemeClr val="dk1"/>
+    </dgm:txFillClrLst>
+    <dgm:txEffectClrLst/>
+  </dgm:styleLbl>
+  <dgm:styleLbl name="conFgAcc1">
+    <dgm:fillClrLst meth="repeat">
+      <a:schemeClr val="lt1">
+        <a:alpha val="90000"/>
+      </a:schemeClr>
+    </dgm:fillClrLst>
+    <dgm:linClrLst>
+      <a:schemeClr val="accent2"/>
+      <a:schemeClr val="accent3"/>
+    </dgm:linClrLst>
+    <dgm:effectClrLst/>
+    <dgm:txLinClrLst/>
+    <dgm:txFillClrLst meth="repeat">
+      <a:schemeClr val="dk1"/>
+    </dgm:txFillClrLst>
+    <dgm:txEffectClrLst/>
+  </dgm:styleLbl>
+  <dgm:styleLbl name="alignAcc1">
+    <dgm:fillClrLst meth="repeat">
+      <a:schemeClr val="lt1">
+        <a:alpha val="90000"/>
+      </a:schemeClr>
+    </dgm:fillClrLst>
+    <dgm:linClrLst>
+      <a:schemeClr val="accent2"/>
+      <a:schemeClr val="accent3"/>
+    </dgm:linClrLst>
+    <dgm:effectClrLst/>
+    <dgm:txLinClrLst/>
+    <dgm:txFillClrLst meth="repeat">
+      <a:schemeClr val="dk1"/>
+    </dgm:txFillClrLst>
+    <dgm:txEffectClrLst/>
+  </dgm:styleLbl>
+  <dgm:styleLbl name="trAlignAcc1">
+    <dgm:fillClrLst meth="repeat">
+      <a:schemeClr val="lt1">
+        <a:alpha val="40000"/>
+      </a:schemeClr>
+    </dgm:fillClrLst>
+    <dgm:linClrLst meth="repeat">
+      <a:schemeClr val="accent2"/>
+    </dgm:linClrLst>
+    <dgm:effectClrLst/>
+    <dgm:txLinClrLst/>
+    <dgm:txFillClrLst meth="repeat">
+      <a:schemeClr val="dk1"/>
+    </dgm:txFillClrLst>
+    <dgm:txEffectClrLst/>
+  </dgm:styleLbl>
+  <dgm:styleLbl name="bgAcc1">
+    <dgm:fillClrLst meth="repeat">
+      <a:schemeClr val="lt1">
+        <a:alpha val="90000"/>
+      </a:schemeClr>
+    </dgm:fillClrLst>
+    <dgm:linClrLst>
+      <a:schemeClr val="accent2"/>
+      <a:schemeClr val="accent3"/>
+    </dgm:linClrLst>
+    <dgm:effectClrLst/>
+    <dgm:txLinClrLst/>
+    <dgm:txFillClrLst meth="repeat">
+      <a:schemeClr val="dk1"/>
+    </dgm:txFillClrLst>
+    <dgm:txEffectClrLst/>
+  </dgm:styleLbl>
+  <dgm:styleLbl name="solidFgAcc1">
+    <dgm:fillClrLst meth="repeat">
+      <a:schemeClr val="lt1"/>
+    </dgm:fillClrLst>
+    <dgm:linClrLst>
+      <a:schemeClr val="accent2"/>
+      <a:schemeClr val="accent3"/>
+    </dgm:linClrLst>
+    <dgm:effectClrLst/>
+    <dgm:txLinClrLst/>
+    <dgm:txFillClrLst meth="repeat">
+      <a:schemeClr val="dk1"/>
+    </dgm:txFillClrLst>
+    <dgm:txEffectClrLst/>
+  </dgm:styleLbl>
+  <dgm:styleLbl name="solidAlignAcc1">
+    <dgm:fillClrLst meth="repeat">
+      <a:schemeClr val="lt1"/>
+    </dgm:fillClrLst>
+    <dgm:linClrLst>
+      <a:schemeClr val="accent2"/>
+      <a:schemeClr val="accent3"/>
+    </dgm:linClrLst>
+    <dgm:effectClrLst/>
+    <dgm:txLinClrLst/>
+    <dgm:txFillClrLst meth="repeat">
+      <a:schemeClr val="dk1"/>
+    </dgm:txFillClrLst>
+    <dgm:txEffectClrLst/>
+  </dgm:styleLbl>
+  <dgm:styleLbl name="solidBgAcc1">
+    <dgm:fillClrLst meth="repeat">
+      <a:schemeClr val="lt1"/>
+    </dgm:fillClrLst>
+    <dgm:linClrLst>
+      <a:schemeClr val="accent2"/>
+      <a:schemeClr val="accent3"/>
+    </dgm:linClrLst>
+    <dgm:effectClrLst/>
+    <dgm:txLinClrLst/>
+    <dgm:txFillClrLst meth="repeat">
+      <a:schemeClr val="dk1"/>
+    </dgm:txFillClrLst>
+    <dgm:txEffectClrLst/>
+  </dgm:styleLbl>
+  <dgm:styleLbl name="fgAccFollowNode1">
+    <dgm:fillClrLst>
+      <a:schemeClr val="accent2">
+        <a:tint val="40000"/>
+        <a:alpha val="90000"/>
+      </a:schemeClr>
+      <a:schemeClr val="accent3">
+        <a:tint val="40000"/>
+        <a:alpha val="90000"/>
+      </a:schemeClr>
+    </dgm:fillClrLst>
+    <dgm:linClrLst>
+      <a:schemeClr val="accent2">
+        <a:tint val="40000"/>
+        <a:alpha val="90000"/>
+      </a:schemeClr>
+      <a:schemeClr val="accent3">
+        <a:tint val="40000"/>
+        <a:alpha val="90000"/>
+      </a:schemeClr>
+    </dgm:linClrLst>
+    <dgm:effectClrLst/>
+    <dgm:txLinClrLst/>
+    <dgm:txFillClrLst meth="repeat">
+      <a:schemeClr val="dk1"/>
+    </dgm:txFillClrLst>
+    <dgm:txEffectClrLst/>
+  </dgm:styleLbl>
+  <dgm:styleLbl name="alignAccFollowNode1">
+    <dgm:fillClrLst>
+      <a:schemeClr val="accent2">
+        <a:tint val="40000"/>
+        <a:alpha val="90000"/>
+      </a:schemeClr>
+      <a:schemeClr val="accent3">
+        <a:tint val="40000"/>
+        <a:alpha val="90000"/>
+      </a:schemeClr>
+    </dgm:fillClrLst>
+    <dgm:linClrLst>
+      <a:schemeClr val="accent2">
+        <a:tint val="40000"/>
+        <a:alpha val="90000"/>
+      </a:schemeClr>
+      <a:schemeClr val="accent3">
+        <a:tint val="40000"/>
+        <a:alpha val="90000"/>
+      </a:schemeClr>
+    </dgm:linClrLst>
+    <dgm:effectClrLst/>
+    <dgm:txLinClrLst/>
+    <dgm:txFillClrLst meth="repeat">
+      <a:schemeClr val="dk1"/>
+    </dgm:txFillClrLst>
+    <dgm:txEffectClrLst/>
+  </dgm:styleLbl>
+  <dgm:styleLbl name="bgAccFollowNode1">
+    <dgm:fillClrLst>
+      <a:schemeClr val="accent2">
+        <a:tint val="40000"/>
+        <a:alpha val="90000"/>
+      </a:schemeClr>
+      <a:schemeClr val="accent3">
+        <a:tint val="40000"/>
+        <a:alpha val="90000"/>
+      </a:schemeClr>
+    </dgm:fillClrLst>
+    <dgm:linClrLst>
+      <a:schemeClr val="accent2">
+        <a:tint val="40000"/>
+        <a:alpha val="90000"/>
+      </a:schemeClr>
+      <a:schemeClr val="accent3">
+        <a:tint val="40000"/>
+        <a:alpha val="90000"/>
+      </a:schemeClr>
+    </dgm:linClrLst>
+    <dgm:effectClrLst/>
+    <dgm:txLinClrLst/>
+    <dgm:txFillClrLst meth="repeat">
+      <a:schemeClr val="dk1"/>
+    </dgm:txFillClrLst>
+    <dgm:txEffectClrLst/>
+  </dgm:styleLbl>
+  <dgm:styleLbl name="fgAcc0">
+    <dgm:fillClrLst meth="repeat">
+      <a:schemeClr val="lt1">
+        <a:alpha val="90000"/>
+      </a:schemeClr>
+    </dgm:fillClrLst>
+    <dgm:linClrLst>
+      <a:schemeClr val="accent1"/>
+    </dgm:linClrLst>
+    <dgm:effectClrLst/>
+    <dgm:txLinClrLst/>
+    <dgm:txFillClrLst meth="repeat">
+      <a:schemeClr val="dk1"/>
+    </dgm:txFillClrLst>
+    <dgm:txEffectClrLst/>
+  </dgm:styleLbl>
+  <dgm:styleLbl name="fgAcc2">
+    <dgm:fillClrLst meth="repeat">
+      <a:schemeClr val="lt1">
+        <a:alpha val="90000"/>
+      </a:schemeClr>
+    </dgm:fillClrLst>
+    <dgm:linClrLst>
+      <a:schemeClr val="accent3"/>
+    </dgm:linClrLst>
+    <dgm:effectClrLst/>
+    <dgm:txLinClrLst/>
+    <dgm:txFillClrLst meth="repeat">
+      <a:schemeClr val="dk1"/>
+    </dgm:txFillClrLst>
+    <dgm:txEffectClrLst/>
+  </dgm:styleLbl>
+  <dgm:styleLbl name="fgAcc3">
+    <dgm:fillClrLst meth="repeat">
+      <a:schemeClr val="lt1">
+        <a:alpha val="90000"/>
+      </a:schemeClr>
+    </dgm:fillClrLst>
+    <dgm:linClrLst>
+      <a:schemeClr val="accent4"/>
+    </dgm:linClrLst>
+    <dgm:effectClrLst/>
+    <dgm:txLinClrLst/>
+    <dgm:txFillClrLst meth="repeat">
+      <a:schemeClr val="dk1"/>
+    </dgm:txFillClrLst>
+    <dgm:txEffectClrLst/>
+  </dgm:styleLbl>
+  <dgm:styleLbl name="fgAcc4">
+    <dgm:fillClrLst meth="repeat">
+      <a:schemeClr val="lt1">
+        <a:alpha val="90000"/>
+      </a:schemeClr>
+    </dgm:fillClrLst>
+    <dgm:linClrLst>
+      <a:schemeClr val="accent5"/>
+    </dgm:linClrLst>
+    <dgm:effectClrLst/>
+    <dgm:txLinClrLst/>
+    <dgm:txFillClrLst meth="repeat">
+      <a:schemeClr val="dk1"/>
+    </dgm:txFillClrLst>
+    <dgm:txEffectClrLst/>
+  </dgm:styleLbl>
+  <dgm:styleLbl name="bgShp">
+    <dgm:fillClrLst meth="repeat">
+      <a:schemeClr val="accent2">
+        <a:tint val="40000"/>
+      </a:schemeClr>
+    </dgm:fillClrLst>
+    <dgm:linClrLst meth="repeat">
+      <a:schemeClr val="dk1"/>
+    </dgm:linClrLst>
+    <dgm:effectClrLst/>
+    <dgm:txLinClrLst/>
+    <dgm:txFillClrLst meth="repeat">
+      <a:schemeClr val="dk1"/>
+    </dgm:txFillClrLst>
+    <dgm:txEffectClrLst/>
+  </dgm:styleLbl>
+  <dgm:styleLbl name="dkBgShp">
+    <dgm:fillClrLst meth="repeat">
+      <a:schemeClr val="accent2">
+        <a:shade val="90000"/>
+      </a:schemeClr>
+    </dgm:fillClrLst>
+    <dgm:linClrLst meth="repeat">
+      <a:schemeClr val="dk1"/>
+    </dgm:linClrLst>
+    <dgm:effectClrLst/>
+    <dgm:txLinClrLst/>
+    <dgm:txFillClrLst meth="repeat">
+      <a:schemeClr val="lt1"/>
+    </dgm:txFillClrLst>
+    <dgm:txEffectClrLst/>
+  </dgm:styleLbl>
+  <dgm:styleLbl name="trBgShp">
+    <dgm:fillClrLst meth="repeat">
+      <a:schemeClr val="accent2">
+        <a:tint val="50000"/>
+        <a:alpha val="40000"/>
+      </a:schemeClr>
+    </dgm:fillClrLst>
+    <dgm:linClrLst meth="repeat">
+      <a:schemeClr val="accent2"/>
+    </dgm:linClrLst>
+    <dgm:effectClrLst/>
+    <dgm:txLinClrLst/>
+    <dgm:txFillClrLst meth="repeat">
+      <a:schemeClr val="lt1"/>
+    </dgm:txFillClrLst>
+    <dgm:txEffectClrLst/>
+  </dgm:styleLbl>
+  <dgm:styleLbl name="fgShp">
+    <dgm:fillClrLst meth="repeat">
+      <a:schemeClr val="accent2">
+        <a:tint val="40000"/>
+      </a:schemeClr>
+    </dgm:fillClrLst>
+    <dgm:linClrLst meth="repeat">
+      <a:schemeClr val="lt1"/>
+    </dgm:linClrLst>
+    <dgm:effectClrLst/>
+    <dgm:txLinClrLst/>
+    <dgm:txFillClrLst meth="repeat">
+      <a:schemeClr val="dk1"/>
+    </dgm:txFillClrLst>
+    <dgm:txEffectClrLst/>
+  </dgm:styleLbl>
+  <dgm:styleLbl name="revTx">
+    <dgm:fillClrLst meth="repeat">
+      <a:schemeClr val="lt1">
+        <a:alpha val="0"/>
+      </a:schemeClr>
+    </dgm:fillClrLst>
+    <dgm:linClrLst meth="repeat">
+      <a:schemeClr val="dk1">
+        <a:alpha val="0"/>
+      </a:schemeClr>
+    </dgm:linClrLst>
+    <dgm:effectClrLst/>
+    <dgm:txLinClrLst/>
+    <dgm:txFillClrLst meth="repeat">
+      <a:schemeClr val="tx1"/>
+    </dgm:txFillClrLst>
+    <dgm:txEffectClrLst/>
+  </dgm:styleLbl>
+</dgm:colorsDef>
 </file>
 
-<file path=ppt/notesSlides/notesSlide1.xml><?xml version="1.0" encoding="utf-8"?>
-<p:notes xmlns:a="http://schemas.openxmlformats.org/drawingml/2006/main" xmlns:r="http://schemas.openxmlformats.org/officeDocument/2006/relationships" xmlns:p="http://schemas.openxmlformats.org/presentationml/2006/main">
-  <p:cSld>
-    <p:spTree>
-      <p:nvGrpSpPr>
-        <p:cNvPr id="1" name=""/>
-        <p:cNvGrpSpPr/>
-        <p:nvPr/>
-      </p:nvGrpSpPr>
-      <p:grpSpPr>
+<file path=ppt/diagrams/data1.xml><?xml version="1.0" encoding="utf-8"?>
+<dgm:dataModel xmlns:dgm="http://schemas.openxmlformats.org/drawingml/2006/diagram" xmlns:a="http://schemas.openxmlformats.org/drawingml/2006/main">
+  <dgm:ptLst>
+    <dgm:pt modelId="{2AFBA9D6-57E6-1747-BE1A-BC30FF59EFC7}" type="doc">
+      <dgm:prSet loTypeId="urn:microsoft.com/office/officeart/2005/8/layout/cycle1" loCatId="" qsTypeId="urn:microsoft.com/office/officeart/2005/8/quickstyle/simple4" qsCatId="simple" csTypeId="urn:microsoft.com/office/officeart/2005/8/colors/colorful2" csCatId="colorful" phldr="1"/>
+      <dgm:spPr/>
+      <dgm:t>
+        <a:bodyPr/>
+        <a:lstStyle/>
+        <a:p>
+          <a:endParaRPr lang="en-US"/>
+        </a:p>
+      </dgm:t>
+    </dgm:pt>
+    <dgm:pt modelId="{4992799E-678C-1644-BAB5-45376C4E9BCC}">
+      <dgm:prSet phldrT="[Text]"/>
+      <dgm:spPr/>
+      <dgm:t>
+        <a:bodyPr/>
+        <a:lstStyle/>
+        <a:p>
+          <a:r>
+            <a:rPr lang="en-US" b="1"/>
+            <a:t>Assessment</a:t>
+          </a:r>
+        </a:p>
+      </dgm:t>
+    </dgm:pt>
+    <dgm:pt modelId="{6CA93F6F-2C5B-3543-B35F-D1B2E291110D}" type="parTrans" cxnId="{CEC21C17-53E6-EF45-8EEB-15F94B7795BA}">
+      <dgm:prSet/>
+      <dgm:spPr/>
+      <dgm:t>
+        <a:bodyPr/>
+        <a:lstStyle/>
+        <a:p>
+          <a:endParaRPr lang="en-US"/>
+        </a:p>
+      </dgm:t>
+    </dgm:pt>
+    <dgm:pt modelId="{0376A2C8-3862-614F-93E3-DF6A3BA3792C}" type="sibTrans" cxnId="{CEC21C17-53E6-EF45-8EEB-15F94B7795BA}">
+      <dgm:prSet/>
+      <dgm:spPr/>
+      <dgm:t>
+        <a:bodyPr/>
+        <a:lstStyle/>
+        <a:p>
+          <a:endParaRPr lang="en-US"/>
+        </a:p>
+      </dgm:t>
+    </dgm:pt>
+    <dgm:pt modelId="{C8EA277B-42E9-3542-B18D-4E0E7CC9E2FD}">
+      <dgm:prSet phldrT="[Text]"/>
+      <dgm:spPr/>
+      <dgm:t>
+        <a:bodyPr/>
+        <a:lstStyle/>
+        <a:p>
+          <a:r>
+            <a:rPr lang="en-US" b="1"/>
+            <a:t>Treatment Planning</a:t>
+          </a:r>
+        </a:p>
+      </dgm:t>
+    </dgm:pt>
+    <dgm:pt modelId="{D4C7B1B2-5F09-C045-B921-A26E2215EDDC}" type="parTrans" cxnId="{4D67A284-FC58-7448-B458-68BDD6D789DE}">
+      <dgm:prSet/>
+      <dgm:spPr/>
+      <dgm:t>
+        <a:bodyPr/>
+        <a:lstStyle/>
+        <a:p>
+          <a:endParaRPr lang="en-US"/>
+        </a:p>
+      </dgm:t>
+    </dgm:pt>
+    <dgm:pt modelId="{4DCC9BC1-AB77-9045-898A-465998B10AB1}" type="sibTrans" cxnId="{4D67A284-FC58-7448-B458-68BDD6D789DE}">
+      <dgm:prSet/>
+      <dgm:spPr/>
+      <dgm:t>
+        <a:bodyPr/>
+        <a:lstStyle/>
+        <a:p>
+          <a:endParaRPr lang="en-US"/>
+        </a:p>
+      </dgm:t>
+    </dgm:pt>
+    <dgm:pt modelId="{D8F9A527-09AF-B140-838A-55DF4DB179C5}">
+      <dgm:prSet phldrT="[Text]"/>
+      <dgm:spPr/>
+      <dgm:t>
+        <a:bodyPr/>
+        <a:lstStyle/>
+        <a:p>
+          <a:r>
+            <a:rPr lang="en-US" b="1">
+              <a:solidFill>
+                <a:srgbClr val="FF0000"/>
+              </a:solidFill>
+            </a:rPr>
+            <a:t>Treatment</a:t>
+          </a:r>
+        </a:p>
+      </dgm:t>
+    </dgm:pt>
+    <dgm:pt modelId="{6BCDDBAD-8FBB-DC4B-9723-C87C5467A7A2}" type="parTrans" cxnId="{EA5CB148-CCE2-7A4D-AC13-FF571FE403E9}">
+      <dgm:prSet/>
+      <dgm:spPr/>
+      <dgm:t>
+        <a:bodyPr/>
+        <a:lstStyle/>
+        <a:p>
+          <a:endParaRPr lang="en-US"/>
+        </a:p>
+      </dgm:t>
+    </dgm:pt>
+    <dgm:pt modelId="{99DD0ED8-A3B6-0E44-8A5F-533131297894}" type="sibTrans" cxnId="{EA5CB148-CCE2-7A4D-AC13-FF571FE403E9}">
+      <dgm:prSet/>
+      <dgm:spPr/>
+      <dgm:t>
+        <a:bodyPr/>
+        <a:lstStyle/>
+        <a:p>
+          <a:endParaRPr lang="en-US"/>
+        </a:p>
+      </dgm:t>
+    </dgm:pt>
+    <dgm:pt modelId="{5FF27E8B-6DD9-EF4B-A803-C798AEF62AA3}" type="pres">
+      <dgm:prSet presAssocID="{2AFBA9D6-57E6-1747-BE1A-BC30FF59EFC7}" presName="cycle" presStyleCnt="0">
+        <dgm:presLayoutVars>
+          <dgm:dir/>
+          <dgm:resizeHandles val="exact"/>
+        </dgm:presLayoutVars>
+      </dgm:prSet>
+      <dgm:spPr/>
+    </dgm:pt>
+    <dgm:pt modelId="{6D5D3D91-FFD4-EE4F-BA93-19E05EE104C6}" type="pres">
+      <dgm:prSet presAssocID="{4992799E-678C-1644-BAB5-45376C4E9BCC}" presName="dummy" presStyleCnt="0"/>
+      <dgm:spPr/>
+    </dgm:pt>
+    <dgm:pt modelId="{72A1BD8C-9BA7-DF40-AB13-54AF4A64C774}" type="pres">
+      <dgm:prSet presAssocID="{4992799E-678C-1644-BAB5-45376C4E9BCC}" presName="node" presStyleLbl="revTx" presStyleIdx="0" presStyleCnt="3">
+        <dgm:presLayoutVars>
+          <dgm:bulletEnabled val="1"/>
+        </dgm:presLayoutVars>
+      </dgm:prSet>
+      <dgm:spPr/>
+    </dgm:pt>
+    <dgm:pt modelId="{E5972367-1D0F-3F42-A4B0-A32CE17DB0E2}" type="pres">
+      <dgm:prSet presAssocID="{0376A2C8-3862-614F-93E3-DF6A3BA3792C}" presName="sibTrans" presStyleLbl="node1" presStyleIdx="0" presStyleCnt="3"/>
+      <dgm:spPr/>
+    </dgm:pt>
+    <dgm:pt modelId="{FDDCF62B-7D30-7747-857F-BEA10A4993DF}" type="pres">
+      <dgm:prSet presAssocID="{C8EA277B-42E9-3542-B18D-4E0E7CC9E2FD}" presName="dummy" presStyleCnt="0"/>
+      <dgm:spPr/>
+    </dgm:pt>
+    <dgm:pt modelId="{0F186D10-BF90-1943-9906-BE5931198E0E}" type="pres">
+      <dgm:prSet presAssocID="{C8EA277B-42E9-3542-B18D-4E0E7CC9E2FD}" presName="node" presStyleLbl="revTx" presStyleIdx="1" presStyleCnt="3">
+        <dgm:presLayoutVars>
+          <dgm:bulletEnabled val="1"/>
+        </dgm:presLayoutVars>
+      </dgm:prSet>
+      <dgm:spPr/>
+    </dgm:pt>
+    <dgm:pt modelId="{08A35E68-A8B0-2642-9EE0-584DCD565B71}" type="pres">
+      <dgm:prSet presAssocID="{4DCC9BC1-AB77-9045-898A-465998B10AB1}" presName="sibTrans" presStyleLbl="node1" presStyleIdx="1" presStyleCnt="3"/>
+      <dgm:spPr/>
+    </dgm:pt>
+    <dgm:pt modelId="{2840D037-78A6-044F-B003-833708335EE8}" type="pres">
+      <dgm:prSet presAssocID="{D8F9A527-09AF-B140-838A-55DF4DB179C5}" presName="dummy" presStyleCnt="0"/>
+      <dgm:spPr/>
+    </dgm:pt>
+    <dgm:pt modelId="{7E171857-7526-8A41-946B-E62B3476A379}" type="pres">
+      <dgm:prSet presAssocID="{D8F9A527-09AF-B140-838A-55DF4DB179C5}" presName="node" presStyleLbl="revTx" presStyleIdx="2" presStyleCnt="3">
+        <dgm:presLayoutVars>
+          <dgm:bulletEnabled val="1"/>
+        </dgm:presLayoutVars>
+      </dgm:prSet>
+      <dgm:spPr/>
+    </dgm:pt>
+    <dgm:pt modelId="{B10B807F-A421-DC40-9C24-68A34ED8B7E8}" type="pres">
+      <dgm:prSet presAssocID="{99DD0ED8-A3B6-0E44-8A5F-533131297894}" presName="sibTrans" presStyleLbl="node1" presStyleIdx="2" presStyleCnt="3"/>
+      <dgm:spPr/>
+    </dgm:pt>
+  </dgm:ptLst>
+  <dgm:cxnLst>
+    <dgm:cxn modelId="{9BFD0A01-9107-EB45-9E3B-7389D2AFE308}" type="presOf" srcId="{99DD0ED8-A3B6-0E44-8A5F-533131297894}" destId="{B10B807F-A421-DC40-9C24-68A34ED8B7E8}" srcOrd="0" destOrd="0" presId="urn:microsoft.com/office/officeart/2005/8/layout/cycle1"/>
+    <dgm:cxn modelId="{CEC21C17-53E6-EF45-8EEB-15F94B7795BA}" srcId="{2AFBA9D6-57E6-1747-BE1A-BC30FF59EFC7}" destId="{4992799E-678C-1644-BAB5-45376C4E9BCC}" srcOrd="0" destOrd="0" parTransId="{6CA93F6F-2C5B-3543-B35F-D1B2E291110D}" sibTransId="{0376A2C8-3862-614F-93E3-DF6A3BA3792C}"/>
+    <dgm:cxn modelId="{32D9DA2A-B7C8-624D-9DF7-2B564AA62E89}" type="presOf" srcId="{D8F9A527-09AF-B140-838A-55DF4DB179C5}" destId="{7E171857-7526-8A41-946B-E62B3476A379}" srcOrd="0" destOrd="0" presId="urn:microsoft.com/office/officeart/2005/8/layout/cycle1"/>
+    <dgm:cxn modelId="{211BD333-9662-6A42-AF74-7B348AB3D156}" type="presOf" srcId="{4992799E-678C-1644-BAB5-45376C4E9BCC}" destId="{72A1BD8C-9BA7-DF40-AB13-54AF4A64C774}" srcOrd="0" destOrd="0" presId="urn:microsoft.com/office/officeart/2005/8/layout/cycle1"/>
+    <dgm:cxn modelId="{600A863D-CC7C-804D-B3F6-50E3D6DEC0FD}" type="presOf" srcId="{0376A2C8-3862-614F-93E3-DF6A3BA3792C}" destId="{E5972367-1D0F-3F42-A4B0-A32CE17DB0E2}" srcOrd="0" destOrd="0" presId="urn:microsoft.com/office/officeart/2005/8/layout/cycle1"/>
+    <dgm:cxn modelId="{EA5CB148-CCE2-7A4D-AC13-FF571FE403E9}" srcId="{2AFBA9D6-57E6-1747-BE1A-BC30FF59EFC7}" destId="{D8F9A527-09AF-B140-838A-55DF4DB179C5}" srcOrd="2" destOrd="0" parTransId="{6BCDDBAD-8FBB-DC4B-9723-C87C5467A7A2}" sibTransId="{99DD0ED8-A3B6-0E44-8A5F-533131297894}"/>
+    <dgm:cxn modelId="{CA5A4D5C-EA97-0245-9170-3970C6C03CC8}" type="presOf" srcId="{2AFBA9D6-57E6-1747-BE1A-BC30FF59EFC7}" destId="{5FF27E8B-6DD9-EF4B-A803-C798AEF62AA3}" srcOrd="0" destOrd="0" presId="urn:microsoft.com/office/officeart/2005/8/layout/cycle1"/>
+    <dgm:cxn modelId="{91EA0F60-0C5A-4F4C-826E-8F1028E657AC}" type="presOf" srcId="{4DCC9BC1-AB77-9045-898A-465998B10AB1}" destId="{08A35E68-A8B0-2642-9EE0-584DCD565B71}" srcOrd="0" destOrd="0" presId="urn:microsoft.com/office/officeart/2005/8/layout/cycle1"/>
+    <dgm:cxn modelId="{97FD6E71-54D2-AD45-AE9B-C60269BE6343}" type="presOf" srcId="{C8EA277B-42E9-3542-B18D-4E0E7CC9E2FD}" destId="{0F186D10-BF90-1943-9906-BE5931198E0E}" srcOrd="0" destOrd="0" presId="urn:microsoft.com/office/officeart/2005/8/layout/cycle1"/>
+    <dgm:cxn modelId="{4D67A284-FC58-7448-B458-68BDD6D789DE}" srcId="{2AFBA9D6-57E6-1747-BE1A-BC30FF59EFC7}" destId="{C8EA277B-42E9-3542-B18D-4E0E7CC9E2FD}" srcOrd="1" destOrd="0" parTransId="{D4C7B1B2-5F09-C045-B921-A26E2215EDDC}" sibTransId="{4DCC9BC1-AB77-9045-898A-465998B10AB1}"/>
+    <dgm:cxn modelId="{7E8F84B7-CB41-CE4E-8917-3A74F2C4EFE1}" type="presParOf" srcId="{5FF27E8B-6DD9-EF4B-A803-C798AEF62AA3}" destId="{6D5D3D91-FFD4-EE4F-BA93-19E05EE104C6}" srcOrd="0" destOrd="0" presId="urn:microsoft.com/office/officeart/2005/8/layout/cycle1"/>
+    <dgm:cxn modelId="{F607B691-EA7C-8D4E-8A02-AEFB2386E6B9}" type="presParOf" srcId="{5FF27E8B-6DD9-EF4B-A803-C798AEF62AA3}" destId="{72A1BD8C-9BA7-DF40-AB13-54AF4A64C774}" srcOrd="1" destOrd="0" presId="urn:microsoft.com/office/officeart/2005/8/layout/cycle1"/>
+    <dgm:cxn modelId="{3F4EC348-F695-B649-9DEC-876010453B94}" type="presParOf" srcId="{5FF27E8B-6DD9-EF4B-A803-C798AEF62AA3}" destId="{E5972367-1D0F-3F42-A4B0-A32CE17DB0E2}" srcOrd="2" destOrd="0" presId="urn:microsoft.com/office/officeart/2005/8/layout/cycle1"/>
+    <dgm:cxn modelId="{490FF75B-9A64-B849-BFE7-8167A47CADD6}" type="presParOf" srcId="{5FF27E8B-6DD9-EF4B-A803-C798AEF62AA3}" destId="{FDDCF62B-7D30-7747-857F-BEA10A4993DF}" srcOrd="3" destOrd="0" presId="urn:microsoft.com/office/officeart/2005/8/layout/cycle1"/>
+    <dgm:cxn modelId="{E094E53D-0CC8-FC47-BA6D-7E8F3C6B264C}" type="presParOf" srcId="{5FF27E8B-6DD9-EF4B-A803-C798AEF62AA3}" destId="{0F186D10-BF90-1943-9906-BE5931198E0E}" srcOrd="4" destOrd="0" presId="urn:microsoft.com/office/officeart/2005/8/layout/cycle1"/>
+    <dgm:cxn modelId="{D1B06243-2F21-4D48-90F9-EEA14026B215}" type="presParOf" srcId="{5FF27E8B-6DD9-EF4B-A803-C798AEF62AA3}" destId="{08A35E68-A8B0-2642-9EE0-584DCD565B71}" srcOrd="5" destOrd="0" presId="urn:microsoft.com/office/officeart/2005/8/layout/cycle1"/>
+    <dgm:cxn modelId="{E3152587-1E38-DA4F-8B73-C97F5938B9CA}" type="presParOf" srcId="{5FF27E8B-6DD9-EF4B-A803-C798AEF62AA3}" destId="{2840D037-78A6-044F-B003-833708335EE8}" srcOrd="6" destOrd="0" presId="urn:microsoft.com/office/officeart/2005/8/layout/cycle1"/>
+    <dgm:cxn modelId="{22432896-81DB-5145-BB5C-3D45992693EA}" type="presParOf" srcId="{5FF27E8B-6DD9-EF4B-A803-C798AEF62AA3}" destId="{7E171857-7526-8A41-946B-E62B3476A379}" srcOrd="7" destOrd="0" presId="urn:microsoft.com/office/officeart/2005/8/layout/cycle1"/>
+    <dgm:cxn modelId="{20082A69-CE8D-044E-AE47-F939464DBBEB}" type="presParOf" srcId="{5FF27E8B-6DD9-EF4B-A803-C798AEF62AA3}" destId="{B10B807F-A421-DC40-9C24-68A34ED8B7E8}" srcOrd="8" destOrd="0" presId="urn:microsoft.com/office/officeart/2005/8/layout/cycle1"/>
+  </dgm:cxnLst>
+  <dgm:bg/>
+  <dgm:whole/>
+  <dgm:extLst>
+    <a:ext uri="http://schemas.microsoft.com/office/drawing/2008/diagram">
+      <dsp:dataModelExt xmlns:dsp="http://schemas.microsoft.com/office/drawing/2008/diagram" relId="rId6" minVer="http://schemas.openxmlformats.org/drawingml/2006/diagram"/>
+    </a:ext>
+    <a:ext uri="{C62137D5-CB1D-491B-B009-E17868A290BF}">
+      <dgm14:recolorImg xmlns:dgm14="http://schemas.microsoft.com/office/drawing/2010/diagram" val="1"/>
+    </a:ext>
+  </dgm:extLst>
+</dgm:dataModel>
+</file>
+
+<file path=ppt/diagrams/drawing1.xml><?xml version="1.0" encoding="utf-8"?>
+<dsp:drawing xmlns:dgm="http://schemas.openxmlformats.org/drawingml/2006/diagram" xmlns:dsp="http://schemas.microsoft.com/office/drawing/2008/diagram" xmlns:a="http://schemas.openxmlformats.org/drawingml/2006/main">
+  <dsp:spTree>
+    <dsp:nvGrpSpPr>
+      <dsp:cNvPr id="0" name=""/>
+      <dsp:cNvGrpSpPr/>
+    </dsp:nvGrpSpPr>
+    <dsp:grpSpPr/>
+    <dsp:sp modelId="{72A1BD8C-9BA7-DF40-AB13-54AF4A64C774}">
+      <dsp:nvSpPr>
+        <dsp:cNvPr id="0" name=""/>
+        <dsp:cNvSpPr/>
+      </dsp:nvSpPr>
+      <dsp:spPr>
         <a:xfrm>
-          <a:off x="0" y="0"/>
-          <a:ext cx="0" cy="0"/>
-          <a:chOff x="0" y="0"/>
-          <a:chExt cx="0" cy="0"/>
+          <a:off x="4502517" y="321144"/>
+          <a:ext cx="1640495" cy="1640495"/>
         </a:xfrm>
-      </p:grpSpPr>
-      <p:sp>
-        <p:nvSpPr>
-          <p:cNvPr id="2" name="Slide Image Placeholder 1"/>
-          <p:cNvSpPr>
-            <a:spLocks noGrp="1" noRot="1" noChangeAspect="1"/>
-          </p:cNvSpPr>
-          <p:nvPr>
-            <p:ph type="sldImg"/>
-          </p:nvPr>
-        </p:nvSpPr>
-        <p:spPr/>
-      </p:sp>
-      <p:sp>
-        <p:nvSpPr>
-          <p:cNvPr id="3" name="Notes Placeholder 2"/>
-          <p:cNvSpPr>
-            <a:spLocks noGrp="1"/>
-          </p:cNvSpPr>
-          <p:nvPr>
-            <p:ph type="body" idx="1"/>
-          </p:nvPr>
-        </p:nvSpPr>
-        <p:spPr/>
-        <p:txBody>
-          <a:bodyPr/>
-          <a:lstStyle/>
-          <a:p>
-            <a:endParaRPr lang="en-US" dirty="0"/>
-          </a:p>
-        </p:txBody>
-      </p:sp>
-      <p:sp>
-        <p:nvSpPr>
-          <p:cNvPr id="4" name="Slide Number Placeholder 3"/>
-          <p:cNvSpPr>
-            <a:spLocks noGrp="1"/>
-          </p:cNvSpPr>
-          <p:nvPr>
-            <p:ph type="sldNum" sz="quarter" idx="5"/>
-          </p:nvPr>
-        </p:nvSpPr>
-        <p:spPr/>
-        <p:txBody>
-          <a:bodyPr/>
-          <a:lstStyle/>
-          <a:p>
-            <a:fld id="{AA0A589D-B577-494C-AEB5-A5D4F1908003}" type="slidenum">
-              <a:rPr lang="en-US" smtClean="0"/>
-              <a:t>1</a:t>
-            </a:fld>
-            <a:endParaRPr lang="en-US"/>
-          </a:p>
-        </p:txBody>
-      </p:sp>
-    </p:spTree>
-    <p:extLst>
-      <p:ext uri="{BB962C8B-B14F-4D97-AF65-F5344CB8AC3E}">
-        <p14:creationId xmlns:p14="http://schemas.microsoft.com/office/powerpoint/2010/main" val="235047148"/>
-      </p:ext>
-    </p:extLst>
-  </p:cSld>
-  <p:clrMapOvr>
-    <a:masterClrMapping/>
-  </p:clrMapOvr>
-</p:notes>
+        <a:prstGeom prst="rect">
+          <a:avLst/>
+        </a:prstGeom>
+        <a:noFill/>
+        <a:ln>
+          <a:noFill/>
+        </a:ln>
+        <a:effectLst/>
+      </dsp:spPr>
+      <dsp:style>
+        <a:lnRef idx="0">
+          <a:scrgbClr r="0" g="0" b="0"/>
+        </a:lnRef>
+        <a:fillRef idx="0">
+          <a:scrgbClr r="0" g="0" b="0"/>
+        </a:fillRef>
+        <a:effectRef idx="0">
+          <a:scrgbClr r="0" g="0" b="0"/>
+        </a:effectRef>
+        <a:fontRef idx="minor"/>
+      </dsp:style>
+      <dsp:txBody>
+        <a:bodyPr spcFirstLastPara="0" vert="horz" wrap="square" lIns="31750" tIns="31750" rIns="31750" bIns="31750" numCol="1" spcCol="1270" anchor="ctr" anchorCtr="0">
+          <a:noAutofit/>
+        </a:bodyPr>
+        <a:lstStyle/>
+        <a:p>
+          <a:pPr marL="0" lvl="0" indent="0" algn="ctr" defTabSz="1111250">
+            <a:lnSpc>
+              <a:spcPct val="90000"/>
+            </a:lnSpc>
+            <a:spcBef>
+              <a:spcPct val="0"/>
+            </a:spcBef>
+            <a:spcAft>
+              <a:spcPct val="35000"/>
+            </a:spcAft>
+            <a:buNone/>
+          </a:pPr>
+          <a:r>
+            <a:rPr lang="en-US" sz="2500" b="1" kern="1200"/>
+            <a:t>Assessment</a:t>
+          </a:r>
+        </a:p>
+      </dsp:txBody>
+      <dsp:txXfrm>
+        <a:off x="4502517" y="321144"/>
+        <a:ext cx="1640495" cy="1640495"/>
+      </dsp:txXfrm>
+    </dsp:sp>
+    <dsp:sp modelId="{E5972367-1D0F-3F42-A4B0-A32CE17DB0E2}">
+      <dsp:nvSpPr>
+        <dsp:cNvPr id="0" name=""/>
+        <dsp:cNvSpPr/>
+      </dsp:nvSpPr>
+      <dsp:spPr>
+        <a:xfrm>
+          <a:off x="2003984" y="-1568"/>
+          <a:ext cx="3878730" cy="3878730"/>
+        </a:xfrm>
+        <a:prstGeom prst="circularArrow">
+          <a:avLst>
+            <a:gd name="adj1" fmla="val 8247"/>
+            <a:gd name="adj2" fmla="val 576031"/>
+            <a:gd name="adj3" fmla="val 2964247"/>
+            <a:gd name="adj4" fmla="val 51460"/>
+            <a:gd name="adj5" fmla="val 9622"/>
+          </a:avLst>
+        </a:prstGeom>
+        <a:gradFill rotWithShape="0">
+          <a:gsLst>
+            <a:gs pos="0">
+              <a:schemeClr val="accent2">
+                <a:hueOff val="0"/>
+                <a:satOff val="0"/>
+                <a:lumOff val="0"/>
+                <a:alphaOff val="0"/>
+                <a:satMod val="103000"/>
+                <a:lumMod val="102000"/>
+                <a:tint val="94000"/>
+              </a:schemeClr>
+            </a:gs>
+            <a:gs pos="50000">
+              <a:schemeClr val="accent2">
+                <a:hueOff val="0"/>
+                <a:satOff val="0"/>
+                <a:lumOff val="0"/>
+                <a:alphaOff val="0"/>
+                <a:satMod val="110000"/>
+                <a:lumMod val="100000"/>
+                <a:shade val="100000"/>
+              </a:schemeClr>
+            </a:gs>
+            <a:gs pos="100000">
+              <a:schemeClr val="accent2">
+                <a:hueOff val="0"/>
+                <a:satOff val="0"/>
+                <a:lumOff val="0"/>
+                <a:alphaOff val="0"/>
+                <a:lumMod val="99000"/>
+                <a:satMod val="120000"/>
+                <a:shade val="78000"/>
+              </a:schemeClr>
+            </a:gs>
+          </a:gsLst>
+          <a:lin ang="5400000" scaled="0"/>
+        </a:gradFill>
+        <a:ln>
+          <a:noFill/>
+        </a:ln>
+        <a:effectLst/>
+      </dsp:spPr>
+      <dsp:style>
+        <a:lnRef idx="0">
+          <a:scrgbClr r="0" g="0" b="0"/>
+        </a:lnRef>
+        <a:fillRef idx="3">
+          <a:scrgbClr r="0" g="0" b="0"/>
+        </a:fillRef>
+        <a:effectRef idx="2">
+          <a:scrgbClr r="0" g="0" b="0"/>
+        </a:effectRef>
+        <a:fontRef idx="minor">
+          <a:schemeClr val="lt1"/>
+        </a:fontRef>
+      </dsp:style>
+    </dsp:sp>
+    <dsp:sp modelId="{0F186D10-BF90-1943-9906-BE5931198E0E}">
+      <dsp:nvSpPr>
+        <dsp:cNvPr id="0" name=""/>
+        <dsp:cNvSpPr/>
+      </dsp:nvSpPr>
+      <dsp:spPr>
+        <a:xfrm>
+          <a:off x="3123102" y="2710360"/>
+          <a:ext cx="1640495" cy="1640495"/>
+        </a:xfrm>
+        <a:prstGeom prst="rect">
+          <a:avLst/>
+        </a:prstGeom>
+        <a:noFill/>
+        <a:ln>
+          <a:noFill/>
+        </a:ln>
+        <a:effectLst/>
+      </dsp:spPr>
+      <dsp:style>
+        <a:lnRef idx="0">
+          <a:scrgbClr r="0" g="0" b="0"/>
+        </a:lnRef>
+        <a:fillRef idx="0">
+          <a:scrgbClr r="0" g="0" b="0"/>
+        </a:fillRef>
+        <a:effectRef idx="0">
+          <a:scrgbClr r="0" g="0" b="0"/>
+        </a:effectRef>
+        <a:fontRef idx="minor"/>
+      </dsp:style>
+      <dsp:txBody>
+        <a:bodyPr spcFirstLastPara="0" vert="horz" wrap="square" lIns="31750" tIns="31750" rIns="31750" bIns="31750" numCol="1" spcCol="1270" anchor="ctr" anchorCtr="0">
+          <a:noAutofit/>
+        </a:bodyPr>
+        <a:lstStyle/>
+        <a:p>
+          <a:pPr marL="0" lvl="0" indent="0" algn="ctr" defTabSz="1111250">
+            <a:lnSpc>
+              <a:spcPct val="90000"/>
+            </a:lnSpc>
+            <a:spcBef>
+              <a:spcPct val="0"/>
+            </a:spcBef>
+            <a:spcAft>
+              <a:spcPct val="35000"/>
+            </a:spcAft>
+            <a:buNone/>
+          </a:pPr>
+          <a:r>
+            <a:rPr lang="en-US" sz="2500" b="1" kern="1200"/>
+            <a:t>Treatment Planning</a:t>
+          </a:r>
+        </a:p>
+      </dsp:txBody>
+      <dsp:txXfrm>
+        <a:off x="3123102" y="2710360"/>
+        <a:ext cx="1640495" cy="1640495"/>
+      </dsp:txXfrm>
+    </dsp:sp>
+    <dsp:sp modelId="{08A35E68-A8B0-2642-9EE0-584DCD565B71}">
+      <dsp:nvSpPr>
+        <dsp:cNvPr id="0" name=""/>
+        <dsp:cNvSpPr/>
+      </dsp:nvSpPr>
+      <dsp:spPr>
+        <a:xfrm>
+          <a:off x="2003984" y="-1568"/>
+          <a:ext cx="3878730" cy="3878730"/>
+        </a:xfrm>
+        <a:prstGeom prst="circularArrow">
+          <a:avLst>
+            <a:gd name="adj1" fmla="val 8247"/>
+            <a:gd name="adj2" fmla="val 576031"/>
+            <a:gd name="adj3" fmla="val 10172508"/>
+            <a:gd name="adj4" fmla="val 7259721"/>
+            <a:gd name="adj5" fmla="val 9622"/>
+          </a:avLst>
+        </a:prstGeom>
+        <a:gradFill rotWithShape="0">
+          <a:gsLst>
+            <a:gs pos="0">
+              <a:schemeClr val="accent2">
+                <a:hueOff val="-727682"/>
+                <a:satOff val="-41964"/>
+                <a:lumOff val="4314"/>
+                <a:alphaOff val="0"/>
+                <a:satMod val="103000"/>
+                <a:lumMod val="102000"/>
+                <a:tint val="94000"/>
+              </a:schemeClr>
+            </a:gs>
+            <a:gs pos="50000">
+              <a:schemeClr val="accent2">
+                <a:hueOff val="-727682"/>
+                <a:satOff val="-41964"/>
+                <a:lumOff val="4314"/>
+                <a:alphaOff val="0"/>
+                <a:satMod val="110000"/>
+                <a:lumMod val="100000"/>
+                <a:shade val="100000"/>
+              </a:schemeClr>
+            </a:gs>
+            <a:gs pos="100000">
+              <a:schemeClr val="accent2">
+                <a:hueOff val="-727682"/>
+                <a:satOff val="-41964"/>
+                <a:lumOff val="4314"/>
+                <a:alphaOff val="0"/>
+                <a:lumMod val="99000"/>
+                <a:satMod val="120000"/>
+                <a:shade val="78000"/>
+              </a:schemeClr>
+            </a:gs>
+          </a:gsLst>
+          <a:lin ang="5400000" scaled="0"/>
+        </a:gradFill>
+        <a:ln>
+          <a:noFill/>
+        </a:ln>
+        <a:effectLst/>
+      </dsp:spPr>
+      <dsp:style>
+        <a:lnRef idx="0">
+          <a:scrgbClr r="0" g="0" b="0"/>
+        </a:lnRef>
+        <a:fillRef idx="3">
+          <a:scrgbClr r="0" g="0" b="0"/>
+        </a:fillRef>
+        <a:effectRef idx="2">
+          <a:scrgbClr r="0" g="0" b="0"/>
+        </a:effectRef>
+        <a:fontRef idx="minor">
+          <a:schemeClr val="lt1"/>
+        </a:fontRef>
+      </dsp:style>
+    </dsp:sp>
+    <dsp:sp modelId="{7E171857-7526-8A41-946B-E62B3476A379}">
+      <dsp:nvSpPr>
+        <dsp:cNvPr id="0" name=""/>
+        <dsp:cNvSpPr/>
+      </dsp:nvSpPr>
+      <dsp:spPr>
+        <a:xfrm>
+          <a:off x="1743687" y="321144"/>
+          <a:ext cx="1640495" cy="1640495"/>
+        </a:xfrm>
+        <a:prstGeom prst="rect">
+          <a:avLst/>
+        </a:prstGeom>
+        <a:noFill/>
+        <a:ln>
+          <a:noFill/>
+        </a:ln>
+        <a:effectLst/>
+      </dsp:spPr>
+      <dsp:style>
+        <a:lnRef idx="0">
+          <a:scrgbClr r="0" g="0" b="0"/>
+        </a:lnRef>
+        <a:fillRef idx="0">
+          <a:scrgbClr r="0" g="0" b="0"/>
+        </a:fillRef>
+        <a:effectRef idx="0">
+          <a:scrgbClr r="0" g="0" b="0"/>
+        </a:effectRef>
+        <a:fontRef idx="minor"/>
+      </dsp:style>
+      <dsp:txBody>
+        <a:bodyPr spcFirstLastPara="0" vert="horz" wrap="square" lIns="31750" tIns="31750" rIns="31750" bIns="31750" numCol="1" spcCol="1270" anchor="ctr" anchorCtr="0">
+          <a:noAutofit/>
+        </a:bodyPr>
+        <a:lstStyle/>
+        <a:p>
+          <a:pPr marL="0" lvl="0" indent="0" algn="ctr" defTabSz="1111250">
+            <a:lnSpc>
+              <a:spcPct val="90000"/>
+            </a:lnSpc>
+            <a:spcBef>
+              <a:spcPct val="0"/>
+            </a:spcBef>
+            <a:spcAft>
+              <a:spcPct val="35000"/>
+            </a:spcAft>
+            <a:buNone/>
+          </a:pPr>
+          <a:r>
+            <a:rPr lang="en-US" sz="2500" b="1" kern="1200">
+              <a:solidFill>
+                <a:srgbClr val="FF0000"/>
+              </a:solidFill>
+            </a:rPr>
+            <a:t>Treatment</a:t>
+          </a:r>
+        </a:p>
+      </dsp:txBody>
+      <dsp:txXfrm>
+        <a:off x="1743687" y="321144"/>
+        <a:ext cx="1640495" cy="1640495"/>
+      </dsp:txXfrm>
+    </dsp:sp>
+    <dsp:sp modelId="{B10B807F-A421-DC40-9C24-68A34ED8B7E8}">
+      <dsp:nvSpPr>
+        <dsp:cNvPr id="0" name=""/>
+        <dsp:cNvSpPr/>
+      </dsp:nvSpPr>
+      <dsp:spPr>
+        <a:xfrm>
+          <a:off x="2003984" y="-1568"/>
+          <a:ext cx="3878730" cy="3878730"/>
+        </a:xfrm>
+        <a:prstGeom prst="circularArrow">
+          <a:avLst>
+            <a:gd name="adj1" fmla="val 8247"/>
+            <a:gd name="adj2" fmla="val 576031"/>
+            <a:gd name="adj3" fmla="val 16857086"/>
+            <a:gd name="adj4" fmla="val 14966882"/>
+            <a:gd name="adj5" fmla="val 9622"/>
+          </a:avLst>
+        </a:prstGeom>
+        <a:gradFill rotWithShape="0">
+          <a:gsLst>
+            <a:gs pos="0">
+              <a:schemeClr val="accent2">
+                <a:hueOff val="-1455363"/>
+                <a:satOff val="-83928"/>
+                <a:lumOff val="8628"/>
+                <a:alphaOff val="0"/>
+                <a:satMod val="103000"/>
+                <a:lumMod val="102000"/>
+                <a:tint val="94000"/>
+              </a:schemeClr>
+            </a:gs>
+            <a:gs pos="50000">
+              <a:schemeClr val="accent2">
+                <a:hueOff val="-1455363"/>
+                <a:satOff val="-83928"/>
+                <a:lumOff val="8628"/>
+                <a:alphaOff val="0"/>
+                <a:satMod val="110000"/>
+                <a:lumMod val="100000"/>
+                <a:shade val="100000"/>
+              </a:schemeClr>
+            </a:gs>
+            <a:gs pos="100000">
+              <a:schemeClr val="accent2">
+                <a:hueOff val="-1455363"/>
+                <a:satOff val="-83928"/>
+                <a:lumOff val="8628"/>
+                <a:alphaOff val="0"/>
+                <a:lumMod val="99000"/>
+                <a:satMod val="120000"/>
+                <a:shade val="78000"/>
+              </a:schemeClr>
+            </a:gs>
+          </a:gsLst>
+          <a:lin ang="5400000" scaled="0"/>
+        </a:gradFill>
+        <a:ln>
+          <a:noFill/>
+        </a:ln>
+        <a:effectLst/>
+      </dsp:spPr>
+      <dsp:style>
+        <a:lnRef idx="0">
+          <a:scrgbClr r="0" g="0" b="0"/>
+        </a:lnRef>
+        <a:fillRef idx="3">
+          <a:scrgbClr r="0" g="0" b="0"/>
+        </a:fillRef>
+        <a:effectRef idx="2">
+          <a:scrgbClr r="0" g="0" b="0"/>
+        </a:effectRef>
+        <a:fontRef idx="minor">
+          <a:schemeClr val="lt1"/>
+        </a:fontRef>
+      </dsp:style>
+    </dsp:sp>
+  </dsp:spTree>
+</dsp:drawing>
+</file>
+
+<file path=ppt/diagrams/layout1.xml><?xml version="1.0" encoding="utf-8"?>
+<dgm:layoutDef xmlns:dgm="http://schemas.openxmlformats.org/drawingml/2006/diagram" xmlns:a="http://schemas.openxmlformats.org/drawingml/2006/main" uniqueId="urn:microsoft.com/office/officeart/2005/8/layout/cycle1">
+  <dgm:title val=""/>
+  <dgm:desc val=""/>
+  <dgm:catLst>
+    <dgm:cat type="cycle" pri="2000"/>
+  </dgm:catLst>
+  <dgm:sampData>
+    <dgm:dataModel>
+      <dgm:ptLst>
+        <dgm:pt modelId="0" type="doc"/>
+        <dgm:pt modelId="1">
+          <dgm:prSet phldr="1"/>
+        </dgm:pt>
+        <dgm:pt modelId="2">
+          <dgm:prSet phldr="1"/>
+        </dgm:pt>
+        <dgm:pt modelId="3">
+          <dgm:prSet phldr="1"/>
+        </dgm:pt>
+        <dgm:pt modelId="4">
+          <dgm:prSet phldr="1"/>
+        </dgm:pt>
+        <dgm:pt modelId="5">
+          <dgm:prSet phldr="1"/>
+        </dgm:pt>
+      </dgm:ptLst>
+      <dgm:cxnLst>
+        <dgm:cxn modelId="6" srcId="0" destId="1" srcOrd="0" destOrd="0"/>
+        <dgm:cxn modelId="7" srcId="0" destId="2" srcOrd="1" destOrd="0"/>
+        <dgm:cxn modelId="8" srcId="0" destId="3" srcOrd="2" destOrd="0"/>
+        <dgm:cxn modelId="9" srcId="0" destId="4" srcOrd="3" destOrd="0"/>
+        <dgm:cxn modelId="10" srcId="0" destId="5" srcOrd="4" destOrd="0"/>
+      </dgm:cxnLst>
+      <dgm:bg/>
+      <dgm:whole/>
+    </dgm:dataModel>
+  </dgm:sampData>
+  <dgm:styleData>
+    <dgm:dataModel>
+      <dgm:ptLst>
+        <dgm:pt modelId="0" type="doc"/>
+        <dgm:pt modelId="1"/>
+        <dgm:pt modelId="2"/>
+        <dgm:pt modelId="3"/>
+      </dgm:ptLst>
+      <dgm:cxnLst>
+        <dgm:cxn modelId="4" srcId="0" destId="1" srcOrd="0" destOrd="0"/>
+        <dgm:cxn modelId="5" srcId="0" destId="2" srcOrd="1" destOrd="0"/>
+        <dgm:cxn modelId="6" srcId="0" destId="3" srcOrd="2" destOrd="0"/>
+      </dgm:cxnLst>
+      <dgm:bg/>
+      <dgm:whole/>
+    </dgm:dataModel>
+  </dgm:styleData>
+  <dgm:clrData>
+    <dgm:dataModel>
+      <dgm:ptLst>
+        <dgm:pt modelId="0" type="doc"/>
+        <dgm:pt modelId="1"/>
+        <dgm:pt modelId="2"/>
+        <dgm:pt modelId="3"/>
+        <dgm:pt modelId="4"/>
+        <dgm:pt modelId="5"/>
+        <dgm:pt modelId="6"/>
+      </dgm:ptLst>
+      <dgm:cxnLst>
+        <dgm:cxn modelId="7" srcId="0" destId="1" srcOrd="0" destOrd="0"/>
+        <dgm:cxn modelId="8" srcId="0" destId="2" srcOrd="1" destOrd="0"/>
+        <dgm:cxn modelId="9" srcId="0" destId="3" srcOrd="2" destOrd="0"/>
+        <dgm:cxn modelId="10" srcId="0" destId="4" srcOrd="3" destOrd="0"/>
+        <dgm:cxn modelId="11" srcId="0" destId="5" srcOrd="4" destOrd="0"/>
+        <dgm:cxn modelId="12" srcId="0" destId="6" srcOrd="5" destOrd="0"/>
+      </dgm:cxnLst>
+      <dgm:bg/>
+      <dgm:whole/>
+    </dgm:dataModel>
+  </dgm:clrData>
+  <dgm:layoutNode name="cycle">
+    <dgm:varLst>
+      <dgm:dir/>
+      <dgm:resizeHandles val="exact"/>
+    </dgm:varLst>
+    <dgm:choose name="Name0">
+      <dgm:if name="Name1" func="var" arg="dir" op="equ" val="norm">
+        <dgm:alg type="cycle">
+          <dgm:param type="stAng" val="0"/>
+          <dgm:param type="spanAng" val="360"/>
+        </dgm:alg>
+      </dgm:if>
+      <dgm:else name="Name2">
+        <dgm:alg type="cycle">
+          <dgm:param type="stAng" val="0"/>
+          <dgm:param type="spanAng" val="-360"/>
+        </dgm:alg>
+      </dgm:else>
+    </dgm:choose>
+    <dgm:shape xmlns:r="http://schemas.openxmlformats.org/officeDocument/2006/relationships" r:blip="">
+      <dgm:adjLst/>
+    </dgm:shape>
+    <dgm:presOf/>
+    <dgm:choose name="Name3">
+      <dgm:if name="Name4" func="var" arg="dir" op="equ" val="norm">
+        <dgm:constrLst>
+          <dgm:constr type="diam" val="1"/>
+          <dgm:constr type="w" for="ch" forName="node" refType="w"/>
+          <dgm:constr type="w" for="ch" ptType="sibTrans" refType="w" refFor="ch" refForName="node" fact="0.5"/>
+          <dgm:constr type="h" for="ch" ptType="sibTrans" op="equ"/>
+          <dgm:constr type="diam" for="ch" ptType="sibTrans" refType="diam" op="equ"/>
+          <dgm:constr type="sibSp" refType="w" refFor="ch" refForName="node" fact="0.15"/>
+          <dgm:constr type="w" for="ch" forName="dummy" refType="sibSp" fact="2.8"/>
+          <dgm:constr type="primFontSz" for="ch" forName="node" op="equ" val="65"/>
+        </dgm:constrLst>
+      </dgm:if>
+      <dgm:else name="Name5">
+        <dgm:constrLst>
+          <dgm:constr type="diam" val="1"/>
+          <dgm:constr type="w" for="ch" forName="node" refType="w"/>
+          <dgm:constr type="w" for="ch" ptType="sibTrans" refType="w" refFor="ch" refForName="node" fact="0.5"/>
+          <dgm:constr type="h" for="ch" ptType="sibTrans" op="equ"/>
+          <dgm:constr type="diam" for="ch" ptType="sibTrans" refType="diam" op="equ" fact="-1"/>
+          <dgm:constr type="sibSp" refType="w" refFor="ch" refForName="node" fact="0.15"/>
+          <dgm:constr type="w" for="ch" forName="dummy" refType="sibSp" fact="2.8"/>
+          <dgm:constr type="primFontSz" for="ch" forName="node" op="equ" val="65"/>
+        </dgm:constrLst>
+      </dgm:else>
+    </dgm:choose>
+    <dgm:ruleLst>
+      <dgm:rule type="diam" val="INF" fact="NaN" max="NaN"/>
+    </dgm:ruleLst>
+    <dgm:forEach name="nodesForEach" axis="ch" ptType="node">
+      <dgm:choose name="Name6">
+        <dgm:if name="Name7" axis="par ch" ptType="doc node" func="cnt" op="gt" val="1">
+          <dgm:layoutNode name="dummy">
+            <dgm:alg type="sp"/>
+            <dgm:shape xmlns:r="http://schemas.openxmlformats.org/officeDocument/2006/relationships" r:blip="">
+              <dgm:adjLst/>
+            </dgm:shape>
+            <dgm:presOf/>
+            <dgm:constrLst>
+              <dgm:constr type="h" refType="w"/>
+            </dgm:constrLst>
+            <dgm:ruleLst/>
+          </dgm:layoutNode>
+        </dgm:if>
+        <dgm:else name="Name8"/>
+      </dgm:choose>
+      <dgm:layoutNode name="node" styleLbl="revTx">
+        <dgm:varLst>
+          <dgm:bulletEnabled val="1"/>
+        </dgm:varLst>
+        <dgm:alg type="tx">
+          <dgm:param type="txAnchorVertCh" val="mid"/>
+        </dgm:alg>
+        <dgm:shape xmlns:r="http://schemas.openxmlformats.org/officeDocument/2006/relationships" type="rect" r:blip="">
+          <dgm:adjLst/>
+        </dgm:shape>
+        <dgm:presOf axis="desOrSelf" ptType="node"/>
+        <dgm:constrLst>
+          <dgm:constr type="h" refType="w"/>
+          <dgm:constr type="lMarg" refType="primFontSz" fact="0.1"/>
+          <dgm:constr type="rMarg" refType="primFontSz" fact="0.1"/>
+          <dgm:constr type="tMarg" refType="primFontSz" fact="0.1"/>
+          <dgm:constr type="bMarg" refType="primFontSz" fact="0.1"/>
+        </dgm:constrLst>
+        <dgm:ruleLst>
+          <dgm:rule type="primFontSz" val="5" fact="NaN" max="NaN"/>
+        </dgm:ruleLst>
+      </dgm:layoutNode>
+      <dgm:choose name="Name9">
+        <dgm:if name="Name10" axis="par ch" ptType="doc node" func="cnt" op="gt" val="1">
+          <dgm:forEach name="Name11" axis="followSib" ptType="sibTrans" hideLastTrans="0" cnt="1">
+            <dgm:layoutNode name="sibTrans" styleLbl="node1">
+              <dgm:alg type="conn">
+                <dgm:param type="connRout" val="curve"/>
+                <dgm:param type="begPts" val="radial"/>
+                <dgm:param type="endPts" val="radial"/>
+              </dgm:alg>
+              <dgm:shape xmlns:r="http://schemas.openxmlformats.org/officeDocument/2006/relationships" type="conn" r:blip="">
+                <dgm:adjLst/>
+              </dgm:shape>
+              <dgm:presOf axis="self"/>
+              <dgm:constrLst>
+                <dgm:constr type="h" refType="w" fact="0.65"/>
+                <dgm:constr type="begPad"/>
+                <dgm:constr type="endPad"/>
+              </dgm:constrLst>
+              <dgm:ruleLst/>
+            </dgm:layoutNode>
+          </dgm:forEach>
+        </dgm:if>
+        <dgm:else name="Name12"/>
+      </dgm:choose>
+    </dgm:forEach>
+  </dgm:layoutNode>
+</dgm:layoutDef>
+</file>
+
+<file path=ppt/diagrams/quickStyle1.xml><?xml version="1.0" encoding="utf-8"?>
+<dgm:styleDef xmlns:dgm="http://schemas.openxmlformats.org/drawingml/2006/diagram" xmlns:a="http://schemas.openxmlformats.org/drawingml/2006/main" uniqueId="urn:microsoft.com/office/officeart/2005/8/quickstyle/simple4">
+  <dgm:title val=""/>
+  <dgm:desc val=""/>
+  <dgm:catLst>
+    <dgm:cat type="simple" pri="10400"/>
+  </dgm:catLst>
+  <dgm:scene3d>
+    <a:camera prst="orthographicFront"/>
+    <a:lightRig rig="threePt" dir="t"/>
+  </dgm:scene3d>
+  <dgm:styleLbl name="node0">
+    <dgm:scene3d>
+      <a:camera prst="orthographicFront"/>
+      <a:lightRig rig="threePt" dir="t"/>
+    </dgm:scene3d>
+    <dgm:sp3d/>
+    <dgm:txPr/>
+    <dgm:style>
+      <a:lnRef idx="0">
+        <a:scrgbClr r="0" g="0" b="0"/>
+      </a:lnRef>
+      <a:fillRef idx="3">
+        <a:scrgbClr r="0" g="0" b="0"/>
+      </a:fillRef>
+      <a:effectRef idx="2">
+        <a:scrgbClr r="0" g="0" b="0"/>
+      </a:effectRef>
+      <a:fontRef idx="minor">
+        <a:schemeClr val="lt1"/>
+      </a:fontRef>
+    </dgm:style>
+  </dgm:styleLbl>
+  <dgm:styleLbl name="lnNode1">
+    <dgm:scene3d>
+      <a:camera prst="orthographicFront"/>
+      <a:lightRig rig="threePt" dir="t"/>
+    </dgm:scene3d>
+    <dgm:sp3d/>
+    <dgm:txPr/>
+    <dgm:style>
+      <a:lnRef idx="1">
+        <a:scrgbClr r="0" g="0" b="0"/>
+      </a:lnRef>
+      <a:fillRef idx="3">
+        <a:scrgbClr r="0" g="0" b="0"/>
+      </a:fillRef>
+      <a:effectRef idx="2">
+        <a:scrgbClr r="0" g="0" b="0"/>
+      </a:effectRef>
+      <a:fontRef idx="minor">
+        <a:schemeClr val="lt1"/>
+      </a:fontRef>
+    </dgm:style>
+  </dgm:styleLbl>
+  <dgm:styleLbl name="vennNode1">
+    <dgm:scene3d>
+      <a:camera prst="orthographicFront"/>
+      <a:lightRig rig="threePt" dir="t"/>
+    </dgm:scene3d>
+    <dgm:sp3d/>
+    <dgm:txPr/>
+    <dgm:style>
+      <a:lnRef idx="0">
+        <a:scrgbClr r="0" g="0" b="0"/>
+      </a:lnRef>
+      <a:fillRef idx="3">
+        <a:scrgbClr r="0" g="0" b="0"/>
+      </a:fillRef>
+      <a:effectRef idx="0">
+        <a:scrgbClr r="0" g="0" b="0"/>
+      </a:effectRef>
+      <a:fontRef idx="minor">
+        <a:schemeClr val="tx1"/>
+      </a:fontRef>
+    </dgm:style>
+  </dgm:styleLbl>
+  <dgm:styleLbl name="alignNode1">
+    <dgm:scene3d>
+      <a:camera prst="orthographicFront"/>
+      <a:lightRig rig="threePt" dir="t"/>
+    </dgm:scene3d>
+    <dgm:sp3d/>
+    <dgm:txPr/>
+    <dgm:style>
+      <a:lnRef idx="1">
+        <a:scrgbClr r="0" g="0" b="0"/>
+      </a:lnRef>
+      <a:fillRef idx="3">
+        <a:scrgbClr r="0" g="0" b="0"/>
+      </a:fillRef>
+      <a:effectRef idx="2">
+        <a:scrgbClr r="0" g="0" b="0"/>
+      </a:effectRef>
+      <a:fontRef idx="minor">
+        <a:schemeClr val="lt1"/>
+      </a:fontRef>
+    </dgm:style>
+  </dgm:styleLbl>
+  <dgm:styleLbl name="node1">
+    <dgm:scene3d>
+      <a:camera prst="orthographicFront"/>
+      <a:lightRig rig="threePt" dir="t"/>
+    </dgm:scene3d>
+    <dgm:sp3d/>
+    <dgm:txPr/>
+    <dgm:style>
+      <a:lnRef idx="0">
+        <a:scrgbClr r="0" g="0" b="0"/>
+      </a:lnRef>
+      <a:fillRef idx="3">
+        <a:scrgbClr r="0" g="0" b="0"/>
+      </a:fillRef>
+      <a:effectRef idx="2">
+        <a:scrgbClr r="0" g="0" b="0"/>
+      </a:effectRef>
+      <a:fontRef idx="minor">
+        <a:schemeClr val="lt1"/>
+      </a:fontRef>
+    </dgm:style>
+  </dgm:styleLbl>
+  <dgm:styleLbl name="node2">
+    <dgm:scene3d>
+      <a:camera prst="orthographicFront"/>
+      <a:lightRig rig="threePt" dir="t"/>
+    </dgm:scene3d>
+    <dgm:sp3d/>
+    <dgm:txPr/>
+    <dgm:style>
+      <a:lnRef idx="0">
+        <a:scrgbClr r="0" g="0" b="0"/>
+      </a:lnRef>
+      <a:fillRef idx="3">
+        <a:scrgbClr r="0" g="0" b="0"/>
+      </a:fillRef>
+      <a:effectRef idx="2">
+        <a:scrgbClr r="0" g="0" b="0"/>
+      </a:effectRef>
+      <a:fontRef idx="minor">
+        <a:schemeClr val="lt1"/>
+      </a:fontRef>
+    </dgm:style>
+  </dgm:styleLbl>
+  <dgm:styleLbl name="node3">
+    <dgm:scene3d>
+      <a:camera prst="orthographicFront"/>
+      <a:lightRig rig="threePt" dir="t"/>
+    </dgm:scene3d>
+    <dgm:sp3d/>
+    <dgm:txPr/>
+    <dgm:style>
+      <a:lnRef idx="0">
+        <a:scrgbClr r="0" g="0" b="0"/>
+      </a:lnRef>
+      <a:fillRef idx="3">
+        <a:scrgbClr r="0" g="0" b="0"/>
+      </a:fillRef>
+      <a:effectRef idx="2">
+        <a:scrgbClr r="0" g="0" b="0"/>
+      </a:effectRef>
+      <a:fontRef idx="minor">
+        <a:schemeClr val="lt1"/>
+      </a:fontRef>
+    </dgm:style>
+  </dgm:styleLbl>
+  <dgm:styleLbl name="node4">
+    <dgm:scene3d>
+      <a:camera prst="orthographicFront"/>
+      <a:lightRig rig="threePt" dir="t"/>
+    </dgm:scene3d>
+    <dgm:sp3d/>
+    <dgm:txPr/>
+    <dgm:style>
+      <a:lnRef idx="0">
+        <a:scrgbClr r="0" g="0" b="0"/>
+      </a:lnRef>
+      <a:fillRef idx="3">
+        <a:scrgbClr r="0" g="0" b="0"/>
+      </a:fillRef>
+      <a:effectRef idx="2">
+        <a:scrgbClr r="0" g="0" b="0"/>
+      </a:effectRef>
+      <a:fontRef idx="minor">
+        <a:schemeClr val="lt1"/>
+      </a:fontRef>
+    </dgm:style>
+  </dgm:styleLbl>
+  <dgm:styleLbl name="fgImgPlace1">
+    <dgm:scene3d>
+      <a:camera prst="orthographicFront"/>
+      <a:lightRig rig="threePt" dir="t"/>
+    </dgm:scene3d>
+    <dgm:sp3d/>
+    <dgm:txPr/>
+    <dgm:style>
+      <a:lnRef idx="0">
+        <a:scrgbClr r="0" g="0" b="0"/>
+      </a:lnRef>
+      <a:fillRef idx="1">
+        <a:scrgbClr r="0" g="0" b="0"/>
+      </a:fillRef>
+      <a:effectRef idx="2">
+        <a:scrgbClr r="0" g="0" b="0"/>
+      </a:effectRef>
+      <a:fontRef idx="minor"/>
+    </dgm:style>
+  </dgm:styleLbl>
+  <dgm:styleLbl name="alignImgPlace1">
+    <dgm:scene3d>
+      <a:camera prst="orthographicFront"/>
+      <a:lightRig rig="threePt" dir="t"/>
+    </dgm:scene3d>
+    <dgm:sp3d/>
+    <dgm:txPr/>
+    <dgm:style>
+      <a:lnRef idx="0">
+        <a:scrgbClr r="0" g="0" b="0"/>
+      </a:lnRef>
+      <a:fillRef idx="1">
+        <a:scrgbClr r="0" g="0" b="0"/>
+      </a:fillRef>
+      <a:effectRef idx="2">
+        <a:scrgbClr r="0" g="0" b="0"/>
+      </a:effectRef>
+      <a:fontRef idx="minor"/>
+    </dgm:style>
+  </dgm:styleLbl>
+  <dgm:styleLbl name="bgImgPlace1">
+    <dgm:scene3d>
+      <a:camera prst="orthographicFront"/>
+      <a:lightRig rig="threePt" dir="t"/>
+    </dgm:scene3d>
+    <dgm:sp3d/>
+    <dgm:txPr/>
+    <dgm:style>
+      <a:lnRef idx="0">
+        <a:scrgbClr r="0" g="0" b="0"/>
+      </a:lnRef>
+      <a:fillRef idx="1">
+        <a:scrgbClr r="0" g="0" b="0"/>
+      </a:fillRef>
+      <a:effectRef idx="2">
+        <a:scrgbClr r="0" g="0" b="0"/>
+      </a:effectRef>
+      <a:fontRef idx="minor"/>
+    </dgm:style>
+  </dgm:styleLbl>
+  <dgm:styleLbl name="sibTrans2D1">
+    <dgm:scene3d>
+      <a:camera prst="orthographicFront"/>
+      <a:lightRig rig="threePt" dir="t"/>
+    </dgm:scene3d>
+    <dgm:sp3d/>
+    <dgm:txPr/>
+    <dgm:style>
+      <a:lnRef idx="0">
+        <a:scrgbClr r="0" g="0" b="0"/>
+      </a:lnRef>
+      <a:fillRef idx="3">
+        <a:scrgbClr r="0" g="0" b="0"/>
+      </a:fillRef>
+      <a:effectRef idx="2">
+        <a:scrgbClr r="0" g="0" b="0"/>
+      </a:effectRef>
+      <a:fontRef idx="minor">
+        <a:schemeClr val="lt1"/>
+      </a:fontRef>
+    </dgm:style>
+  </dgm:styleLbl>
+  <dgm:styleLbl name="fgSibTrans2D1">
+    <dgm:scene3d>
+      <a:camera prst="orthographicFront"/>
+      <a:lightRig rig="threePt" dir="t"/>
+    </dgm:scene3d>
+    <dgm:sp3d/>
+    <dgm:txPr/>
+    <dgm:style>
+      <a:lnRef idx="0">
+        <a:scrgbClr r="0" g="0" b="0"/>
+      </a:lnRef>
+      <a:fillRef idx="3">
+        <a:scrgbClr r="0" g="0" b="0"/>
+      </a:fillRef>
+      <a:effectRef idx="2">
+        <a:scrgbClr r="0" g="0" b="0"/>
+      </a:effectRef>
+      <a:fontRef idx="minor">
+        <a:schemeClr val="lt1"/>
+      </a:fontRef>
+    </dgm:style>
+  </dgm:styleLbl>
+  <dgm:styleLbl name="bgSibTrans2D1">
+    <dgm:scene3d>
+      <a:camera prst="orthographicFront"/>
+      <a:lightRig rig="threePt" dir="t"/>
+    </dgm:scene3d>
+    <dgm:sp3d/>
+    <dgm:txPr/>
+    <dgm:style>
+      <a:lnRef idx="0">
+        <a:scrgbClr r="0" g="0" b="0"/>
+      </a:lnRef>
+      <a:fillRef idx="3">
+        <a:scrgbClr r="0" g="0" b="0"/>
+      </a:fillRef>
+      <a:effectRef idx="2">
+        <a:scrgbClr r="0" g="0" b="0"/>
+      </a:effectRef>
+      <a:fontRef idx="minor">
+        <a:schemeClr val="lt1"/>
+      </a:fontRef>
+    </dgm:style>
+  </dgm:styleLbl>
+  <dgm:styleLbl name="sibTrans1D1">
+    <dgm:scene3d>
+      <a:camera prst="orthographicFront"/>
+      <a:lightRig rig="threePt" dir="t"/>
+    </dgm:scene3d>
+    <dgm:sp3d/>
+    <dgm:txPr/>
+    <dgm:style>
+      <a:lnRef idx="1">
+        <a:scrgbClr r="0" g="0" b="0"/>
+      </a:lnRef>
+      <a:fillRef idx="0">
+        <a:scrgbClr r="0" g="0" b="0"/>
+      </a:fillRef>
+      <a:effectRef idx="0">
+        <a:scrgbClr r="0" g="0" b="0"/>
+      </a:effectRef>
+      <a:fontRef idx="minor"/>
+    </dgm:style>
+  </dgm:styleLbl>
+  <dgm:styleLbl name="callout">
+    <dgm:scene3d>
+      <a:camera prst="orthographicFront"/>
+      <a:lightRig rig="threePt" dir="t"/>
+    </dgm:scene3d>
+    <dgm:sp3d/>
+    <dgm:txPr/>
+    <dgm:style>
+      <a:lnRef idx="2">
+        <a:scrgbClr r="0" g="0" b="0"/>
+      </a:lnRef>
+      <a:fillRef idx="1">
+        <a:scrgbClr r="0" g="0" b="0"/>
+      </a:fillRef>
+      <a:effectRef idx="1">
+        <a:scrgbClr r="0" g="0" b="0"/>
+      </a:effectRef>
+      <a:fontRef idx="minor"/>
+    </dgm:style>
+  </dgm:styleLbl>
+  <dgm:styleLbl name="asst0">
+    <dgm:scene3d>
+      <a:camera prst="orthographicFront"/>
+      <a:lightRig rig="threePt" dir="t"/>
+    </dgm:scene3d>
+    <dgm:sp3d/>
+    <dgm:txPr/>
+    <dgm:style>
+      <a:lnRef idx="0">
+        <a:scrgbClr r="0" g="0" b="0"/>
+      </a:lnRef>
+      <a:fillRef idx="3">
+        <a:scrgbClr r="0" g="0" b="0"/>
+      </a:fillRef>
+      <a:effectRef idx="2">
+        <a:scrgbClr r="0" g="0" b="0"/>
+      </a:effectRef>
+      <a:fontRef idx="minor">
+        <a:schemeClr val="lt1"/>
+      </a:fontRef>
+    </dgm:style>
+  </dgm:styleLbl>
+  <dgm:styleLbl name="asst1">
+    <dgm:scene3d>
+      <a:camera prst="orthographicFront"/>
+      <a:lightRig rig="threePt" dir="t"/>
+    </dgm:scene3d>
+    <dgm:sp3d/>
+    <dgm:txPr/>
+    <dgm:style>
+      <a:lnRef idx="0">
+        <a:scrgbClr r="0" g="0" b="0"/>
+      </a:lnRef>
+      <a:fillRef idx="3">
+        <a:scrgbClr r="0" g="0" b="0"/>
+      </a:fillRef>
+      <a:effectRef idx="2">
+        <a:scrgbClr r="0" g="0" b="0"/>
+      </a:effectRef>
+      <a:fontRef idx="minor">
+        <a:schemeClr val="lt1"/>
+      </a:fontRef>
+    </dgm:style>
+  </dgm:styleLbl>
+  <dgm:styleLbl name="asst2">
+    <dgm:scene3d>
+      <a:camera prst="orthographicFront"/>
+      <a:lightRig rig="threePt" dir="t"/>
+    </dgm:scene3d>
+    <dgm:sp3d/>
+    <dgm:txPr/>
+    <dgm:style>
+      <a:lnRef idx="0">
+        <a:scrgbClr r="0" g="0" b="0"/>
+      </a:lnRef>
+      <a:fillRef idx="3">
+        <a:scrgbClr r="0" g="0" b="0"/>
+      </a:fillRef>
+      <a:effectRef idx="2">
+        <a:scrgbClr r="0" g="0" b="0"/>
+      </a:effectRef>
+      <a:fontRef idx="minor">
+        <a:schemeClr val="lt1"/>
+      </a:fontRef>
+    </dgm:style>
+  </dgm:styleLbl>
+  <dgm:styleLbl name="asst3">
+    <dgm:scene3d>
+      <a:camera prst="orthographicFront"/>
+      <a:lightRig rig="threePt" dir="t"/>
+    </dgm:scene3d>
+    <dgm:sp3d/>
+    <dgm:txPr/>
+    <dgm:style>
+      <a:lnRef idx="0">
+        <a:scrgbClr r="0" g="0" b="0"/>
+      </a:lnRef>
+      <a:fillRef idx="3">
+        <a:scrgbClr r="0" g="0" b="0"/>
+      </a:fillRef>
+      <a:effectRef idx="2">
+        <a:scrgbClr r="0" g="0" b="0"/>
+      </a:effectRef>
+      <a:fontRef idx="minor">
+        <a:schemeClr val="lt1"/>
+      </a:fontRef>
+    </dgm:style>
+  </dgm:styleLbl>
+  <dgm:styleLbl name="asst4">
+    <dgm:scene3d>
+      <a:camera prst="orthographicFront"/>
+      <a:lightRig rig="threePt" dir="t"/>
+    </dgm:scene3d>
+    <dgm:sp3d/>
+    <dgm:txPr/>
+    <dgm:style>
+      <a:lnRef idx="0">
+        <a:scrgbClr r="0" g="0" b="0"/>
+      </a:lnRef>
+      <a:fillRef idx="3">
+        <a:scrgbClr r="0" g="0" b="0"/>
+      </a:fillRef>
+      <a:effectRef idx="2">
+        <a:scrgbClr r="0" g="0" b="0"/>
+      </a:effectRef>
+      <a:fontRef idx="minor">
+        <a:schemeClr val="lt1"/>
+      </a:fontRef>
+    </dgm:style>
+  </dgm:styleLbl>
+  <dgm:styleLbl name="parChTrans2D1">
+    <dgm:scene3d>
+      <a:camera prst="orthographicFront"/>
+      <a:lightRig rig="threePt" dir="t"/>
+    </dgm:scene3d>
+    <dgm:sp3d/>
+    <dgm:txPr/>
+    <dgm:style>
+      <a:lnRef idx="0">
+        <a:scrgbClr r="0" g="0" b="0"/>
+      </a:lnRef>
+      <a:fillRef idx="3">
+        <a:scrgbClr r="0" g="0" b="0"/>
+      </a:fillRef>
+      <a:effectRef idx="2">
+        <a:scrgbClr r="0" g="0" b="0"/>
+      </a:effectRef>
+      <a:fontRef idx="minor">
+        <a:schemeClr val="lt1"/>
+      </a:fontRef>
+    </dgm:style>
+  </dgm:styleLbl>
+  <dgm:styleLbl name="parChTrans2D2">
+    <dgm:scene3d>
+      <a:camera prst="orthographicFront"/>
+      <a:lightRig rig="threePt" dir="t"/>
+    </dgm:scene3d>
+    <dgm:sp3d/>
+    <dgm:txPr/>
+    <dgm:style>
+      <a:lnRef idx="0">
+        <a:scrgbClr r="0" g="0" b="0"/>
+      </a:lnRef>
+      <a:fillRef idx="3">
+        <a:scrgbClr r="0" g="0" b="0"/>
+      </a:fillRef>
+      <a:effectRef idx="2">
+        <a:scrgbClr r="0" g="0" b="0"/>
+      </a:effectRef>
+      <a:fontRef idx="minor">
+        <a:schemeClr val="lt1"/>
+      </a:fontRef>
+    </dgm:style>
+  </dgm:styleLbl>
+  <dgm:styleLbl name="parChTrans2D3">
+    <dgm:scene3d>
+      <a:camera prst="orthographicFront"/>
+      <a:lightRig rig="threePt" dir="t"/>
+    </dgm:scene3d>
+    <dgm:sp3d/>
+    <dgm:txPr/>
+    <dgm:style>
+      <a:lnRef idx="1">
+        <a:scrgbClr r="0" g="0" b="0"/>
+      </a:lnRef>
+      <a:fillRef idx="3">
+        <a:scrgbClr r="0" g="0" b="0"/>
+      </a:fillRef>
+      <a:effectRef idx="2">
+        <a:scrgbClr r="0" g="0" b="0"/>
+      </a:effectRef>
+      <a:fontRef idx="minor">
+        <a:schemeClr val="lt1"/>
+      </a:fontRef>
+    </dgm:style>
+  </dgm:styleLbl>
+  <dgm:styleLbl name="parChTrans2D4">
+    <dgm:scene3d>
+      <a:camera prst="orthographicFront"/>
+      <a:lightRig rig="threePt" dir="t"/>
+    </dgm:scene3d>
+    <dgm:sp3d/>
+    <dgm:txPr/>
+    <dgm:style>
+      <a:lnRef idx="1">
+        <a:scrgbClr r="0" g="0" b="0"/>
+      </a:lnRef>
+      <a:fillRef idx="3">
+        <a:scrgbClr r="0" g="0" b="0"/>
+      </a:fillRef>
+      <a:effectRef idx="2">
+        <a:scrgbClr r="0" g="0" b="0"/>
+      </a:effectRef>
+      <a:fontRef idx="minor">
+        <a:schemeClr val="lt1"/>
+      </a:fontRef>
+    </dgm:style>
+  </dgm:styleLbl>
+  <dgm:styleLbl name="parChTrans1D1">
+    <dgm:scene3d>
+      <a:camera prst="orthographicFront"/>
+      <a:lightRig rig="threePt" dir="t"/>
+    </dgm:scene3d>
+    <dgm:sp3d/>
+    <dgm:txPr/>
+    <dgm:style>
+      <a:lnRef idx="1">
+        <a:scrgbClr r="0" g="0" b="0"/>
+      </a:lnRef>
+      <a:fillRef idx="0">
+        <a:scrgbClr r="0" g="0" b="0"/>
+      </a:fillRef>
+      <a:effectRef idx="0">
+        <a:scrgbClr r="0" g="0" b="0"/>
+      </a:effectRef>
+      <a:fontRef idx="minor"/>
+    </dgm:style>
+  </dgm:styleLbl>
+  <dgm:styleLbl name="parChTrans1D2">
+    <dgm:scene3d>
+      <a:camera prst="orthographicFront"/>
+      <a:lightRig rig="threePt" dir="t"/>
+    </dgm:scene3d>
+    <dgm:sp3d/>
+    <dgm:txPr/>
+    <dgm:style>
+      <a:lnRef idx="1">
+        <a:scrgbClr r="0" g="0" b="0"/>
+      </a:lnRef>
+      <a:fillRef idx="0">
+        <a:scrgbClr r="0" g="0" b="0"/>
+      </a:fillRef>
+      <a:effectRef idx="0">
+        <a:scrgbClr r="0" g="0" b="0"/>
+      </a:effectRef>
+      <a:fontRef idx="minor"/>
+    </dgm:style>
+  </dgm:styleLbl>
+  <dgm:styleLbl name="parChTrans1D3">
+    <dgm:scene3d>
+      <a:camera prst="orthographicFront"/>
+      <a:lightRig rig="threePt" dir="t"/>
+    </dgm:scene3d>
+    <dgm:sp3d/>
+    <dgm:txPr/>
+    <dgm:style>
+      <a:lnRef idx="1">
+        <a:scrgbClr r="0" g="0" b="0"/>
+      </a:lnRef>
+      <a:fillRef idx="0">
+        <a:scrgbClr r="0" g="0" b="0"/>
+      </a:fillRef>
+      <a:effectRef idx="0">
+        <a:scrgbClr r="0" g="0" b="0"/>
+      </a:effectRef>
+      <a:fontRef idx="minor"/>
+    </dgm:style>
+  </dgm:styleLbl>
+  <dgm:styleLbl name="parChTrans1D4">
+    <dgm:scene3d>
+      <a:camera prst="orthographicFront"/>
+      <a:lightRig rig="threePt" dir="t"/>
+    </dgm:scene3d>
+    <dgm:sp3d/>
+    <dgm:txPr/>
+    <dgm:style>
+      <a:lnRef idx="1">
+        <a:scrgbClr r="0" g="0" b="0"/>
+      </a:lnRef>
+      <a:fillRef idx="0">
+        <a:scrgbClr r="0" g="0" b="0"/>
+      </a:fillRef>
+      <a:effectRef idx="0">
+        <a:scrgbClr r="0" g="0" b="0"/>
+      </a:effectRef>
+      <a:fontRef idx="minor"/>
+    </dgm:style>
+  </dgm:styleLbl>
+  <dgm:styleLbl name="fgAcc1">
+    <dgm:scene3d>
+      <a:camera prst="orthographicFront"/>
+      <a:lightRig rig="threePt" dir="t"/>
+    </dgm:scene3d>
+    <dgm:sp3d/>
+    <dgm:txPr/>
+    <dgm:style>
+      <a:lnRef idx="1">
+        <a:scrgbClr r="0" g="0" b="0"/>
+      </a:lnRef>
+      <a:fillRef idx="1">
+        <a:scrgbClr r="0" g="0" b="0"/>
+      </a:fillRef>
+      <a:effectRef idx="0">
+        <a:scrgbClr r="0" g="0" b="0"/>
+      </a:effectRef>
+      <a:fontRef idx="minor"/>
+    </dgm:style>
+  </dgm:styleLbl>
+  <dgm:styleLbl name="conFgAcc1">
+    <dgm:scene3d>
+      <a:camera prst="orthographicFront"/>
+      <a:lightRig rig="threePt" dir="t"/>
+    </dgm:scene3d>
+    <dgm:sp3d/>
+    <dgm:txPr/>
+    <dgm:style>
+      <a:lnRef idx="1">
+        <a:scrgbClr r="0" g="0" b="0"/>
+      </a:lnRef>
+      <a:fillRef idx="1">
+        <a:scrgbClr r="0" g="0" b="0"/>
+      </a:fillRef>
+      <a:effectRef idx="0">
+        <a:scrgbClr r="0" g="0" b="0"/>
+      </a:effectRef>
+      <a:fontRef idx="minor"/>
+    </dgm:style>
+  </dgm:styleLbl>
+  <dgm:styleLbl name="alignAcc1">
+    <dgm:scene3d>
+      <a:camera prst="orthographicFront"/>
+      <a:lightRig rig="threePt" dir="t"/>
+    </dgm:scene3d>
+    <dgm:sp3d/>
+    <dgm:txPr/>
+    <dgm:style>
+      <a:lnRef idx="1">
+        <a:scrgbClr r="0" g="0" b="0"/>
+      </a:lnRef>
+      <a:fillRef idx="1">
+        <a:scrgbClr r="0" g="0" b="0"/>
+      </a:fillRef>
+      <a:effectRef idx="0">
+        <a:scrgbClr r="0" g="0" b="0"/>
+      </a:effectRef>
+      <a:fontRef idx="minor"/>
+    </dgm:style>
+  </dgm:styleLbl>
+  <dgm:styleLbl name="trAlignAcc1">
+    <dgm:scene3d>
+      <a:camera prst="orthographicFront"/>
+      <a:lightRig rig="threePt" dir="t"/>
+    </dgm:scene3d>
+    <dgm:sp3d/>
+    <dgm:txPr/>
+    <dgm:style>
+      <a:lnRef idx="1">
+        <a:scrgbClr r="0" g="0" b="0"/>
+      </a:lnRef>
+      <a:fillRef idx="1">
+        <a:scrgbClr r="0" g="0" b="0"/>
+      </a:fillRef>
+      <a:effectRef idx="0">
+        <a:scrgbClr r="0" g="0" b="0"/>
+      </a:effectRef>
+      <a:fontRef idx="minor"/>
+    </dgm:style>
+  </dgm:styleLbl>
+  <dgm:styleLbl name="bgAcc1">
+    <dgm:scene3d>
+      <a:camera prst="orthographicFront"/>
+      <a:lightRig rig="threePt" dir="t"/>
+    </dgm:scene3d>
+    <dgm:sp3d/>
+    <dgm:txPr/>
+    <dgm:style>
+      <a:lnRef idx="1">
+        <a:scrgbClr r="0" g="0" b="0"/>
+      </a:lnRef>
+      <a:fillRef idx="1">
+        <a:scrgbClr r="0" g="0" b="0"/>
+      </a:fillRef>
+      <a:effectRef idx="0">
+        <a:scrgbClr r="0" g="0" b="0"/>
+      </a:effectRef>
+      <a:fontRef idx="minor"/>
+    </dgm:style>
+  </dgm:styleLbl>
+  <dgm:styleLbl name="solidFgAcc1">
+    <dgm:scene3d>
+      <a:camera prst="orthographicFront"/>
+      <a:lightRig rig="threePt" dir="t"/>
+    </dgm:scene3d>
+    <dgm:sp3d/>
+    <dgm:txPr/>
+    <dgm:style>
+      <a:lnRef idx="1">
+        <a:scrgbClr r="0" g="0" b="0"/>
+      </a:lnRef>
+      <a:fillRef idx="1">
+        <a:scrgbClr r="0" g="0" b="0"/>
+      </a:fillRef>
+      <a:effectRef idx="0">
+        <a:scrgbClr r="0" g="0" b="0"/>
+      </a:effectRef>
+      <a:fontRef idx="minor"/>
+    </dgm:style>
+  </dgm:styleLbl>
+  <dgm:styleLbl name="solidAlignAcc1">
+    <dgm:scene3d>
+      <a:camera prst="orthographicFront"/>
+      <a:lightRig rig="threePt" dir="t"/>
+    </dgm:scene3d>
+    <dgm:sp3d/>
+    <dgm:txPr/>
+    <dgm:style>
+      <a:lnRef idx="1">
+        <a:scrgbClr r="0" g="0" b="0"/>
+      </a:lnRef>
+      <a:fillRef idx="1">
+        <a:scrgbClr r="0" g="0" b="0"/>
+      </a:fillRef>
+      <a:effectRef idx="0">
+        <a:scrgbClr r="0" g="0" b="0"/>
+      </a:effectRef>
+      <a:fontRef idx="minor"/>
+    </dgm:style>
+  </dgm:styleLbl>
+  <dgm:styleLbl name="solidBgAcc1">
+    <dgm:scene3d>
+      <a:camera prst="orthographicFront"/>
+      <a:lightRig rig="threePt" dir="t"/>
+    </dgm:scene3d>
+    <dgm:sp3d/>
+    <dgm:txPr/>
+    <dgm:style>
+      <a:lnRef idx="1">
+        <a:scrgbClr r="0" g="0" b="0"/>
+      </a:lnRef>
+      <a:fillRef idx="1">
+        <a:scrgbClr r="0" g="0" b="0"/>
+      </a:fillRef>
+      <a:effectRef idx="0">
+        <a:scrgbClr r="0" g="0" b="0"/>
+      </a:effectRef>
+      <a:fontRef idx="minor"/>
+    </dgm:style>
+  </dgm:styleLbl>
+  <dgm:styleLbl name="fgAccFollowNode1">
+    <dgm:scene3d>
+      <a:camera prst="orthographicFront"/>
+      <a:lightRig rig="threePt" dir="t"/>
+    </dgm:scene3d>
+    <dgm:sp3d/>
+    <dgm:txPr/>
+    <dgm:style>
+      <a:lnRef idx="1">
+        <a:scrgbClr r="0" g="0" b="0"/>
+      </a:lnRef>
+      <a:fillRef idx="1">
+        <a:scrgbClr r="0" g="0" b="0"/>
+      </a:fillRef>
+      <a:effectRef idx="0">
+        <a:scrgbClr r="0" g="0" b="0"/>
+      </a:effectRef>
+      <a:fontRef idx="minor"/>
+    </dgm:style>
+  </dgm:styleLbl>
+  <dgm:styleLbl name="alignAccFollowNode1">
+    <dgm:scene3d>
+      <a:camera prst="orthographicFront"/>
+      <a:lightRig rig="threePt" dir="t"/>
+    </dgm:scene3d>
+    <dgm:sp3d/>
+    <dgm:txPr/>
+    <dgm:style>
+      <a:lnRef idx="1">
+        <a:scrgbClr r="0" g="0" b="0"/>
+      </a:lnRef>
+      <a:fillRef idx="1">
+        <a:scrgbClr r="0" g="0" b="0"/>
+      </a:fillRef>
+      <a:effectRef idx="0">
+        <a:scrgbClr r="0" g="0" b="0"/>
+      </a:effectRef>
+      <a:fontRef idx="minor"/>
+    </dgm:style>
+  </dgm:styleLbl>
+  <dgm:styleLbl name="bgAccFollowNode1">
+    <dgm:scene3d>
+      <a:camera prst="orthographicFront"/>
+      <a:lightRig rig="threePt" dir="t"/>
+    </dgm:scene3d>
+    <dgm:sp3d/>
+    <dgm:txPr/>
+    <dgm:style>
+      <a:lnRef idx="1">
+        <a:scrgbClr r="0" g="0" b="0"/>
+      </a:lnRef>
+      <a:fillRef idx="1">
+        <a:scrgbClr r="0" g="0" b="0"/>
+      </a:fillRef>
+      <a:effectRef idx="0">
+        <a:scrgbClr r="0" g="0" b="0"/>
+      </a:effectRef>
+      <a:fontRef idx="minor"/>
+    </dgm:style>
+  </dgm:styleLbl>
+  <dgm:styleLbl name="fgAcc0">
+    <dgm:scene3d>
+      <a:camera prst="orthographicFront"/>
+      <a:lightRig rig="threePt" dir="t"/>
+    </dgm:scene3d>
+    <dgm:sp3d/>
+    <dgm:txPr/>
+    <dgm:style>
+      <a:lnRef idx="1">
+        <a:scrgbClr r="0" g="0" b="0"/>
+      </a:lnRef>
+      <a:fillRef idx="1">
+        <a:scrgbClr r="0" g="0" b="0"/>
+      </a:fillRef>
+      <a:effectRef idx="0">
+        <a:scrgbClr r="0" g="0" b="0"/>
+      </a:effectRef>
+      <a:fontRef idx="minor"/>
+    </dgm:style>
+  </dgm:styleLbl>
+  <dgm:styleLbl name="fgAcc2">
+    <dgm:scene3d>
+      <a:camera prst="orthographicFront"/>
+      <a:lightRig rig="threePt" dir="t"/>
+    </dgm:scene3d>
+    <dgm:sp3d/>
+    <dgm:txPr/>
+    <dgm:style>
+      <a:lnRef idx="1">
+        <a:scrgbClr r="0" g="0" b="0"/>
+      </a:lnRef>
+      <a:fillRef idx="1">
+        <a:scrgbClr r="0" g="0" b="0"/>
+      </a:fillRef>
+      <a:effectRef idx="0">
+        <a:scrgbClr r="0" g="0" b="0"/>
+      </a:effectRef>
+      <a:fontRef idx="minor"/>
+    </dgm:style>
+  </dgm:styleLbl>
+  <dgm:styleLbl name="fgAcc3">
+    <dgm:scene3d>
+      <a:camera prst="orthographicFront"/>
+      <a:lightRig rig="threePt" dir="t"/>
+    </dgm:scene3d>
+    <dgm:sp3d/>
+    <dgm:txPr/>
+    <dgm:style>
+      <a:lnRef idx="1">
+        <a:scrgbClr r="0" g="0" b="0"/>
+      </a:lnRef>
+      <a:fillRef idx="1">
+        <a:scrgbClr r="0" g="0" b="0"/>
+      </a:fillRef>
+      <a:effectRef idx="0">
+        <a:scrgbClr r="0" g="0" b="0"/>
+      </a:effectRef>
+      <a:fontRef idx="minor"/>
+    </dgm:style>
+  </dgm:styleLbl>
+  <dgm:styleLbl name="fgAcc4">
+    <dgm:scene3d>
+      <a:camera prst="orthographicFront"/>
+      <a:lightRig rig="threePt" dir="t"/>
+    </dgm:scene3d>
+    <dgm:sp3d/>
+    <dgm:txPr/>
+    <dgm:style>
+      <a:lnRef idx="1">
+        <a:scrgbClr r="0" g="0" b="0"/>
+      </a:lnRef>
+      <a:fillRef idx="1">
+        <a:scrgbClr r="0" g="0" b="0"/>
+      </a:fillRef>
+      <a:effectRef idx="0">
+        <a:scrgbClr r="0" g="0" b="0"/>
+      </a:effectRef>
+      <a:fontRef idx="minor"/>
+    </dgm:style>
+  </dgm:styleLbl>
+  <dgm:styleLbl name="bgShp">
+    <dgm:scene3d>
+      <a:camera prst="orthographicFront"/>
+      <a:lightRig rig="threePt" dir="t"/>
+    </dgm:scene3d>
+    <dgm:sp3d/>
+    <dgm:txPr/>
+    <dgm:style>
+      <a:lnRef idx="0">
+        <a:scrgbClr r="0" g="0" b="0"/>
+      </a:lnRef>
+      <a:fillRef idx="1">
+        <a:scrgbClr r="0" g="0" b="0"/>
+      </a:fillRef>
+      <a:effectRef idx="2">
+        <a:scrgbClr r="0" g="0" b="0"/>
+      </a:effectRef>
+      <a:fontRef idx="minor"/>
+    </dgm:style>
+  </dgm:styleLbl>
+  <dgm:styleLbl name="dkBgShp">
+    <dgm:scene3d>
+      <a:camera prst="orthographicFront"/>
+      <a:lightRig rig="threePt" dir="t"/>
+    </dgm:scene3d>
+    <dgm:sp3d/>
+    <dgm:txPr/>
+    <dgm:style>
+      <a:lnRef idx="0">
+        <a:scrgbClr r="0" g="0" b="0"/>
+      </a:lnRef>
+      <a:fillRef idx="1">
+        <a:scrgbClr r="0" g="0" b="0"/>
+      </a:fillRef>
+      <a:effectRef idx="2">
+        <a:scrgbClr r="0" g="0" b="0"/>
+      </a:effectRef>
+      <a:fontRef idx="minor"/>
+    </dgm:style>
+  </dgm:styleLbl>
+  <dgm:styleLbl name="trBgShp">
+    <dgm:scene3d>
+      <a:camera prst="orthographicFront"/>
+      <a:lightRig rig="threePt" dir="t"/>
+    </dgm:scene3d>
+    <dgm:sp3d/>
+    <dgm:txPr/>
+    <dgm:style>
+      <a:lnRef idx="0">
+        <a:scrgbClr r="0" g="0" b="0"/>
+      </a:lnRef>
+      <a:fillRef idx="1">
+        <a:scrgbClr r="0" g="0" b="0"/>
+      </a:fillRef>
+      <a:effectRef idx="0">
+        <a:scrgbClr r="0" g="0" b="0"/>
+      </a:effectRef>
+      <a:fontRef idx="minor"/>
+    </dgm:style>
+  </dgm:styleLbl>
+  <dgm:styleLbl name="fgShp">
+    <dgm:scene3d>
+      <a:camera prst="orthographicFront"/>
+      <a:lightRig rig="threePt" dir="t"/>
+    </dgm:scene3d>
+    <dgm:sp3d/>
+    <dgm:txPr/>
+    <dgm:style>
+      <a:lnRef idx="0">
+        <a:scrgbClr r="0" g="0" b="0"/>
+      </a:lnRef>
+      <a:fillRef idx="3">
+        <a:scrgbClr r="0" g="0" b="0"/>
+      </a:fillRef>
+      <a:effectRef idx="2">
+        <a:scrgbClr r="0" g="0" b="0"/>
+      </a:effectRef>
+      <a:fontRef idx="minor"/>
+    </dgm:style>
+  </dgm:styleLbl>
+  <dgm:styleLbl name="revTx">
+    <dgm:scene3d>
+      <a:camera prst="orthographicFront"/>
+      <a:lightRig rig="threePt" dir="t"/>
+    </dgm:scene3d>
+    <dgm:sp3d/>
+    <dgm:txPr/>
+    <dgm:style>
+      <a:lnRef idx="0">
+        <a:scrgbClr r="0" g="0" b="0"/>
+      </a:lnRef>
+      <a:fillRef idx="0">
+        <a:scrgbClr r="0" g="0" b="0"/>
+      </a:fillRef>
+      <a:effectRef idx="0">
+        <a:scrgbClr r="0" g="0" b="0"/>
+      </a:effectRef>
+      <a:fontRef idx="minor"/>
+    </dgm:style>
+  </dgm:styleLbl>
+</dgm:styleDef>
 </file>
 
 <file path=ppt/slideLayouts/slideLayout1.xml><?xml version="1.0" encoding="utf-8"?>
@@ -572,7 +2804,7 @@
           <p:cNvPr id="2" name="Title 1">
             <a:extLst>
               <a:ext uri="{FF2B5EF4-FFF2-40B4-BE49-F238E27FC236}">
-                <a16:creationId xmlns:a16="http://schemas.microsoft.com/office/drawing/2014/main" id="{17DB8D64-CB5F-0F44-A8FF-179887BABB5E}"/>
+                <a16:creationId xmlns:a16="http://schemas.microsoft.com/office/drawing/2014/main" id="{5898D758-2984-CE44-A795-281DB734D81D}"/>
               </a:ext>
             </a:extLst>
           </p:cNvPr>
@@ -609,7 +2841,7 @@
           <p:cNvPr id="3" name="Subtitle 2">
             <a:extLst>
               <a:ext uri="{FF2B5EF4-FFF2-40B4-BE49-F238E27FC236}">
-                <a16:creationId xmlns:a16="http://schemas.microsoft.com/office/drawing/2014/main" id="{DF1E1F2E-385D-DB44-863C-965C613223FF}"/>
+                <a16:creationId xmlns:a16="http://schemas.microsoft.com/office/drawing/2014/main" id="{5C32F719-3E29-344E-9292-8DCFB4FD4352}"/>
               </a:ext>
             </a:extLst>
           </p:cNvPr>
@@ -679,7 +2911,7 @@
           <p:cNvPr id="4" name="Date Placeholder 3">
             <a:extLst>
               <a:ext uri="{FF2B5EF4-FFF2-40B4-BE49-F238E27FC236}">
-                <a16:creationId xmlns:a16="http://schemas.microsoft.com/office/drawing/2014/main" id="{BAD06740-7C0B-5A4B-8B9A-F140CE2E50C1}"/>
+                <a16:creationId xmlns:a16="http://schemas.microsoft.com/office/drawing/2014/main" id="{93C99B26-DAD5-3440-AF8A-4F3C5F832EA3}"/>
               </a:ext>
             </a:extLst>
           </p:cNvPr>
@@ -695,7 +2927,7 @@
           <a:bodyPr/>
           <a:lstStyle/>
           <a:p>
-            <a:fld id="{103AB393-843B-0549-A1DB-D48CA4D2E3CA}" type="datetimeFigureOut">
+            <a:fld id="{B635C27E-DB9D-DC43-AD69-E6DD4F40A5E0}" type="datetimeFigureOut">
               <a:rPr lang="en-US" smtClean="0"/>
               <a:t>1/11/22</a:t>
             </a:fld>
@@ -708,7 +2940,7 @@
           <p:cNvPr id="5" name="Footer Placeholder 4">
             <a:extLst>
               <a:ext uri="{FF2B5EF4-FFF2-40B4-BE49-F238E27FC236}">
-                <a16:creationId xmlns:a16="http://schemas.microsoft.com/office/drawing/2014/main" id="{533F3108-FDD0-9045-BDBE-4B3F035FA37E}"/>
+                <a16:creationId xmlns:a16="http://schemas.microsoft.com/office/drawing/2014/main" id="{5686F72A-24E2-724B-91CA-D99821AF7BE6}"/>
               </a:ext>
             </a:extLst>
           </p:cNvPr>
@@ -733,7 +2965,7 @@
           <p:cNvPr id="6" name="Slide Number Placeholder 5">
             <a:extLst>
               <a:ext uri="{FF2B5EF4-FFF2-40B4-BE49-F238E27FC236}">
-                <a16:creationId xmlns:a16="http://schemas.microsoft.com/office/drawing/2014/main" id="{2F937EE0-26B8-2B4C-9983-C7EC709AACC5}"/>
+                <a16:creationId xmlns:a16="http://schemas.microsoft.com/office/drawing/2014/main" id="{5D919B94-82DB-AD44-9B5A-8F58F880269D}"/>
               </a:ext>
             </a:extLst>
           </p:cNvPr>
@@ -749,7 +2981,7 @@
           <a:bodyPr/>
           <a:lstStyle/>
           <a:p>
-            <a:fld id="{A12F386A-BC44-7449-887B-B0464F5097FA}" type="slidenum">
+            <a:fld id="{E977EE1A-CE0E-2A47-B4CC-18ED2EE211E1}" type="slidenum">
               <a:rPr lang="en-US" smtClean="0"/>
               <a:t>‹#›</a:t>
             </a:fld>
@@ -760,7 +2992,7 @@
     </p:spTree>
     <p:extLst>
       <p:ext uri="{BB962C8B-B14F-4D97-AF65-F5344CB8AC3E}">
-        <p14:creationId xmlns:p14="http://schemas.microsoft.com/office/powerpoint/2010/main" val="4018932730"/>
+        <p14:creationId xmlns:p14="http://schemas.microsoft.com/office/powerpoint/2010/main" val="3830232066"/>
       </p:ext>
     </p:extLst>
   </p:cSld>
@@ -792,7 +3024,7 @@
           <p:cNvPr id="2" name="Title 1">
             <a:extLst>
               <a:ext uri="{FF2B5EF4-FFF2-40B4-BE49-F238E27FC236}">
-                <a16:creationId xmlns:a16="http://schemas.microsoft.com/office/drawing/2014/main" id="{60EA07D2-8D0B-5743-9162-1DC2FCA39E9B}"/>
+                <a16:creationId xmlns:a16="http://schemas.microsoft.com/office/drawing/2014/main" id="{073691C1-F2B1-D448-A866-DA8E539C353A}"/>
               </a:ext>
             </a:extLst>
           </p:cNvPr>
@@ -820,7 +3052,7 @@
           <p:cNvPr id="3" name="Vertical Text Placeholder 2">
             <a:extLst>
               <a:ext uri="{FF2B5EF4-FFF2-40B4-BE49-F238E27FC236}">
-                <a16:creationId xmlns:a16="http://schemas.microsoft.com/office/drawing/2014/main" id="{D01CFC75-57C5-BD42-B7CE-F3D62A3F4417}"/>
+                <a16:creationId xmlns:a16="http://schemas.microsoft.com/office/drawing/2014/main" id="{80A4A306-AB8A-0641-814A-C00D47009133}"/>
               </a:ext>
             </a:extLst>
           </p:cNvPr>
@@ -877,7 +3109,7 @@
           <p:cNvPr id="4" name="Date Placeholder 3">
             <a:extLst>
               <a:ext uri="{FF2B5EF4-FFF2-40B4-BE49-F238E27FC236}">
-                <a16:creationId xmlns:a16="http://schemas.microsoft.com/office/drawing/2014/main" id="{1626AEC8-82D3-3F40-A237-D84C0E856F57}"/>
+                <a16:creationId xmlns:a16="http://schemas.microsoft.com/office/drawing/2014/main" id="{030FF524-BA28-DB4A-8478-1A7EA060607F}"/>
               </a:ext>
             </a:extLst>
           </p:cNvPr>
@@ -893,7 +3125,7 @@
           <a:bodyPr/>
           <a:lstStyle/>
           <a:p>
-            <a:fld id="{103AB393-843B-0549-A1DB-D48CA4D2E3CA}" type="datetimeFigureOut">
+            <a:fld id="{B635C27E-DB9D-DC43-AD69-E6DD4F40A5E0}" type="datetimeFigureOut">
               <a:rPr lang="en-US" smtClean="0"/>
               <a:t>1/11/22</a:t>
             </a:fld>
@@ -906,7 +3138,7 @@
           <p:cNvPr id="5" name="Footer Placeholder 4">
             <a:extLst>
               <a:ext uri="{FF2B5EF4-FFF2-40B4-BE49-F238E27FC236}">
-                <a16:creationId xmlns:a16="http://schemas.microsoft.com/office/drawing/2014/main" id="{3A9C102D-CB90-2043-B429-3CB2C68A2D26}"/>
+                <a16:creationId xmlns:a16="http://schemas.microsoft.com/office/drawing/2014/main" id="{8AF1559E-FFC5-F94C-8717-35695E4F5DFA}"/>
               </a:ext>
             </a:extLst>
           </p:cNvPr>
@@ -931,7 +3163,7 @@
           <p:cNvPr id="6" name="Slide Number Placeholder 5">
             <a:extLst>
               <a:ext uri="{FF2B5EF4-FFF2-40B4-BE49-F238E27FC236}">
-                <a16:creationId xmlns:a16="http://schemas.microsoft.com/office/drawing/2014/main" id="{8EDBDC96-90FC-8740-B94E-AD8E13ACA157}"/>
+                <a16:creationId xmlns:a16="http://schemas.microsoft.com/office/drawing/2014/main" id="{740C3D26-4211-2042-BB9A-853CA64744FE}"/>
               </a:ext>
             </a:extLst>
           </p:cNvPr>
@@ -947,7 +3179,7 @@
           <a:bodyPr/>
           <a:lstStyle/>
           <a:p>
-            <a:fld id="{A12F386A-BC44-7449-887B-B0464F5097FA}" type="slidenum">
+            <a:fld id="{E977EE1A-CE0E-2A47-B4CC-18ED2EE211E1}" type="slidenum">
               <a:rPr lang="en-US" smtClean="0"/>
               <a:t>‹#›</a:t>
             </a:fld>
@@ -958,7 +3190,7 @@
     </p:spTree>
     <p:extLst>
       <p:ext uri="{BB962C8B-B14F-4D97-AF65-F5344CB8AC3E}">
-        <p14:creationId xmlns:p14="http://schemas.microsoft.com/office/powerpoint/2010/main" val="84952881"/>
+        <p14:creationId xmlns:p14="http://schemas.microsoft.com/office/powerpoint/2010/main" val="1559484291"/>
       </p:ext>
     </p:extLst>
   </p:cSld>
@@ -990,7 +3222,7 @@
           <p:cNvPr id="2" name="Vertical Title 1">
             <a:extLst>
               <a:ext uri="{FF2B5EF4-FFF2-40B4-BE49-F238E27FC236}">
-                <a16:creationId xmlns:a16="http://schemas.microsoft.com/office/drawing/2014/main" id="{517EE829-8355-994E-B5EC-1C85FE2EE61F}"/>
+                <a16:creationId xmlns:a16="http://schemas.microsoft.com/office/drawing/2014/main" id="{EBA23CD8-47F2-644B-A437-7709BAB59931}"/>
               </a:ext>
             </a:extLst>
           </p:cNvPr>
@@ -1023,7 +3255,7 @@
           <p:cNvPr id="3" name="Vertical Text Placeholder 2">
             <a:extLst>
               <a:ext uri="{FF2B5EF4-FFF2-40B4-BE49-F238E27FC236}">
-                <a16:creationId xmlns:a16="http://schemas.microsoft.com/office/drawing/2014/main" id="{68FA5FA7-C31B-C14D-ADD9-FA7ECC693FD0}"/>
+                <a16:creationId xmlns:a16="http://schemas.microsoft.com/office/drawing/2014/main" id="{094BFBCE-00C5-C94B-99DE-0CC44297B370}"/>
               </a:ext>
             </a:extLst>
           </p:cNvPr>
@@ -1085,7 +3317,7 @@
           <p:cNvPr id="4" name="Date Placeholder 3">
             <a:extLst>
               <a:ext uri="{FF2B5EF4-FFF2-40B4-BE49-F238E27FC236}">
-                <a16:creationId xmlns:a16="http://schemas.microsoft.com/office/drawing/2014/main" id="{639DCDCF-CE40-0F49-943A-7579C062746F}"/>
+                <a16:creationId xmlns:a16="http://schemas.microsoft.com/office/drawing/2014/main" id="{C95ABAB7-F563-2E4C-B2BE-FE726319E0A0}"/>
               </a:ext>
             </a:extLst>
           </p:cNvPr>
@@ -1101,7 +3333,7 @@
           <a:bodyPr/>
           <a:lstStyle/>
           <a:p>
-            <a:fld id="{103AB393-843B-0549-A1DB-D48CA4D2E3CA}" type="datetimeFigureOut">
+            <a:fld id="{B635C27E-DB9D-DC43-AD69-E6DD4F40A5E0}" type="datetimeFigureOut">
               <a:rPr lang="en-US" smtClean="0"/>
               <a:t>1/11/22</a:t>
             </a:fld>
@@ -1114,7 +3346,7 @@
           <p:cNvPr id="5" name="Footer Placeholder 4">
             <a:extLst>
               <a:ext uri="{FF2B5EF4-FFF2-40B4-BE49-F238E27FC236}">
-                <a16:creationId xmlns:a16="http://schemas.microsoft.com/office/drawing/2014/main" id="{E4329E94-8102-9A40-9BA1-F9B6F78321B4}"/>
+                <a16:creationId xmlns:a16="http://schemas.microsoft.com/office/drawing/2014/main" id="{E0F44D14-96BC-4D44-B46B-90D3B72814CF}"/>
               </a:ext>
             </a:extLst>
           </p:cNvPr>
@@ -1139,7 +3371,7 @@
           <p:cNvPr id="6" name="Slide Number Placeholder 5">
             <a:extLst>
               <a:ext uri="{FF2B5EF4-FFF2-40B4-BE49-F238E27FC236}">
-                <a16:creationId xmlns:a16="http://schemas.microsoft.com/office/drawing/2014/main" id="{C101E2B3-6833-A445-9501-D58BB7797610}"/>
+                <a16:creationId xmlns:a16="http://schemas.microsoft.com/office/drawing/2014/main" id="{6E2C9506-F1E6-9A4E-AD87-EF4CEBD2F0AB}"/>
               </a:ext>
             </a:extLst>
           </p:cNvPr>
@@ -1155,7 +3387,7 @@
           <a:bodyPr/>
           <a:lstStyle/>
           <a:p>
-            <a:fld id="{A12F386A-BC44-7449-887B-B0464F5097FA}" type="slidenum">
+            <a:fld id="{E977EE1A-CE0E-2A47-B4CC-18ED2EE211E1}" type="slidenum">
               <a:rPr lang="en-US" smtClean="0"/>
               <a:t>‹#›</a:t>
             </a:fld>
@@ -1166,7 +3398,7 @@
     </p:spTree>
     <p:extLst>
       <p:ext uri="{BB962C8B-B14F-4D97-AF65-F5344CB8AC3E}">
-        <p14:creationId xmlns:p14="http://schemas.microsoft.com/office/powerpoint/2010/main" val="1259346699"/>
+        <p14:creationId xmlns:p14="http://schemas.microsoft.com/office/powerpoint/2010/main" val="3049646990"/>
       </p:ext>
     </p:extLst>
   </p:cSld>
@@ -1198,7 +3430,7 @@
           <p:cNvPr id="2" name="Title 1">
             <a:extLst>
               <a:ext uri="{FF2B5EF4-FFF2-40B4-BE49-F238E27FC236}">
-                <a16:creationId xmlns:a16="http://schemas.microsoft.com/office/drawing/2014/main" id="{11B9F844-DCDD-1440-AD34-1AC98DB83424}"/>
+                <a16:creationId xmlns:a16="http://schemas.microsoft.com/office/drawing/2014/main" id="{B00AE83E-D809-7E45-9B29-3403B7CC24E6}"/>
               </a:ext>
             </a:extLst>
           </p:cNvPr>
@@ -1226,7 +3458,7 @@
           <p:cNvPr id="3" name="Content Placeholder 2">
             <a:extLst>
               <a:ext uri="{FF2B5EF4-FFF2-40B4-BE49-F238E27FC236}">
-                <a16:creationId xmlns:a16="http://schemas.microsoft.com/office/drawing/2014/main" id="{796A00C1-5101-644A-9779-89ED48D72F7B}"/>
+                <a16:creationId xmlns:a16="http://schemas.microsoft.com/office/drawing/2014/main" id="{26CBE9D3-71A1-B64E-9B6D-33AE6476A479}"/>
               </a:ext>
             </a:extLst>
           </p:cNvPr>
@@ -1283,7 +3515,7 @@
           <p:cNvPr id="4" name="Date Placeholder 3">
             <a:extLst>
               <a:ext uri="{FF2B5EF4-FFF2-40B4-BE49-F238E27FC236}">
-                <a16:creationId xmlns:a16="http://schemas.microsoft.com/office/drawing/2014/main" id="{17A8BE4C-CCF1-3E40-B75B-C0ECF1DDADD8}"/>
+                <a16:creationId xmlns:a16="http://schemas.microsoft.com/office/drawing/2014/main" id="{57642DCA-75C0-4E49-8077-3AAB5A5933F9}"/>
               </a:ext>
             </a:extLst>
           </p:cNvPr>
@@ -1299,7 +3531,7 @@
           <a:bodyPr/>
           <a:lstStyle/>
           <a:p>
-            <a:fld id="{103AB393-843B-0549-A1DB-D48CA4D2E3CA}" type="datetimeFigureOut">
+            <a:fld id="{B635C27E-DB9D-DC43-AD69-E6DD4F40A5E0}" type="datetimeFigureOut">
               <a:rPr lang="en-US" smtClean="0"/>
               <a:t>1/11/22</a:t>
             </a:fld>
@@ -1312,7 +3544,7 @@
           <p:cNvPr id="5" name="Footer Placeholder 4">
             <a:extLst>
               <a:ext uri="{FF2B5EF4-FFF2-40B4-BE49-F238E27FC236}">
-                <a16:creationId xmlns:a16="http://schemas.microsoft.com/office/drawing/2014/main" id="{385D1191-3579-0F45-8B6F-10CF65AFFFD9}"/>
+                <a16:creationId xmlns:a16="http://schemas.microsoft.com/office/drawing/2014/main" id="{66A9801D-39AC-F54E-9CA3-DF002FD9EE59}"/>
               </a:ext>
             </a:extLst>
           </p:cNvPr>
@@ -1337,7 +3569,7 @@
           <p:cNvPr id="6" name="Slide Number Placeholder 5">
             <a:extLst>
               <a:ext uri="{FF2B5EF4-FFF2-40B4-BE49-F238E27FC236}">
-                <a16:creationId xmlns:a16="http://schemas.microsoft.com/office/drawing/2014/main" id="{A63401F6-C89F-CB42-8C18-84D513642C07}"/>
+                <a16:creationId xmlns:a16="http://schemas.microsoft.com/office/drawing/2014/main" id="{BC2C0343-FF53-B14F-9D1F-D71071D8FBB2}"/>
               </a:ext>
             </a:extLst>
           </p:cNvPr>
@@ -1353,7 +3585,7 @@
           <a:bodyPr/>
           <a:lstStyle/>
           <a:p>
-            <a:fld id="{A12F386A-BC44-7449-887B-B0464F5097FA}" type="slidenum">
+            <a:fld id="{E977EE1A-CE0E-2A47-B4CC-18ED2EE211E1}" type="slidenum">
               <a:rPr lang="en-US" smtClean="0"/>
               <a:t>‹#›</a:t>
             </a:fld>
@@ -1364,7 +3596,7 @@
     </p:spTree>
     <p:extLst>
       <p:ext uri="{BB962C8B-B14F-4D97-AF65-F5344CB8AC3E}">
-        <p14:creationId xmlns:p14="http://schemas.microsoft.com/office/powerpoint/2010/main" val="3403893721"/>
+        <p14:creationId xmlns:p14="http://schemas.microsoft.com/office/powerpoint/2010/main" val="3898010052"/>
       </p:ext>
     </p:extLst>
   </p:cSld>
@@ -1396,7 +3628,7 @@
           <p:cNvPr id="2" name="Title 1">
             <a:extLst>
               <a:ext uri="{FF2B5EF4-FFF2-40B4-BE49-F238E27FC236}">
-                <a16:creationId xmlns:a16="http://schemas.microsoft.com/office/drawing/2014/main" id="{A8F4108A-E3F7-FA4E-8677-A9958F564652}"/>
+                <a16:creationId xmlns:a16="http://schemas.microsoft.com/office/drawing/2014/main" id="{5AF37F6F-C31D-4647-830F-7C76D5BF0897}"/>
               </a:ext>
             </a:extLst>
           </p:cNvPr>
@@ -1433,7 +3665,7 @@
           <p:cNvPr id="3" name="Text Placeholder 2">
             <a:extLst>
               <a:ext uri="{FF2B5EF4-FFF2-40B4-BE49-F238E27FC236}">
-                <a16:creationId xmlns:a16="http://schemas.microsoft.com/office/drawing/2014/main" id="{1F491D3C-4A1F-8949-81B8-EDDCB6E82B94}"/>
+                <a16:creationId xmlns:a16="http://schemas.microsoft.com/office/drawing/2014/main" id="{4CC2962C-0350-A64F-A9D9-786F26A237AE}"/>
               </a:ext>
             </a:extLst>
           </p:cNvPr>
@@ -1558,7 +3790,7 @@
           <p:cNvPr id="4" name="Date Placeholder 3">
             <a:extLst>
               <a:ext uri="{FF2B5EF4-FFF2-40B4-BE49-F238E27FC236}">
-                <a16:creationId xmlns:a16="http://schemas.microsoft.com/office/drawing/2014/main" id="{7A2F19B6-996B-204C-AAD3-3477C5F46BC0}"/>
+                <a16:creationId xmlns:a16="http://schemas.microsoft.com/office/drawing/2014/main" id="{A987AC9D-769D-7548-8B14-53793C5BD8E0}"/>
               </a:ext>
             </a:extLst>
           </p:cNvPr>
@@ -1574,7 +3806,7 @@
           <a:bodyPr/>
           <a:lstStyle/>
           <a:p>
-            <a:fld id="{103AB393-843B-0549-A1DB-D48CA4D2E3CA}" type="datetimeFigureOut">
+            <a:fld id="{B635C27E-DB9D-DC43-AD69-E6DD4F40A5E0}" type="datetimeFigureOut">
               <a:rPr lang="en-US" smtClean="0"/>
               <a:t>1/11/22</a:t>
             </a:fld>
@@ -1587,7 +3819,7 @@
           <p:cNvPr id="5" name="Footer Placeholder 4">
             <a:extLst>
               <a:ext uri="{FF2B5EF4-FFF2-40B4-BE49-F238E27FC236}">
-                <a16:creationId xmlns:a16="http://schemas.microsoft.com/office/drawing/2014/main" id="{D0D4978F-8539-874C-AAAF-213E88457018}"/>
+                <a16:creationId xmlns:a16="http://schemas.microsoft.com/office/drawing/2014/main" id="{B947EDFD-4EE4-9643-AC27-08736D5EA55D}"/>
               </a:ext>
             </a:extLst>
           </p:cNvPr>
@@ -1612,7 +3844,7 @@
           <p:cNvPr id="6" name="Slide Number Placeholder 5">
             <a:extLst>
               <a:ext uri="{FF2B5EF4-FFF2-40B4-BE49-F238E27FC236}">
-                <a16:creationId xmlns:a16="http://schemas.microsoft.com/office/drawing/2014/main" id="{B6746D55-E546-0E4A-99F4-15EFE880AE5E}"/>
+                <a16:creationId xmlns:a16="http://schemas.microsoft.com/office/drawing/2014/main" id="{42C3C9DA-E1AD-9C47-8761-FA6876B4651F}"/>
               </a:ext>
             </a:extLst>
           </p:cNvPr>
@@ -1628,7 +3860,7 @@
           <a:bodyPr/>
           <a:lstStyle/>
           <a:p>
-            <a:fld id="{A12F386A-BC44-7449-887B-B0464F5097FA}" type="slidenum">
+            <a:fld id="{E977EE1A-CE0E-2A47-B4CC-18ED2EE211E1}" type="slidenum">
               <a:rPr lang="en-US" smtClean="0"/>
               <a:t>‹#›</a:t>
             </a:fld>
@@ -1639,7 +3871,7 @@
     </p:spTree>
     <p:extLst>
       <p:ext uri="{BB962C8B-B14F-4D97-AF65-F5344CB8AC3E}">
-        <p14:creationId xmlns:p14="http://schemas.microsoft.com/office/powerpoint/2010/main" val="1071269531"/>
+        <p14:creationId xmlns:p14="http://schemas.microsoft.com/office/powerpoint/2010/main" val="1744810749"/>
       </p:ext>
     </p:extLst>
   </p:cSld>
@@ -1671,7 +3903,7 @@
           <p:cNvPr id="2" name="Title 1">
             <a:extLst>
               <a:ext uri="{FF2B5EF4-FFF2-40B4-BE49-F238E27FC236}">
-                <a16:creationId xmlns:a16="http://schemas.microsoft.com/office/drawing/2014/main" id="{074428C4-A95F-F04A-A468-4CD6674F711B}"/>
+                <a16:creationId xmlns:a16="http://schemas.microsoft.com/office/drawing/2014/main" id="{EEEE83B0-DCEA-264E-8D19-F73D3947B43A}"/>
               </a:ext>
             </a:extLst>
           </p:cNvPr>
@@ -1699,7 +3931,7 @@
           <p:cNvPr id="3" name="Content Placeholder 2">
             <a:extLst>
               <a:ext uri="{FF2B5EF4-FFF2-40B4-BE49-F238E27FC236}">
-                <a16:creationId xmlns:a16="http://schemas.microsoft.com/office/drawing/2014/main" id="{F42701FA-BBB4-704D-A310-C2C19862E4BB}"/>
+                <a16:creationId xmlns:a16="http://schemas.microsoft.com/office/drawing/2014/main" id="{A2CA52C0-B83F-C344-BC4F-918B2EFCC9CF}"/>
               </a:ext>
             </a:extLst>
           </p:cNvPr>
@@ -1761,7 +3993,7 @@
           <p:cNvPr id="4" name="Content Placeholder 3">
             <a:extLst>
               <a:ext uri="{FF2B5EF4-FFF2-40B4-BE49-F238E27FC236}">
-                <a16:creationId xmlns:a16="http://schemas.microsoft.com/office/drawing/2014/main" id="{F022AF70-1293-C245-9C2D-7895DCA2CDB3}"/>
+                <a16:creationId xmlns:a16="http://schemas.microsoft.com/office/drawing/2014/main" id="{C0A7E06B-81DE-CE4C-ACCF-DDCD6DABBE8A}"/>
               </a:ext>
             </a:extLst>
           </p:cNvPr>
@@ -1823,7 +4055,7 @@
           <p:cNvPr id="5" name="Date Placeholder 4">
             <a:extLst>
               <a:ext uri="{FF2B5EF4-FFF2-40B4-BE49-F238E27FC236}">
-                <a16:creationId xmlns:a16="http://schemas.microsoft.com/office/drawing/2014/main" id="{0F8A85C7-7470-DF46-A424-E8F0071DBEE1}"/>
+                <a16:creationId xmlns:a16="http://schemas.microsoft.com/office/drawing/2014/main" id="{542D5612-2BCB-0944-BD65-BAFF8D9A28F8}"/>
               </a:ext>
             </a:extLst>
           </p:cNvPr>
@@ -1839,7 +4071,7 @@
           <a:bodyPr/>
           <a:lstStyle/>
           <a:p>
-            <a:fld id="{103AB393-843B-0549-A1DB-D48CA4D2E3CA}" type="datetimeFigureOut">
+            <a:fld id="{B635C27E-DB9D-DC43-AD69-E6DD4F40A5E0}" type="datetimeFigureOut">
               <a:rPr lang="en-US" smtClean="0"/>
               <a:t>1/11/22</a:t>
             </a:fld>
@@ -1852,7 +4084,7 @@
           <p:cNvPr id="6" name="Footer Placeholder 5">
             <a:extLst>
               <a:ext uri="{FF2B5EF4-FFF2-40B4-BE49-F238E27FC236}">
-                <a16:creationId xmlns:a16="http://schemas.microsoft.com/office/drawing/2014/main" id="{F44A14AA-C9FF-8240-8F39-0ED289CCBC63}"/>
+                <a16:creationId xmlns:a16="http://schemas.microsoft.com/office/drawing/2014/main" id="{7152CE58-5BC2-BB4A-ABFE-440DDFCE448C}"/>
               </a:ext>
             </a:extLst>
           </p:cNvPr>
@@ -1877,7 +4109,7 @@
           <p:cNvPr id="7" name="Slide Number Placeholder 6">
             <a:extLst>
               <a:ext uri="{FF2B5EF4-FFF2-40B4-BE49-F238E27FC236}">
-                <a16:creationId xmlns:a16="http://schemas.microsoft.com/office/drawing/2014/main" id="{EF271884-2337-A946-9A2E-FA93379E6D7F}"/>
+                <a16:creationId xmlns:a16="http://schemas.microsoft.com/office/drawing/2014/main" id="{158A75A2-B902-F842-80DB-DA6F430B3BA8}"/>
               </a:ext>
             </a:extLst>
           </p:cNvPr>
@@ -1893,7 +4125,7 @@
           <a:bodyPr/>
           <a:lstStyle/>
           <a:p>
-            <a:fld id="{A12F386A-BC44-7449-887B-B0464F5097FA}" type="slidenum">
+            <a:fld id="{E977EE1A-CE0E-2A47-B4CC-18ED2EE211E1}" type="slidenum">
               <a:rPr lang="en-US" smtClean="0"/>
               <a:t>‹#›</a:t>
             </a:fld>
@@ -1904,7 +4136,7 @@
     </p:spTree>
     <p:extLst>
       <p:ext uri="{BB962C8B-B14F-4D97-AF65-F5344CB8AC3E}">
-        <p14:creationId xmlns:p14="http://schemas.microsoft.com/office/powerpoint/2010/main" val="1654634576"/>
+        <p14:creationId xmlns:p14="http://schemas.microsoft.com/office/powerpoint/2010/main" val="2994718499"/>
       </p:ext>
     </p:extLst>
   </p:cSld>
@@ -1936,7 +4168,7 @@
           <p:cNvPr id="2" name="Title 1">
             <a:extLst>
               <a:ext uri="{FF2B5EF4-FFF2-40B4-BE49-F238E27FC236}">
-                <a16:creationId xmlns:a16="http://schemas.microsoft.com/office/drawing/2014/main" id="{2FAF2A81-2F19-2449-8A40-065A78C8A56D}"/>
+                <a16:creationId xmlns:a16="http://schemas.microsoft.com/office/drawing/2014/main" id="{30C72909-B898-0249-B9B6-4A714E719AEA}"/>
               </a:ext>
             </a:extLst>
           </p:cNvPr>
@@ -1969,7 +4201,7 @@
           <p:cNvPr id="3" name="Text Placeholder 2">
             <a:extLst>
               <a:ext uri="{FF2B5EF4-FFF2-40B4-BE49-F238E27FC236}">
-                <a16:creationId xmlns:a16="http://schemas.microsoft.com/office/drawing/2014/main" id="{D043F6F2-2EE8-5A48-AAFA-2503D31521FE}"/>
+                <a16:creationId xmlns:a16="http://schemas.microsoft.com/office/drawing/2014/main" id="{6E63D1B2-E694-9C4E-8F23-AADD8485C4D5}"/>
               </a:ext>
             </a:extLst>
           </p:cNvPr>
@@ -2040,7 +4272,7 @@
           <p:cNvPr id="4" name="Content Placeholder 3">
             <a:extLst>
               <a:ext uri="{FF2B5EF4-FFF2-40B4-BE49-F238E27FC236}">
-                <a16:creationId xmlns:a16="http://schemas.microsoft.com/office/drawing/2014/main" id="{6CEC1FFC-862A-C742-81DC-FDC73D138230}"/>
+                <a16:creationId xmlns:a16="http://schemas.microsoft.com/office/drawing/2014/main" id="{4F47AC9E-A6D8-AE4A-B2A9-86D28B3C8427}"/>
               </a:ext>
             </a:extLst>
           </p:cNvPr>
@@ -2102,7 +4334,7 @@
           <p:cNvPr id="5" name="Text Placeholder 4">
             <a:extLst>
               <a:ext uri="{FF2B5EF4-FFF2-40B4-BE49-F238E27FC236}">
-                <a16:creationId xmlns:a16="http://schemas.microsoft.com/office/drawing/2014/main" id="{7596EBE1-A017-744A-AD03-072115677104}"/>
+                <a16:creationId xmlns:a16="http://schemas.microsoft.com/office/drawing/2014/main" id="{6E9B236C-C6A1-B34D-8A70-252D2D844DAA}"/>
               </a:ext>
             </a:extLst>
           </p:cNvPr>
@@ -2173,7 +4405,7 @@
           <p:cNvPr id="6" name="Content Placeholder 5">
             <a:extLst>
               <a:ext uri="{FF2B5EF4-FFF2-40B4-BE49-F238E27FC236}">
-                <a16:creationId xmlns:a16="http://schemas.microsoft.com/office/drawing/2014/main" id="{EC0F596E-A9B4-4743-A063-F171AEEC81B3}"/>
+                <a16:creationId xmlns:a16="http://schemas.microsoft.com/office/drawing/2014/main" id="{49C675C8-EBE1-014D-931F-FFE3582FBC35}"/>
               </a:ext>
             </a:extLst>
           </p:cNvPr>
@@ -2235,7 +4467,7 @@
           <p:cNvPr id="7" name="Date Placeholder 6">
             <a:extLst>
               <a:ext uri="{FF2B5EF4-FFF2-40B4-BE49-F238E27FC236}">
-                <a16:creationId xmlns:a16="http://schemas.microsoft.com/office/drawing/2014/main" id="{B06A06B8-F29F-E544-8286-BF2DE54B50EB}"/>
+                <a16:creationId xmlns:a16="http://schemas.microsoft.com/office/drawing/2014/main" id="{41D03FE6-9CB6-9749-BA8A-144E3D0D3D86}"/>
               </a:ext>
             </a:extLst>
           </p:cNvPr>
@@ -2251,7 +4483,7 @@
           <a:bodyPr/>
           <a:lstStyle/>
           <a:p>
-            <a:fld id="{103AB393-843B-0549-A1DB-D48CA4D2E3CA}" type="datetimeFigureOut">
+            <a:fld id="{B635C27E-DB9D-DC43-AD69-E6DD4F40A5E0}" type="datetimeFigureOut">
               <a:rPr lang="en-US" smtClean="0"/>
               <a:t>1/11/22</a:t>
             </a:fld>
@@ -2264,7 +4496,7 @@
           <p:cNvPr id="8" name="Footer Placeholder 7">
             <a:extLst>
               <a:ext uri="{FF2B5EF4-FFF2-40B4-BE49-F238E27FC236}">
-                <a16:creationId xmlns:a16="http://schemas.microsoft.com/office/drawing/2014/main" id="{A5B1A50C-02E9-6841-8354-169842894F46}"/>
+                <a16:creationId xmlns:a16="http://schemas.microsoft.com/office/drawing/2014/main" id="{B30CD554-7E96-0041-A920-22ACC97BC937}"/>
               </a:ext>
             </a:extLst>
           </p:cNvPr>
@@ -2289,7 +4521,7 @@
           <p:cNvPr id="9" name="Slide Number Placeholder 8">
             <a:extLst>
               <a:ext uri="{FF2B5EF4-FFF2-40B4-BE49-F238E27FC236}">
-                <a16:creationId xmlns:a16="http://schemas.microsoft.com/office/drawing/2014/main" id="{EADC78A4-6936-684A-B12B-067BCE22D348}"/>
+                <a16:creationId xmlns:a16="http://schemas.microsoft.com/office/drawing/2014/main" id="{04A91DA5-5D9E-EF40-95B4-EEE420E396FF}"/>
               </a:ext>
             </a:extLst>
           </p:cNvPr>
@@ -2305,7 +4537,7 @@
           <a:bodyPr/>
           <a:lstStyle/>
           <a:p>
-            <a:fld id="{A12F386A-BC44-7449-887B-B0464F5097FA}" type="slidenum">
+            <a:fld id="{E977EE1A-CE0E-2A47-B4CC-18ED2EE211E1}" type="slidenum">
               <a:rPr lang="en-US" smtClean="0"/>
               <a:t>‹#›</a:t>
             </a:fld>
@@ -2316,7 +4548,7 @@
     </p:spTree>
     <p:extLst>
       <p:ext uri="{BB962C8B-B14F-4D97-AF65-F5344CB8AC3E}">
-        <p14:creationId xmlns:p14="http://schemas.microsoft.com/office/powerpoint/2010/main" val="1021277157"/>
+        <p14:creationId xmlns:p14="http://schemas.microsoft.com/office/powerpoint/2010/main" val="3425735473"/>
       </p:ext>
     </p:extLst>
   </p:cSld>
@@ -2348,7 +4580,7 @@
           <p:cNvPr id="2" name="Title 1">
             <a:extLst>
               <a:ext uri="{FF2B5EF4-FFF2-40B4-BE49-F238E27FC236}">
-                <a16:creationId xmlns:a16="http://schemas.microsoft.com/office/drawing/2014/main" id="{D91A9D5A-410C-B043-B4B3-E8E11C43FDD5}"/>
+                <a16:creationId xmlns:a16="http://schemas.microsoft.com/office/drawing/2014/main" id="{5F9A75ED-D17E-A74F-BC4C-F373A6CA66D8}"/>
               </a:ext>
             </a:extLst>
           </p:cNvPr>
@@ -2376,7 +4608,7 @@
           <p:cNvPr id="3" name="Date Placeholder 2">
             <a:extLst>
               <a:ext uri="{FF2B5EF4-FFF2-40B4-BE49-F238E27FC236}">
-                <a16:creationId xmlns:a16="http://schemas.microsoft.com/office/drawing/2014/main" id="{0AE12193-46A9-2144-8284-CECEE87391B8}"/>
+                <a16:creationId xmlns:a16="http://schemas.microsoft.com/office/drawing/2014/main" id="{F65B1799-9A98-1841-AB01-449950A21517}"/>
               </a:ext>
             </a:extLst>
           </p:cNvPr>
@@ -2392,7 +4624,7 @@
           <a:bodyPr/>
           <a:lstStyle/>
           <a:p>
-            <a:fld id="{103AB393-843B-0549-A1DB-D48CA4D2E3CA}" type="datetimeFigureOut">
+            <a:fld id="{B635C27E-DB9D-DC43-AD69-E6DD4F40A5E0}" type="datetimeFigureOut">
               <a:rPr lang="en-US" smtClean="0"/>
               <a:t>1/11/22</a:t>
             </a:fld>
@@ -2405,7 +4637,7 @@
           <p:cNvPr id="4" name="Footer Placeholder 3">
             <a:extLst>
               <a:ext uri="{FF2B5EF4-FFF2-40B4-BE49-F238E27FC236}">
-                <a16:creationId xmlns:a16="http://schemas.microsoft.com/office/drawing/2014/main" id="{D543EF71-8913-F549-98BD-18C73E0517FE}"/>
+                <a16:creationId xmlns:a16="http://schemas.microsoft.com/office/drawing/2014/main" id="{FF292057-1475-5741-874B-D10533DC491E}"/>
               </a:ext>
             </a:extLst>
           </p:cNvPr>
@@ -2430,7 +4662,7 @@
           <p:cNvPr id="5" name="Slide Number Placeholder 4">
             <a:extLst>
               <a:ext uri="{FF2B5EF4-FFF2-40B4-BE49-F238E27FC236}">
-                <a16:creationId xmlns:a16="http://schemas.microsoft.com/office/drawing/2014/main" id="{BD61D803-C94D-1B4F-9712-E33A44452755}"/>
+                <a16:creationId xmlns:a16="http://schemas.microsoft.com/office/drawing/2014/main" id="{4B1420C3-C761-DB4F-8BA6-AC0488E60D79}"/>
               </a:ext>
             </a:extLst>
           </p:cNvPr>
@@ -2446,7 +4678,7 @@
           <a:bodyPr/>
           <a:lstStyle/>
           <a:p>
-            <a:fld id="{A12F386A-BC44-7449-887B-B0464F5097FA}" type="slidenum">
+            <a:fld id="{E977EE1A-CE0E-2A47-B4CC-18ED2EE211E1}" type="slidenum">
               <a:rPr lang="en-US" smtClean="0"/>
               <a:t>‹#›</a:t>
             </a:fld>
@@ -2457,7 +4689,7 @@
     </p:spTree>
     <p:extLst>
       <p:ext uri="{BB962C8B-B14F-4D97-AF65-F5344CB8AC3E}">
-        <p14:creationId xmlns:p14="http://schemas.microsoft.com/office/powerpoint/2010/main" val="3770830880"/>
+        <p14:creationId xmlns:p14="http://schemas.microsoft.com/office/powerpoint/2010/main" val="1009511547"/>
       </p:ext>
     </p:extLst>
   </p:cSld>
@@ -2489,7 +4721,7 @@
           <p:cNvPr id="2" name="Date Placeholder 1">
             <a:extLst>
               <a:ext uri="{FF2B5EF4-FFF2-40B4-BE49-F238E27FC236}">
-                <a16:creationId xmlns:a16="http://schemas.microsoft.com/office/drawing/2014/main" id="{576CCE8E-BB33-0749-95B2-BB04C3CC613F}"/>
+                <a16:creationId xmlns:a16="http://schemas.microsoft.com/office/drawing/2014/main" id="{422E29D2-7A6D-B942-B07D-DBB96BD3A78E}"/>
               </a:ext>
             </a:extLst>
           </p:cNvPr>
@@ -2505,7 +4737,7 @@
           <a:bodyPr/>
           <a:lstStyle/>
           <a:p>
-            <a:fld id="{103AB393-843B-0549-A1DB-D48CA4D2E3CA}" type="datetimeFigureOut">
+            <a:fld id="{B635C27E-DB9D-DC43-AD69-E6DD4F40A5E0}" type="datetimeFigureOut">
               <a:rPr lang="en-US" smtClean="0"/>
               <a:t>1/11/22</a:t>
             </a:fld>
@@ -2518,7 +4750,7 @@
           <p:cNvPr id="3" name="Footer Placeholder 2">
             <a:extLst>
               <a:ext uri="{FF2B5EF4-FFF2-40B4-BE49-F238E27FC236}">
-                <a16:creationId xmlns:a16="http://schemas.microsoft.com/office/drawing/2014/main" id="{D0E81250-BE73-724B-BA34-498031F88DD8}"/>
+                <a16:creationId xmlns:a16="http://schemas.microsoft.com/office/drawing/2014/main" id="{235FDE88-A801-7B4C-9061-C6B4403E867E}"/>
               </a:ext>
             </a:extLst>
           </p:cNvPr>
@@ -2543,7 +4775,7 @@
           <p:cNvPr id="4" name="Slide Number Placeholder 3">
             <a:extLst>
               <a:ext uri="{FF2B5EF4-FFF2-40B4-BE49-F238E27FC236}">
-                <a16:creationId xmlns:a16="http://schemas.microsoft.com/office/drawing/2014/main" id="{77C98F01-28D0-1F4A-8D7F-83C250992649}"/>
+                <a16:creationId xmlns:a16="http://schemas.microsoft.com/office/drawing/2014/main" id="{FBC0FD19-2AD7-E149-BDD8-C98845901F6E}"/>
               </a:ext>
             </a:extLst>
           </p:cNvPr>
@@ -2559,7 +4791,7 @@
           <a:bodyPr/>
           <a:lstStyle/>
           <a:p>
-            <a:fld id="{A12F386A-BC44-7449-887B-B0464F5097FA}" type="slidenum">
+            <a:fld id="{E977EE1A-CE0E-2A47-B4CC-18ED2EE211E1}" type="slidenum">
               <a:rPr lang="en-US" smtClean="0"/>
               <a:t>‹#›</a:t>
             </a:fld>
@@ -2570,7 +4802,7 @@
     </p:spTree>
     <p:extLst>
       <p:ext uri="{BB962C8B-B14F-4D97-AF65-F5344CB8AC3E}">
-        <p14:creationId xmlns:p14="http://schemas.microsoft.com/office/powerpoint/2010/main" val="1054352033"/>
+        <p14:creationId xmlns:p14="http://schemas.microsoft.com/office/powerpoint/2010/main" val="1585879131"/>
       </p:ext>
     </p:extLst>
   </p:cSld>
@@ -2602,7 +4834,7 @@
           <p:cNvPr id="2" name="Title 1">
             <a:extLst>
               <a:ext uri="{FF2B5EF4-FFF2-40B4-BE49-F238E27FC236}">
-                <a16:creationId xmlns:a16="http://schemas.microsoft.com/office/drawing/2014/main" id="{C80A1DDB-B4BE-5F40-A6BF-99BB7FE43B0E}"/>
+                <a16:creationId xmlns:a16="http://schemas.microsoft.com/office/drawing/2014/main" id="{7579D455-DC78-4E48-98F7-55181E65CD9C}"/>
               </a:ext>
             </a:extLst>
           </p:cNvPr>
@@ -2639,7 +4871,7 @@
           <p:cNvPr id="3" name="Content Placeholder 2">
             <a:extLst>
               <a:ext uri="{FF2B5EF4-FFF2-40B4-BE49-F238E27FC236}">
-                <a16:creationId xmlns:a16="http://schemas.microsoft.com/office/drawing/2014/main" id="{EB4FEF15-FBC4-904F-8E4F-00DEF0FF8B44}"/>
+                <a16:creationId xmlns:a16="http://schemas.microsoft.com/office/drawing/2014/main" id="{78E615D6-865D-6E45-B43D-9F39F881656E}"/>
               </a:ext>
             </a:extLst>
           </p:cNvPr>
@@ -2729,7 +4961,7 @@
           <p:cNvPr id="4" name="Text Placeholder 3">
             <a:extLst>
               <a:ext uri="{FF2B5EF4-FFF2-40B4-BE49-F238E27FC236}">
-                <a16:creationId xmlns:a16="http://schemas.microsoft.com/office/drawing/2014/main" id="{CF373717-5A7C-BB40-A493-41911EA05065}"/>
+                <a16:creationId xmlns:a16="http://schemas.microsoft.com/office/drawing/2014/main" id="{77D9F054-5F65-2944-986C-8F85C7C42FFA}"/>
               </a:ext>
             </a:extLst>
           </p:cNvPr>
@@ -2800,7 +5032,7 @@
           <p:cNvPr id="5" name="Date Placeholder 4">
             <a:extLst>
               <a:ext uri="{FF2B5EF4-FFF2-40B4-BE49-F238E27FC236}">
-                <a16:creationId xmlns:a16="http://schemas.microsoft.com/office/drawing/2014/main" id="{122EDDEF-A06E-DB4E-AF91-93D4C8750D61}"/>
+                <a16:creationId xmlns:a16="http://schemas.microsoft.com/office/drawing/2014/main" id="{509557D1-A997-6243-ABBD-42E713519C83}"/>
               </a:ext>
             </a:extLst>
           </p:cNvPr>
@@ -2816,7 +5048,7 @@
           <a:bodyPr/>
           <a:lstStyle/>
           <a:p>
-            <a:fld id="{103AB393-843B-0549-A1DB-D48CA4D2E3CA}" type="datetimeFigureOut">
+            <a:fld id="{B635C27E-DB9D-DC43-AD69-E6DD4F40A5E0}" type="datetimeFigureOut">
               <a:rPr lang="en-US" smtClean="0"/>
               <a:t>1/11/22</a:t>
             </a:fld>
@@ -2829,7 +5061,7 @@
           <p:cNvPr id="6" name="Footer Placeholder 5">
             <a:extLst>
               <a:ext uri="{FF2B5EF4-FFF2-40B4-BE49-F238E27FC236}">
-                <a16:creationId xmlns:a16="http://schemas.microsoft.com/office/drawing/2014/main" id="{7332CF69-BB01-0249-9B76-985984CB35D9}"/>
+                <a16:creationId xmlns:a16="http://schemas.microsoft.com/office/drawing/2014/main" id="{DC20BE96-5F1A-F047-9C58-CAE718E642BB}"/>
               </a:ext>
             </a:extLst>
           </p:cNvPr>
@@ -2854,7 +5086,7 @@
           <p:cNvPr id="7" name="Slide Number Placeholder 6">
             <a:extLst>
               <a:ext uri="{FF2B5EF4-FFF2-40B4-BE49-F238E27FC236}">
-                <a16:creationId xmlns:a16="http://schemas.microsoft.com/office/drawing/2014/main" id="{A1DF2068-C638-F545-8A9D-969C3FFC0999}"/>
+                <a16:creationId xmlns:a16="http://schemas.microsoft.com/office/drawing/2014/main" id="{3068EF01-6F9A-C647-8C5C-512A6C953BC5}"/>
               </a:ext>
             </a:extLst>
           </p:cNvPr>
@@ -2870,7 +5102,7 @@
           <a:bodyPr/>
           <a:lstStyle/>
           <a:p>
-            <a:fld id="{A12F386A-BC44-7449-887B-B0464F5097FA}" type="slidenum">
+            <a:fld id="{E977EE1A-CE0E-2A47-B4CC-18ED2EE211E1}" type="slidenum">
               <a:rPr lang="en-US" smtClean="0"/>
               <a:t>‹#›</a:t>
             </a:fld>
@@ -2881,7 +5113,7 @@
     </p:spTree>
     <p:extLst>
       <p:ext uri="{BB962C8B-B14F-4D97-AF65-F5344CB8AC3E}">
-        <p14:creationId xmlns:p14="http://schemas.microsoft.com/office/powerpoint/2010/main" val="2984069178"/>
+        <p14:creationId xmlns:p14="http://schemas.microsoft.com/office/powerpoint/2010/main" val="1863735192"/>
       </p:ext>
     </p:extLst>
   </p:cSld>
@@ -2913,7 +5145,7 @@
           <p:cNvPr id="2" name="Title 1">
             <a:extLst>
               <a:ext uri="{FF2B5EF4-FFF2-40B4-BE49-F238E27FC236}">
-                <a16:creationId xmlns:a16="http://schemas.microsoft.com/office/drawing/2014/main" id="{CC07F39A-EDE3-5B40-92E9-E000A7480403}"/>
+                <a16:creationId xmlns:a16="http://schemas.microsoft.com/office/drawing/2014/main" id="{7CBD9585-283E-1A4D-8468-0E3097BADF1C}"/>
               </a:ext>
             </a:extLst>
           </p:cNvPr>
@@ -2950,7 +5182,7 @@
           <p:cNvPr id="3" name="Picture Placeholder 2">
             <a:extLst>
               <a:ext uri="{FF2B5EF4-FFF2-40B4-BE49-F238E27FC236}">
-                <a16:creationId xmlns:a16="http://schemas.microsoft.com/office/drawing/2014/main" id="{BA81B78A-7DE7-0A4A-AEC7-C4C80DC3D8DB}"/>
+                <a16:creationId xmlns:a16="http://schemas.microsoft.com/office/drawing/2014/main" id="{EAADBC8F-19E6-4F46-8A54-415E82432439}"/>
               </a:ext>
             </a:extLst>
           </p:cNvPr>
@@ -3017,7 +5249,7 @@
           <p:cNvPr id="4" name="Text Placeholder 3">
             <a:extLst>
               <a:ext uri="{FF2B5EF4-FFF2-40B4-BE49-F238E27FC236}">
-                <a16:creationId xmlns:a16="http://schemas.microsoft.com/office/drawing/2014/main" id="{5D736DD5-DC88-A54E-8E46-81BEFB4CC58A}"/>
+                <a16:creationId xmlns:a16="http://schemas.microsoft.com/office/drawing/2014/main" id="{94D0D120-0709-EE41-AF29-A672AC3FFBF0}"/>
               </a:ext>
             </a:extLst>
           </p:cNvPr>
@@ -3088,7 +5320,7 @@
           <p:cNvPr id="5" name="Date Placeholder 4">
             <a:extLst>
               <a:ext uri="{FF2B5EF4-FFF2-40B4-BE49-F238E27FC236}">
-                <a16:creationId xmlns:a16="http://schemas.microsoft.com/office/drawing/2014/main" id="{476D354D-CAD3-7040-A0EA-9DE0DD5F50C6}"/>
+                <a16:creationId xmlns:a16="http://schemas.microsoft.com/office/drawing/2014/main" id="{3C35B783-CEA9-0048-86CD-22C03752D47D}"/>
               </a:ext>
             </a:extLst>
           </p:cNvPr>
@@ -3104,7 +5336,7 @@
           <a:bodyPr/>
           <a:lstStyle/>
           <a:p>
-            <a:fld id="{103AB393-843B-0549-A1DB-D48CA4D2E3CA}" type="datetimeFigureOut">
+            <a:fld id="{B635C27E-DB9D-DC43-AD69-E6DD4F40A5E0}" type="datetimeFigureOut">
               <a:rPr lang="en-US" smtClean="0"/>
               <a:t>1/11/22</a:t>
             </a:fld>
@@ -3117,7 +5349,7 @@
           <p:cNvPr id="6" name="Footer Placeholder 5">
             <a:extLst>
               <a:ext uri="{FF2B5EF4-FFF2-40B4-BE49-F238E27FC236}">
-                <a16:creationId xmlns:a16="http://schemas.microsoft.com/office/drawing/2014/main" id="{9D798D2C-43C2-8642-833A-921964C84F6D}"/>
+                <a16:creationId xmlns:a16="http://schemas.microsoft.com/office/drawing/2014/main" id="{273CD453-884B-F04C-8EE7-5FC9C0A83F28}"/>
               </a:ext>
             </a:extLst>
           </p:cNvPr>
@@ -3142,7 +5374,7 @@
           <p:cNvPr id="7" name="Slide Number Placeholder 6">
             <a:extLst>
               <a:ext uri="{FF2B5EF4-FFF2-40B4-BE49-F238E27FC236}">
-                <a16:creationId xmlns:a16="http://schemas.microsoft.com/office/drawing/2014/main" id="{BD030F5B-095D-DF45-AA2E-860182334921}"/>
+                <a16:creationId xmlns:a16="http://schemas.microsoft.com/office/drawing/2014/main" id="{A4C25220-950F-E449-BA84-DC301F5AD313}"/>
               </a:ext>
             </a:extLst>
           </p:cNvPr>
@@ -3158,7 +5390,7 @@
           <a:bodyPr/>
           <a:lstStyle/>
           <a:p>
-            <a:fld id="{A12F386A-BC44-7449-887B-B0464F5097FA}" type="slidenum">
+            <a:fld id="{E977EE1A-CE0E-2A47-B4CC-18ED2EE211E1}" type="slidenum">
               <a:rPr lang="en-US" smtClean="0"/>
               <a:t>‹#›</a:t>
             </a:fld>
@@ -3169,7 +5401,7 @@
     </p:spTree>
     <p:extLst>
       <p:ext uri="{BB962C8B-B14F-4D97-AF65-F5344CB8AC3E}">
-        <p14:creationId xmlns:p14="http://schemas.microsoft.com/office/powerpoint/2010/main" val="2147709793"/>
+        <p14:creationId xmlns:p14="http://schemas.microsoft.com/office/powerpoint/2010/main" val="252794025"/>
       </p:ext>
     </p:extLst>
   </p:cSld>
@@ -3236,7 +5468,7 @@
           <p:cNvPr id="2" name="Title Placeholder 1">
             <a:extLst>
               <a:ext uri="{FF2B5EF4-FFF2-40B4-BE49-F238E27FC236}">
-                <a16:creationId xmlns:a16="http://schemas.microsoft.com/office/drawing/2014/main" id="{E212AD68-0827-DE46-B9A9-AB0C4924DB71}"/>
+                <a16:creationId xmlns:a16="http://schemas.microsoft.com/office/drawing/2014/main" id="{ABAC180D-E235-A34F-B959-951BB00A7364}"/>
               </a:ext>
             </a:extLst>
           </p:cNvPr>
@@ -3274,7 +5506,7 @@
           <p:cNvPr id="3" name="Text Placeholder 2">
             <a:extLst>
               <a:ext uri="{FF2B5EF4-FFF2-40B4-BE49-F238E27FC236}">
-                <a16:creationId xmlns:a16="http://schemas.microsoft.com/office/drawing/2014/main" id="{E498928F-55F4-0E48-85A0-8E4108998013}"/>
+                <a16:creationId xmlns:a16="http://schemas.microsoft.com/office/drawing/2014/main" id="{FB64E037-62F6-064A-B616-E05B58E87F2D}"/>
               </a:ext>
             </a:extLst>
           </p:cNvPr>
@@ -3341,7 +5573,7 @@
           <p:cNvPr id="4" name="Date Placeholder 3">
             <a:extLst>
               <a:ext uri="{FF2B5EF4-FFF2-40B4-BE49-F238E27FC236}">
-                <a16:creationId xmlns:a16="http://schemas.microsoft.com/office/drawing/2014/main" id="{6AC52A44-DDD2-2D41-A45B-6CADE307A7FD}"/>
+                <a16:creationId xmlns:a16="http://schemas.microsoft.com/office/drawing/2014/main" id="{5BEB50CD-2155-754A-8133-C887FE6B38F5}"/>
               </a:ext>
             </a:extLst>
           </p:cNvPr>
@@ -3375,7 +5607,7 @@
             </a:lvl1pPr>
           </a:lstStyle>
           <a:p>
-            <a:fld id="{103AB393-843B-0549-A1DB-D48CA4D2E3CA}" type="datetimeFigureOut">
+            <a:fld id="{B635C27E-DB9D-DC43-AD69-E6DD4F40A5E0}" type="datetimeFigureOut">
               <a:rPr lang="en-US" smtClean="0"/>
               <a:t>1/11/22</a:t>
             </a:fld>
@@ -3388,7 +5620,7 @@
           <p:cNvPr id="5" name="Footer Placeholder 4">
             <a:extLst>
               <a:ext uri="{FF2B5EF4-FFF2-40B4-BE49-F238E27FC236}">
-                <a16:creationId xmlns:a16="http://schemas.microsoft.com/office/drawing/2014/main" id="{2E6D4DC2-5DFC-1C45-974A-D80F4F178DC5}"/>
+                <a16:creationId xmlns:a16="http://schemas.microsoft.com/office/drawing/2014/main" id="{34D40EF1-6DCD-B640-964A-89B3E2F7CDA7}"/>
               </a:ext>
             </a:extLst>
           </p:cNvPr>
@@ -3431,7 +5663,7 @@
           <p:cNvPr id="6" name="Slide Number Placeholder 5">
             <a:extLst>
               <a:ext uri="{FF2B5EF4-FFF2-40B4-BE49-F238E27FC236}">
-                <a16:creationId xmlns:a16="http://schemas.microsoft.com/office/drawing/2014/main" id="{315D70A4-8814-394F-9CB1-B9030881605C}"/>
+                <a16:creationId xmlns:a16="http://schemas.microsoft.com/office/drawing/2014/main" id="{A923976B-4DA0-FE43-B71B-FF291197D19B}"/>
               </a:ext>
             </a:extLst>
           </p:cNvPr>
@@ -3465,7 +5697,7 @@
             </a:lvl1pPr>
           </a:lstStyle>
           <a:p>
-            <a:fld id="{A12F386A-BC44-7449-887B-B0464F5097FA}" type="slidenum">
+            <a:fld id="{E977EE1A-CE0E-2A47-B4CC-18ED2EE211E1}" type="slidenum">
               <a:rPr lang="en-US" smtClean="0"/>
               <a:t>‹#›</a:t>
             </a:fld>
@@ -3476,7 +5708,7 @@
     </p:spTree>
     <p:extLst>
       <p:ext uri="{BB962C8B-B14F-4D97-AF65-F5344CB8AC3E}">
-        <p14:creationId xmlns:p14="http://schemas.microsoft.com/office/powerpoint/2010/main" val="1221701441"/>
+        <p14:creationId xmlns:p14="http://schemas.microsoft.com/office/powerpoint/2010/main" val="3222542406"/>
       </p:ext>
     </p:extLst>
   </p:cSld>
@@ -3794,12 +6026,558 @@
           <a:chExt cx="0" cy="0"/>
         </a:xfrm>
       </p:grpSpPr>
+      <p:graphicFrame>
+        <p:nvGraphicFramePr>
+          <p:cNvPr id="6" name="Content Placeholder 5"/>
+          <p:cNvGraphicFramePr>
+            <a:graphicFrameLocks noGrp="1"/>
+          </p:cNvGraphicFramePr>
+          <p:nvPr>
+            <p:ph idx="1"/>
+          </p:nvPr>
+        </p:nvGraphicFramePr>
+        <p:xfrm>
+          <a:off x="2152650" y="1825625"/>
+          <a:ext cx="7886700" cy="4351338"/>
+        </p:xfrm>
+        <a:graphic>
+          <a:graphicData uri="http://schemas.openxmlformats.org/drawingml/2006/diagram">
+            <dgm:relIds xmlns:dgm="http://schemas.openxmlformats.org/drawingml/2006/diagram" xmlns:r="http://schemas.openxmlformats.org/officeDocument/2006/relationships" r:dm="rId2" r:lo="rId3" r:qs="rId4" r:cs="rId5"/>
+          </a:graphicData>
+        </a:graphic>
+      </p:graphicFrame>
+      <p:sp>
+        <p:nvSpPr>
+          <p:cNvPr id="7" name="TextBox 6"/>
+          <p:cNvSpPr txBox="1"/>
+          <p:nvPr/>
+        </p:nvSpPr>
+        <p:spPr>
+          <a:xfrm>
+            <a:off x="2613025" y="356462"/>
+            <a:ext cx="7481538" cy="984885"/>
+          </a:xfrm>
+          <a:prstGeom prst="rect">
+            <a:avLst/>
+          </a:prstGeom>
+          <a:noFill/>
+        </p:spPr>
+        <p:txBody>
+          <a:bodyPr wrap="square" rtlCol="0">
+            <a:spAutoFit/>
+          </a:bodyPr>
+          <a:lstStyle/>
+          <a:p>
+            <a:pPr algn="ctr"/>
+            <a:r>
+              <a:rPr lang="en-US" sz="4000"/>
+              <a:t>Big Picture</a:t>
+            </a:r>
+            <a:endParaRPr lang="en-US" sz="4000" b="1"/>
+          </a:p>
+          <a:p>
+            <a:pPr algn="ctr"/>
+            <a:r>
+              <a:rPr lang="en-US" b="1"/>
+              <a:t>Assessment/Treatment Planning/Treatment Cycle</a:t>
+            </a:r>
+            <a:endParaRPr lang="en-US"/>
+          </a:p>
+        </p:txBody>
+      </p:sp>
+      <p:sp>
+        <p:nvSpPr>
+          <p:cNvPr id="8" name="TextBox 7"/>
+          <p:cNvSpPr txBox="1"/>
+          <p:nvPr/>
+        </p:nvSpPr>
+        <p:spPr>
+          <a:xfrm>
+            <a:off x="7762067" y="1801814"/>
+            <a:ext cx="2185262" cy="646331"/>
+          </a:xfrm>
+          <a:prstGeom prst="rect">
+            <a:avLst/>
+          </a:prstGeom>
+          <a:noFill/>
+        </p:spPr>
+        <p:txBody>
+          <a:bodyPr wrap="square" rtlCol="0">
+            <a:spAutoFit/>
+          </a:bodyPr>
+          <a:lstStyle/>
+          <a:p>
+            <a:r>
+              <a:rPr lang="en-US"/>
+              <a:t>Referral, Intake, File Review</a:t>
+            </a:r>
+          </a:p>
+        </p:txBody>
+      </p:sp>
+      <p:sp>
+        <p:nvSpPr>
+          <p:cNvPr id="12" name="TextBox 11"/>
+          <p:cNvSpPr txBox="1"/>
+          <p:nvPr/>
+        </p:nvSpPr>
+        <p:spPr>
+          <a:xfrm>
+            <a:off x="5454892" y="3216606"/>
+            <a:ext cx="1751309" cy="1015663"/>
+          </a:xfrm>
+          <a:prstGeom prst="rect">
+            <a:avLst/>
+          </a:prstGeom>
+          <a:noFill/>
+        </p:spPr>
+        <p:txBody>
+          <a:bodyPr wrap="square" rtlCol="0">
+            <a:spAutoFit/>
+          </a:bodyPr>
+          <a:lstStyle/>
+          <a:p>
+            <a:pPr algn="ctr"/>
+            <a:r>
+              <a:rPr lang="en-US" sz="2000" b="1" dirty="0"/>
+              <a:t>Ongoing Progress Monitoring</a:t>
+            </a:r>
+          </a:p>
+        </p:txBody>
+      </p:sp>
+      <p:sp>
+        <p:nvSpPr>
+          <p:cNvPr id="13" name="TextBox 12"/>
+          <p:cNvSpPr txBox="1"/>
+          <p:nvPr/>
+        </p:nvSpPr>
+        <p:spPr>
+          <a:xfrm>
+            <a:off x="8854698" y="2743201"/>
+            <a:ext cx="1518834" cy="646331"/>
+          </a:xfrm>
+          <a:prstGeom prst="rect">
+            <a:avLst/>
+          </a:prstGeom>
+          <a:noFill/>
+        </p:spPr>
+        <p:txBody>
+          <a:bodyPr wrap="square" rtlCol="0">
+            <a:spAutoFit/>
+          </a:bodyPr>
+          <a:lstStyle/>
+          <a:p>
+            <a:r>
+              <a:rPr lang="en-US"/>
+              <a:t>Differential Diagnosis</a:t>
+            </a:r>
+          </a:p>
+        </p:txBody>
+      </p:sp>
+      <p:sp>
+        <p:nvSpPr>
+          <p:cNvPr id="14" name="TextBox 13"/>
+          <p:cNvSpPr txBox="1"/>
+          <p:nvPr/>
+        </p:nvSpPr>
+        <p:spPr>
+          <a:xfrm>
+            <a:off x="3073831" y="5787758"/>
+            <a:ext cx="3279964" cy="369332"/>
+          </a:xfrm>
+          <a:prstGeom prst="rect">
+            <a:avLst/>
+          </a:prstGeom>
+          <a:noFill/>
+        </p:spPr>
+        <p:txBody>
+          <a:bodyPr wrap="square" rtlCol="0">
+            <a:spAutoFit/>
+          </a:bodyPr>
+          <a:lstStyle/>
+          <a:p>
+            <a:r>
+              <a:rPr lang="en-US"/>
+              <a:t>Reviewing Empirical Evidence</a:t>
+            </a:r>
+          </a:p>
+        </p:txBody>
+      </p:sp>
+      <p:sp>
+        <p:nvSpPr>
+          <p:cNvPr id="15" name="TextBox 14"/>
+          <p:cNvSpPr txBox="1"/>
+          <p:nvPr/>
+        </p:nvSpPr>
+        <p:spPr>
+          <a:xfrm>
+            <a:off x="8498237" y="3471621"/>
+            <a:ext cx="1596326" cy="646331"/>
+          </a:xfrm>
+          <a:prstGeom prst="rect">
+            <a:avLst/>
+          </a:prstGeom>
+          <a:noFill/>
+        </p:spPr>
+        <p:txBody>
+          <a:bodyPr wrap="square" rtlCol="0">
+            <a:spAutoFit/>
+          </a:bodyPr>
+          <a:lstStyle/>
+          <a:p>
+            <a:r>
+              <a:rPr lang="en-US"/>
+              <a:t>Programmatic Evidence</a:t>
+            </a:r>
+          </a:p>
+        </p:txBody>
+      </p:sp>
+      <p:sp>
+        <p:nvSpPr>
+          <p:cNvPr id="16" name="TextBox 15"/>
+          <p:cNvSpPr txBox="1"/>
+          <p:nvPr/>
+        </p:nvSpPr>
+        <p:spPr>
+          <a:xfrm>
+            <a:off x="6576447" y="5787758"/>
+            <a:ext cx="3518116" cy="369332"/>
+          </a:xfrm>
+          <a:prstGeom prst="rect">
+            <a:avLst/>
+          </a:prstGeom>
+          <a:noFill/>
+        </p:spPr>
+        <p:txBody>
+          <a:bodyPr wrap="square" rtlCol="0">
+            <a:spAutoFit/>
+          </a:bodyPr>
+          <a:lstStyle/>
+          <a:p>
+            <a:r>
+              <a:rPr lang="en-US"/>
+              <a:t>Selecting a Treatment Approach</a:t>
+            </a:r>
+          </a:p>
+        </p:txBody>
+      </p:sp>
+      <p:sp>
+        <p:nvSpPr>
+          <p:cNvPr id="17" name="TextBox 16"/>
+          <p:cNvSpPr txBox="1"/>
+          <p:nvPr/>
+        </p:nvSpPr>
+        <p:spPr>
+          <a:xfrm>
+            <a:off x="3585275" y="6110924"/>
+            <a:ext cx="2991173" cy="646331"/>
+          </a:xfrm>
+          <a:prstGeom prst="rect">
+            <a:avLst/>
+          </a:prstGeom>
+          <a:noFill/>
+        </p:spPr>
+        <p:txBody>
+          <a:bodyPr wrap="square" rtlCol="0">
+            <a:spAutoFit/>
+          </a:bodyPr>
+          <a:lstStyle/>
+          <a:p>
+            <a:r>
+              <a:rPr lang="en-US" dirty="0"/>
+              <a:t>Determining Frequency, Duration, Service delivery</a:t>
+            </a:r>
+          </a:p>
+        </p:txBody>
+      </p:sp>
+      <p:sp>
+        <p:nvSpPr>
+          <p:cNvPr id="18" name="TextBox 17"/>
+          <p:cNvSpPr txBox="1"/>
+          <p:nvPr/>
+        </p:nvSpPr>
+        <p:spPr>
+          <a:xfrm>
+            <a:off x="3427455" y="1880674"/>
+            <a:ext cx="1286359" cy="646331"/>
+          </a:xfrm>
+          <a:prstGeom prst="rect">
+            <a:avLst/>
+          </a:prstGeom>
+          <a:noFill/>
+        </p:spPr>
+        <p:txBody>
+          <a:bodyPr wrap="square" rtlCol="0">
+            <a:spAutoFit/>
+          </a:bodyPr>
+          <a:lstStyle/>
+          <a:p>
+            <a:r>
+              <a:rPr lang="en-US"/>
+              <a:t>Session Planning</a:t>
+            </a:r>
+          </a:p>
+        </p:txBody>
+      </p:sp>
+      <p:sp>
+        <p:nvSpPr>
+          <p:cNvPr id="19" name="TextBox 18"/>
+          <p:cNvSpPr txBox="1"/>
+          <p:nvPr/>
+        </p:nvSpPr>
+        <p:spPr>
+          <a:xfrm>
+            <a:off x="2613025" y="2862445"/>
+            <a:ext cx="1282216" cy="646331"/>
+          </a:xfrm>
+          <a:prstGeom prst="rect">
+            <a:avLst/>
+          </a:prstGeom>
+          <a:noFill/>
+        </p:spPr>
+        <p:txBody>
+          <a:bodyPr wrap="square" rtlCol="0">
+            <a:spAutoFit/>
+          </a:bodyPr>
+          <a:lstStyle/>
+          <a:p>
+            <a:r>
+              <a:rPr lang="en-US"/>
+              <a:t>Data Collection</a:t>
+            </a:r>
+          </a:p>
+        </p:txBody>
+      </p:sp>
+      <p:sp>
+        <p:nvSpPr>
+          <p:cNvPr id="21" name="TextBox 20"/>
+          <p:cNvSpPr txBox="1"/>
+          <p:nvPr/>
+        </p:nvSpPr>
+        <p:spPr>
+          <a:xfrm>
+            <a:off x="6576448" y="6276814"/>
+            <a:ext cx="2882685" cy="369332"/>
+          </a:xfrm>
+          <a:prstGeom prst="rect">
+            <a:avLst/>
+          </a:prstGeom>
+          <a:noFill/>
+        </p:spPr>
+        <p:txBody>
+          <a:bodyPr wrap="square" rtlCol="0">
+            <a:spAutoFit/>
+          </a:bodyPr>
+          <a:lstStyle/>
+          <a:p>
+            <a:r>
+              <a:rPr lang="en-US"/>
+              <a:t>Goal Selection</a:t>
+            </a:r>
+          </a:p>
+        </p:txBody>
+      </p:sp>
+      <p:sp>
+        <p:nvSpPr>
+          <p:cNvPr id="20" name="TextBox 19"/>
+          <p:cNvSpPr txBox="1"/>
+          <p:nvPr/>
+        </p:nvSpPr>
+        <p:spPr>
+          <a:xfrm>
+            <a:off x="2543629" y="4001295"/>
+            <a:ext cx="1355486" cy="830997"/>
+          </a:xfrm>
+          <a:prstGeom prst="rect">
+            <a:avLst/>
+          </a:prstGeom>
+          <a:noFill/>
+        </p:spPr>
+        <p:txBody>
+          <a:bodyPr wrap="square" rtlCol="0">
+            <a:spAutoFit/>
+          </a:bodyPr>
+          <a:lstStyle/>
+          <a:p>
+            <a:r>
+              <a:rPr lang="en-US" sz="1600">
+                <a:solidFill>
+                  <a:srgbClr val="FF0000"/>
+                </a:solidFill>
+              </a:rPr>
+              <a:t>Service Delivery, Referral</a:t>
+            </a:r>
+          </a:p>
+        </p:txBody>
+      </p:sp>
+    </p:spTree>
+    <p:extLst>
+      <p:ext uri="{BB962C8B-B14F-4D97-AF65-F5344CB8AC3E}">
+        <p14:creationId xmlns:p14="http://schemas.microsoft.com/office/powerpoint/2010/main" val="2058248131"/>
+      </p:ext>
+    </p:extLst>
+  </p:cSld>
+  <p:clrMapOvr>
+    <a:masterClrMapping/>
+  </p:clrMapOvr>
+</p:sld>
+</file>
+
+<file path=ppt/slides/slide10.xml><?xml version="1.0" encoding="utf-8"?>
+<p:sld xmlns:a="http://schemas.openxmlformats.org/drawingml/2006/main" xmlns:r="http://schemas.openxmlformats.org/officeDocument/2006/relationships" xmlns:p="http://schemas.openxmlformats.org/presentationml/2006/main">
+  <p:cSld>
+    <p:spTree>
+      <p:nvGrpSpPr>
+        <p:cNvPr id="1" name=""/>
+        <p:cNvGrpSpPr/>
+        <p:nvPr/>
+      </p:nvGrpSpPr>
+      <p:grpSpPr>
+        <a:xfrm>
+          <a:off x="0" y="0"/>
+          <a:ext cx="0" cy="0"/>
+          <a:chOff x="0" y="0"/>
+          <a:chExt cx="0" cy="0"/>
+        </a:xfrm>
+      </p:grpSpPr>
+      <p:sp>
+        <p:nvSpPr>
+          <p:cNvPr id="2" name="Title 1"/>
+          <p:cNvSpPr>
+            <a:spLocks noGrp="1"/>
+          </p:cNvSpPr>
+          <p:nvPr>
+            <p:ph type="title"/>
+          </p:nvPr>
+        </p:nvSpPr>
+        <p:spPr/>
+        <p:txBody>
+          <a:bodyPr>
+            <a:normAutofit fontScale="90000"/>
+          </a:bodyPr>
+          <a:lstStyle/>
+          <a:p>
+            <a:r>
+              <a:rPr lang="en-US" b="1" dirty="0">
+                <a:solidFill>
+                  <a:srgbClr val="FF0000"/>
+                </a:solidFill>
+              </a:rPr>
+              <a:t>Activity #28:  Service Delivery Models and Referral</a:t>
+            </a:r>
+            <a:br>
+              <a:rPr lang="en-US" b="1" dirty="0">
+                <a:solidFill>
+                  <a:srgbClr val="FF0000"/>
+                </a:solidFill>
+              </a:rPr>
+            </a:br>
+            <a:r>
+              <a:rPr lang="en-US" sz="2000" dirty="0"/>
+              <a:t>Small Group Discussion</a:t>
+            </a:r>
+            <a:endParaRPr lang="en-US" b="1" dirty="0">
+              <a:solidFill>
+                <a:srgbClr val="FF0000"/>
+              </a:solidFill>
+            </a:endParaRPr>
+          </a:p>
+        </p:txBody>
+      </p:sp>
+      <p:sp>
+        <p:nvSpPr>
+          <p:cNvPr id="3" name="Content Placeholder 2"/>
+          <p:cNvSpPr>
+            <a:spLocks noGrp="1"/>
+          </p:cNvSpPr>
+          <p:nvPr>
+            <p:ph idx="1"/>
+          </p:nvPr>
+        </p:nvSpPr>
+        <p:spPr/>
+        <p:txBody>
+          <a:bodyPr>
+            <a:normAutofit/>
+          </a:bodyPr>
+          <a:lstStyle/>
+          <a:p>
+            <a:r>
+              <a:rPr lang="en-US" sz="2400" dirty="0"/>
+              <a:t>What type of service delivery model was used with Matthew?  Who had what roles (e.g., consultant, collaborator, </a:t>
+            </a:r>
+            <a:r>
+              <a:rPr lang="en-US" sz="2400" dirty="0" err="1"/>
+              <a:t>coachee</a:t>
+            </a:r>
+            <a:r>
+              <a:rPr lang="en-US" sz="2400" dirty="0"/>
+              <a:t>)?  Draw out a model.</a:t>
+            </a:r>
+          </a:p>
+          <a:p>
+            <a:r>
+              <a:rPr lang="en-US" sz="2400" dirty="0"/>
+              <a:t>Who referred Matthew to the HEDCO clinic?</a:t>
+            </a:r>
+          </a:p>
+          <a:p>
+            <a:r>
+              <a:rPr lang="en-US" sz="2400" dirty="0"/>
+              <a:t>Is there anyone Matthew should be referred to?</a:t>
+            </a:r>
+          </a:p>
+          <a:p>
+            <a:r>
+              <a:rPr lang="en-US" sz="2400" dirty="0"/>
+              <a:t>Matthew was assessed by an audiologist right after starting at the HEDCO clinic.  Review the audiogram from this assessment (audiogram1) on Canvas.  What does this audiogram tell us?</a:t>
+            </a:r>
+          </a:p>
+          <a:p>
+            <a:r>
+              <a:rPr lang="en-US" sz="2400" dirty="0"/>
+              <a:t>Why are his parent’s seeking a second opinion?</a:t>
+            </a:r>
+          </a:p>
+          <a:p>
+            <a:endParaRPr lang="en-US" dirty="0"/>
+          </a:p>
+        </p:txBody>
+      </p:sp>
+    </p:spTree>
+    <p:extLst>
+      <p:ext uri="{BB962C8B-B14F-4D97-AF65-F5344CB8AC3E}">
+        <p14:creationId xmlns:p14="http://schemas.microsoft.com/office/powerpoint/2010/main" val="470096371"/>
+      </p:ext>
+    </p:extLst>
+  </p:cSld>
+  <p:clrMapOvr>
+    <a:masterClrMapping/>
+  </p:clrMapOvr>
+</p:sld>
+</file>
+
+<file path=ppt/slides/slide11.xml><?xml version="1.0" encoding="utf-8"?>
+<p:sld xmlns:a="http://schemas.openxmlformats.org/drawingml/2006/main" xmlns:r="http://schemas.openxmlformats.org/officeDocument/2006/relationships" xmlns:p="http://schemas.openxmlformats.org/presentationml/2006/main">
+  <p:cSld>
+    <p:spTree>
+      <p:nvGrpSpPr>
+        <p:cNvPr id="1" name=""/>
+        <p:cNvGrpSpPr/>
+        <p:nvPr/>
+      </p:nvGrpSpPr>
+      <p:grpSpPr>
+        <a:xfrm>
+          <a:off x="0" y="0"/>
+          <a:ext cx="0" cy="0"/>
+          <a:chOff x="0" y="0"/>
+          <a:chExt cx="0" cy="0"/>
+        </a:xfrm>
+      </p:grpSpPr>
       <p:sp>
         <p:nvSpPr>
           <p:cNvPr id="2" name="Title 1">
             <a:extLst>
               <a:ext uri="{FF2B5EF4-FFF2-40B4-BE49-F238E27FC236}">
-                <a16:creationId xmlns:a16="http://schemas.microsoft.com/office/drawing/2014/main" id="{8CF28751-BD4C-F647-B12A-AEC86B8F3AE8}"/>
+                <a16:creationId xmlns:a16="http://schemas.microsoft.com/office/drawing/2014/main" id="{91AFBBAB-7D3E-274A-B645-E35DD8307E41}"/>
               </a:ext>
             </a:extLst>
           </p:cNvPr>
@@ -3812,27 +6590,152 @@
         </p:nvSpPr>
         <p:spPr>
           <a:xfrm>
-            <a:off x="1878330" y="43948"/>
-            <a:ext cx="7886700" cy="999518"/>
-          </a:xfrm>
-        </p:spPr>
-        <p:txBody>
-          <a:bodyPr/>
-          <a:lstStyle/>
-          <a:p>
-            <a:r>
-              <a:rPr lang="en-US" u="sng" dirty="0"/>
-              <a:t>End-of-Term Requirements:</a:t>
-            </a:r>
-          </a:p>
-        </p:txBody>
-      </p:sp>
-      <p:sp>
-        <p:nvSpPr>
-          <p:cNvPr id="3" name="TextBox 2">
+            <a:off x="1839142" y="163604"/>
+            <a:ext cx="8724355" cy="1025117"/>
+          </a:xfrm>
+        </p:spPr>
+        <p:txBody>
+          <a:bodyPr>
+            <a:normAutofit/>
+          </a:bodyPr>
+          <a:lstStyle/>
+          <a:p>
+            <a:r>
+              <a:rPr lang="en-US" sz="2800" b="1" dirty="0">
+                <a:solidFill>
+                  <a:srgbClr val="FF0000"/>
+                </a:solidFill>
+              </a:rPr>
+              <a:t>Activity #29:  Watch the audiology assessment and answer the following questions</a:t>
+            </a:r>
+            <a:endParaRPr lang="en-US" sz="2800" dirty="0"/>
+          </a:p>
+        </p:txBody>
+      </p:sp>
+      <p:sp>
+        <p:nvSpPr>
+          <p:cNvPr id="5" name="Content Placeholder 4">
             <a:extLst>
               <a:ext uri="{FF2B5EF4-FFF2-40B4-BE49-F238E27FC236}">
-                <a16:creationId xmlns:a16="http://schemas.microsoft.com/office/drawing/2014/main" id="{A8051633-011E-C545-84D3-5454F9AF46AB}"/>
+                <a16:creationId xmlns:a16="http://schemas.microsoft.com/office/drawing/2014/main" id="{7AC9E46D-5B13-8D49-AD97-6471F78E9EAA}"/>
+              </a:ext>
+            </a:extLst>
+          </p:cNvPr>
+          <p:cNvSpPr>
+            <a:spLocks noGrp="1"/>
+          </p:cNvSpPr>
+          <p:nvPr>
+            <p:ph idx="1"/>
+          </p:nvPr>
+        </p:nvSpPr>
+        <p:spPr/>
+        <p:txBody>
+          <a:bodyPr/>
+          <a:lstStyle/>
+          <a:p>
+            <a:r>
+              <a:rPr lang="en-US" dirty="0"/>
+              <a:t>Audiology appointment video</a:t>
+            </a:r>
+          </a:p>
+        </p:txBody>
+      </p:sp>
+    </p:spTree>
+    <p:extLst>
+      <p:ext uri="{BB962C8B-B14F-4D97-AF65-F5344CB8AC3E}">
+        <p14:creationId xmlns:p14="http://schemas.microsoft.com/office/powerpoint/2010/main" val="3875633921"/>
+      </p:ext>
+    </p:extLst>
+  </p:cSld>
+  <p:clrMapOvr>
+    <a:masterClrMapping/>
+  </p:clrMapOvr>
+</p:sld>
+</file>
+
+<file path=ppt/slides/slide12.xml><?xml version="1.0" encoding="utf-8"?>
+<p:sld xmlns:a="http://schemas.openxmlformats.org/drawingml/2006/main" xmlns:r="http://schemas.openxmlformats.org/officeDocument/2006/relationships" xmlns:p="http://schemas.openxmlformats.org/presentationml/2006/main">
+  <p:cSld>
+    <p:spTree>
+      <p:nvGrpSpPr>
+        <p:cNvPr id="1" name=""/>
+        <p:cNvGrpSpPr/>
+        <p:nvPr/>
+      </p:nvGrpSpPr>
+      <p:grpSpPr>
+        <a:xfrm>
+          <a:off x="0" y="0"/>
+          <a:ext cx="0" cy="0"/>
+          <a:chOff x="0" y="0"/>
+          <a:chExt cx="0" cy="0"/>
+        </a:xfrm>
+      </p:grpSpPr>
+      <p:pic>
+        <p:nvPicPr>
+          <p:cNvPr id="3" name="Picture 2">
+            <a:extLst>
+              <a:ext uri="{FF2B5EF4-FFF2-40B4-BE49-F238E27FC236}">
+                <a16:creationId xmlns:a16="http://schemas.microsoft.com/office/drawing/2014/main" id="{5C488DFC-AE32-A44D-9409-A7A063C8FEFE}"/>
+              </a:ext>
+            </a:extLst>
+          </p:cNvPr>
+          <p:cNvPicPr>
+            <a:picLocks noChangeAspect="1"/>
+          </p:cNvPicPr>
+          <p:nvPr/>
+        </p:nvPicPr>
+        <p:blipFill>
+          <a:blip r:embed="rId2"/>
+          <a:stretch>
+            <a:fillRect/>
+          </a:stretch>
+        </p:blipFill>
+        <p:spPr>
+          <a:xfrm>
+            <a:off x="1616469" y="333692"/>
+            <a:ext cx="5380071" cy="3095309"/>
+          </a:xfrm>
+          <a:prstGeom prst="rect">
+            <a:avLst/>
+          </a:prstGeom>
+        </p:spPr>
+      </p:pic>
+      <p:pic>
+        <p:nvPicPr>
+          <p:cNvPr id="5" name="Picture 4">
+            <a:extLst>
+              <a:ext uri="{FF2B5EF4-FFF2-40B4-BE49-F238E27FC236}">
+                <a16:creationId xmlns:a16="http://schemas.microsoft.com/office/drawing/2014/main" id="{D6A0DD56-65B2-1E42-A24C-06C518E34B35}"/>
+              </a:ext>
+            </a:extLst>
+          </p:cNvPr>
+          <p:cNvPicPr>
+            <a:picLocks noChangeAspect="1"/>
+          </p:cNvPicPr>
+          <p:nvPr/>
+        </p:nvPicPr>
+        <p:blipFill>
+          <a:blip r:embed="rId3"/>
+          <a:stretch>
+            <a:fillRect/>
+          </a:stretch>
+        </p:blipFill>
+        <p:spPr>
+          <a:xfrm>
+            <a:off x="2592513" y="3641383"/>
+            <a:ext cx="7472601" cy="3095310"/>
+          </a:xfrm>
+          <a:prstGeom prst="rect">
+            <a:avLst/>
+          </a:prstGeom>
+        </p:spPr>
+      </p:pic>
+      <p:sp>
+        <p:nvSpPr>
+          <p:cNvPr id="6" name="TextBox 5">
+            <a:extLst>
+              <a:ext uri="{FF2B5EF4-FFF2-40B4-BE49-F238E27FC236}">
+                <a16:creationId xmlns:a16="http://schemas.microsoft.com/office/drawing/2014/main" id="{6EB0A01F-4CE4-0144-A1C3-E507AFCAAABF}"/>
               </a:ext>
             </a:extLst>
           </p:cNvPr>
@@ -3841,8 +6744,8 @@
         </p:nvSpPr>
         <p:spPr>
           <a:xfrm>
-            <a:off x="2377949" y="1043466"/>
-            <a:ext cx="7114395" cy="954107"/>
+            <a:off x="7298076" y="585627"/>
+            <a:ext cx="2834430" cy="523220"/>
           </a:xfrm>
           <a:prstGeom prst="rect">
             <a:avLst/>
@@ -3850,123 +6753,19 @@
           <a:noFill/>
         </p:spPr>
         <p:txBody>
-          <a:bodyPr wrap="square" rtlCol="0">
+          <a:bodyPr wrap="none" rtlCol="0">
             <a:spAutoFit/>
           </a:bodyPr>
           <a:lstStyle/>
           <a:p>
-            <a:r>
-              <a:rPr lang="en-US" sz="2800" dirty="0"/>
-              <a:t>By </a:t>
-            </a:r>
             <a:r>
               <a:rPr lang="en-US" sz="2800" dirty="0">
                 <a:solidFill>
                   <a:srgbClr val="FF0000"/>
                 </a:solidFill>
+                <a:latin typeface="+mj-lt"/>
               </a:rPr>
-              <a:t>Friday, </a:t>
-            </a:r>
-            <a:r>
-              <a:rPr lang="en-US" sz="2800" b="1" dirty="0">
-                <a:solidFill>
-                  <a:srgbClr val="FF0000"/>
-                </a:solidFill>
-              </a:rPr>
-              <a:t>June 4th at 5:00 pm </a:t>
-            </a:r>
-            <a:r>
-              <a:rPr lang="en-US" sz="2800" dirty="0"/>
-              <a:t>submit the following via Canvas:</a:t>
-            </a:r>
-          </a:p>
-        </p:txBody>
-      </p:sp>
-      <p:sp>
-        <p:nvSpPr>
-          <p:cNvPr id="4" name="TextBox 3">
-            <a:extLst>
-              <a:ext uri="{FF2B5EF4-FFF2-40B4-BE49-F238E27FC236}">
-                <a16:creationId xmlns:a16="http://schemas.microsoft.com/office/drawing/2014/main" id="{D21BFA93-2A8A-B24C-AD04-3558B9C63042}"/>
-              </a:ext>
-            </a:extLst>
-          </p:cNvPr>
-          <p:cNvSpPr txBox="1"/>
-          <p:nvPr/>
-        </p:nvSpPr>
-        <p:spPr>
-          <a:xfrm>
-            <a:off x="2377949" y="1918699"/>
-            <a:ext cx="8058131" cy="3046988"/>
-          </a:xfrm>
-          <a:prstGeom prst="rect">
-            <a:avLst/>
-          </a:prstGeom>
-          <a:noFill/>
-        </p:spPr>
-        <p:txBody>
-          <a:bodyPr wrap="square" rtlCol="0">
-            <a:spAutoFit/>
-          </a:bodyPr>
-          <a:lstStyle/>
-          <a:p>
-            <a:endParaRPr lang="en-US" sz="2400" dirty="0"/>
-          </a:p>
-          <a:p>
-            <a:pPr marL="457200" indent="-457200">
-              <a:buFont typeface="+mj-lt"/>
-              <a:buAutoNum type="arabicPeriod"/>
-            </a:pPr>
-            <a:r>
-              <a:rPr lang="en-US" sz="2400" dirty="0"/>
-              <a:t>Terms and Definitions </a:t>
-            </a:r>
-          </a:p>
-          <a:p>
-            <a:pPr marL="457200" indent="-457200">
-              <a:buFont typeface="+mj-lt"/>
-              <a:buAutoNum type="arabicPeriod"/>
-            </a:pPr>
-            <a:endParaRPr lang="en-US" sz="2400" dirty="0"/>
-          </a:p>
-          <a:p>
-            <a:pPr marL="457200" indent="-457200">
-              <a:buFont typeface="+mj-lt"/>
-              <a:buAutoNum type="arabicPeriod"/>
-            </a:pPr>
-            <a:r>
-              <a:rPr lang="en-US" sz="2400" dirty="0"/>
-              <a:t>In-Class Activity Packet</a:t>
-            </a:r>
-          </a:p>
-          <a:p>
-            <a:pPr lvl="1"/>
-            <a:r>
-              <a:rPr lang="en-US" sz="2400" dirty="0"/>
-              <a:t>	On cover sheet note the number of activities completed</a:t>
-            </a:r>
-          </a:p>
-          <a:p>
-            <a:pPr marL="457200" indent="-457200">
-              <a:buFont typeface="+mj-lt"/>
-              <a:buAutoNum type="arabicPeriod"/>
-            </a:pPr>
-            <a:endParaRPr lang="en-US" sz="2400" dirty="0"/>
-          </a:p>
-          <a:p>
-            <a:pPr marL="457200" indent="-457200">
-              <a:buFont typeface="+mj-lt"/>
-              <a:buAutoNum type="arabicPeriod"/>
-            </a:pPr>
-            <a:r>
-              <a:rPr lang="en-US" sz="2400" dirty="0"/>
-              <a:t>Final Group Participation Feedback</a:t>
-            </a:r>
-          </a:p>
-          <a:p>
-            <a:r>
-              <a:rPr lang="en-US" sz="2400" dirty="0"/>
-              <a:t>		</a:t>
+              <a:t>Review Activity 29</a:t>
             </a:r>
           </a:p>
         </p:txBody>
@@ -3974,7 +6773,7 @@
     </p:spTree>
     <p:extLst>
       <p:ext uri="{BB962C8B-B14F-4D97-AF65-F5344CB8AC3E}">
-        <p14:creationId xmlns:p14="http://schemas.microsoft.com/office/powerpoint/2010/main" val="1980382343"/>
+        <p14:creationId xmlns:p14="http://schemas.microsoft.com/office/powerpoint/2010/main" val="431987774"/>
       </p:ext>
     </p:extLst>
   </p:cSld>
@@ -4003,13 +6802,482 @@
       </p:grpSpPr>
       <p:sp>
         <p:nvSpPr>
-          <p:cNvPr id="2" name="Title 1">
-            <a:extLst>
-              <a:ext uri="{FF2B5EF4-FFF2-40B4-BE49-F238E27FC236}">
-                <a16:creationId xmlns:a16="http://schemas.microsoft.com/office/drawing/2014/main" id="{452887EB-B868-2142-8A53-1F64365070D4}"/>
-              </a:ext>
-            </a:extLst>
-          </p:cNvPr>
+          <p:cNvPr id="5" name="Oval 4"/>
+          <p:cNvSpPr/>
+          <p:nvPr/>
+        </p:nvSpPr>
+        <p:spPr>
+          <a:xfrm>
+            <a:off x="3637408" y="2258799"/>
+            <a:ext cx="1221996" cy="1096082"/>
+          </a:xfrm>
+          <a:prstGeom prst="ellipse">
+            <a:avLst/>
+          </a:prstGeom>
+        </p:spPr>
+        <p:style>
+          <a:lnRef idx="1">
+            <a:schemeClr val="accent1"/>
+          </a:lnRef>
+          <a:fillRef idx="3">
+            <a:schemeClr val="accent1"/>
+          </a:fillRef>
+          <a:effectRef idx="2">
+            <a:schemeClr val="accent1"/>
+          </a:effectRef>
+          <a:fontRef idx="minor">
+            <a:schemeClr val="lt1"/>
+          </a:fontRef>
+        </p:style>
+        <p:txBody>
+          <a:bodyPr rtlCol="0" anchor="ctr"/>
+          <a:lstStyle/>
+          <a:p>
+            <a:pPr algn="ctr"/>
+            <a:endParaRPr lang="en-US" sz="1350"/>
+          </a:p>
+        </p:txBody>
+      </p:sp>
+      <p:sp>
+        <p:nvSpPr>
+          <p:cNvPr id="6" name="Oval 5"/>
+          <p:cNvSpPr/>
+          <p:nvPr/>
+        </p:nvSpPr>
+        <p:spPr>
+          <a:xfrm>
+            <a:off x="6961956" y="2258799"/>
+            <a:ext cx="1311848" cy="1096082"/>
+          </a:xfrm>
+          <a:prstGeom prst="ellipse">
+            <a:avLst/>
+          </a:prstGeom>
+        </p:spPr>
+        <p:style>
+          <a:lnRef idx="1">
+            <a:schemeClr val="accent1"/>
+          </a:lnRef>
+          <a:fillRef idx="3">
+            <a:schemeClr val="accent1"/>
+          </a:fillRef>
+          <a:effectRef idx="2">
+            <a:schemeClr val="accent1"/>
+          </a:effectRef>
+          <a:fontRef idx="minor">
+            <a:schemeClr val="lt1"/>
+          </a:fontRef>
+        </p:style>
+        <p:txBody>
+          <a:bodyPr rtlCol="0" anchor="ctr"/>
+          <a:lstStyle/>
+          <a:p>
+            <a:pPr algn="ctr"/>
+            <a:r>
+              <a:rPr lang="en-US" sz="1600" b="1" dirty="0">
+                <a:solidFill>
+                  <a:schemeClr val="tx1"/>
+                </a:solidFill>
+              </a:rPr>
+              <a:t>Family</a:t>
+            </a:r>
+          </a:p>
+        </p:txBody>
+      </p:sp>
+      <p:sp>
+        <p:nvSpPr>
+          <p:cNvPr id="7" name="Oval 6"/>
+          <p:cNvSpPr/>
+          <p:nvPr/>
+        </p:nvSpPr>
+        <p:spPr>
+          <a:xfrm>
+            <a:off x="5452432" y="4540806"/>
+            <a:ext cx="1186054" cy="1149988"/>
+          </a:xfrm>
+          <a:prstGeom prst="ellipse">
+            <a:avLst/>
+          </a:prstGeom>
+        </p:spPr>
+        <p:style>
+          <a:lnRef idx="1">
+            <a:schemeClr val="accent1"/>
+          </a:lnRef>
+          <a:fillRef idx="3">
+            <a:schemeClr val="accent1"/>
+          </a:fillRef>
+          <a:effectRef idx="2">
+            <a:schemeClr val="accent1"/>
+          </a:effectRef>
+          <a:fontRef idx="minor">
+            <a:schemeClr val="lt1"/>
+          </a:fontRef>
+        </p:style>
+        <p:txBody>
+          <a:bodyPr rtlCol="0" anchor="ctr"/>
+          <a:lstStyle/>
+          <a:p>
+            <a:pPr algn="ctr"/>
+            <a:endParaRPr lang="en-US" sz="1350"/>
+          </a:p>
+        </p:txBody>
+      </p:sp>
+      <p:cxnSp>
+        <p:nvCxnSpPr>
+          <p:cNvPr id="9" name="Straight Connector 8"/>
+          <p:cNvCxnSpPr>
+            <a:cxnSpLocks/>
+          </p:cNvCxnSpPr>
+          <p:nvPr/>
+        </p:nvCxnSpPr>
+        <p:spPr>
+          <a:xfrm>
+            <a:off x="4479185" y="3430380"/>
+            <a:ext cx="1151399" cy="1211968"/>
+          </a:xfrm>
+          <a:prstGeom prst="line">
+            <a:avLst/>
+          </a:prstGeom>
+          <a:ln>
+            <a:tailEnd type="triangle" w="lg" len="lg"/>
+          </a:ln>
+        </p:spPr>
+        <p:style>
+          <a:lnRef idx="2">
+            <a:schemeClr val="accent1"/>
+          </a:lnRef>
+          <a:fillRef idx="0">
+            <a:schemeClr val="accent1"/>
+          </a:fillRef>
+          <a:effectRef idx="1">
+            <a:schemeClr val="accent1"/>
+          </a:effectRef>
+          <a:fontRef idx="minor">
+            <a:schemeClr val="tx1"/>
+          </a:fontRef>
+        </p:style>
+      </p:cxnSp>
+      <p:cxnSp>
+        <p:nvCxnSpPr>
+          <p:cNvPr id="11" name="Straight Connector 10"/>
+          <p:cNvCxnSpPr>
+            <a:endCxn id="7" idx="7"/>
+          </p:cNvCxnSpPr>
+          <p:nvPr/>
+        </p:nvCxnSpPr>
+        <p:spPr>
+          <a:xfrm flipH="1">
+            <a:off x="6464793" y="3308630"/>
+            <a:ext cx="841443" cy="1400588"/>
+          </a:xfrm>
+          <a:prstGeom prst="line">
+            <a:avLst/>
+          </a:prstGeom>
+          <a:ln>
+            <a:tailEnd type="triangle" w="lg" len="lg"/>
+          </a:ln>
+        </p:spPr>
+        <p:style>
+          <a:lnRef idx="2">
+            <a:schemeClr val="accent1"/>
+          </a:lnRef>
+          <a:fillRef idx="0">
+            <a:schemeClr val="accent1"/>
+          </a:fillRef>
+          <a:effectRef idx="1">
+            <a:schemeClr val="accent1"/>
+          </a:effectRef>
+          <a:fontRef idx="minor">
+            <a:schemeClr val="tx1"/>
+          </a:fontRef>
+        </p:style>
+      </p:cxnSp>
+      <p:sp>
+        <p:nvSpPr>
+          <p:cNvPr id="14" name="TextBox 13"/>
+          <p:cNvSpPr txBox="1"/>
+          <p:nvPr/>
+        </p:nvSpPr>
+        <p:spPr>
+          <a:xfrm>
+            <a:off x="3637407" y="2529840"/>
+            <a:ext cx="1221996" cy="553998"/>
+          </a:xfrm>
+          <a:prstGeom prst="rect">
+            <a:avLst/>
+          </a:prstGeom>
+          <a:noFill/>
+        </p:spPr>
+        <p:txBody>
+          <a:bodyPr wrap="square" rtlCol="0">
+            <a:spAutoFit/>
+          </a:bodyPr>
+          <a:lstStyle/>
+          <a:p>
+            <a:pPr algn="ctr"/>
+            <a:r>
+              <a:rPr lang="en-US" sz="1500" b="1" dirty="0"/>
+              <a:t>Service Provider</a:t>
+            </a:r>
+          </a:p>
+        </p:txBody>
+      </p:sp>
+      <p:sp>
+        <p:nvSpPr>
+          <p:cNvPr id="16" name="TextBox 15"/>
+          <p:cNvSpPr txBox="1"/>
+          <p:nvPr/>
+        </p:nvSpPr>
+        <p:spPr>
+          <a:xfrm>
+            <a:off x="5452432" y="4977300"/>
+            <a:ext cx="1186053" cy="300082"/>
+          </a:xfrm>
+          <a:prstGeom prst="rect">
+            <a:avLst/>
+          </a:prstGeom>
+          <a:noFill/>
+        </p:spPr>
+        <p:txBody>
+          <a:bodyPr wrap="square" rtlCol="0">
+            <a:spAutoFit/>
+          </a:bodyPr>
+          <a:lstStyle/>
+          <a:p>
+            <a:pPr algn="ctr"/>
+            <a:r>
+              <a:rPr lang="en-US" sz="1350" b="1"/>
+              <a:t>Client</a:t>
+            </a:r>
+          </a:p>
+        </p:txBody>
+      </p:sp>
+      <p:sp>
+        <p:nvSpPr>
+          <p:cNvPr id="17" name="TextBox 16"/>
+          <p:cNvSpPr txBox="1"/>
+          <p:nvPr/>
+        </p:nvSpPr>
+        <p:spPr>
+          <a:xfrm>
+            <a:off x="5146934" y="3624410"/>
+            <a:ext cx="1491553" cy="507831"/>
+          </a:xfrm>
+          <a:prstGeom prst="rect">
+            <a:avLst/>
+          </a:prstGeom>
+          <a:noFill/>
+        </p:spPr>
+        <p:txBody>
+          <a:bodyPr wrap="square" rtlCol="0">
+            <a:spAutoFit/>
+          </a:bodyPr>
+          <a:lstStyle/>
+          <a:p>
+            <a:pPr algn="ctr"/>
+            <a:r>
+              <a:rPr lang="en-US" sz="1350"/>
+              <a:t>Settings and Contexts</a:t>
+            </a:r>
+          </a:p>
+        </p:txBody>
+      </p:sp>
+      <p:sp>
+        <p:nvSpPr>
+          <p:cNvPr id="18" name="Content Placeholder 2"/>
+          <p:cNvSpPr txBox="1">
+            <a:spLocks/>
+          </p:cNvSpPr>
+          <p:nvPr/>
+        </p:nvSpPr>
+        <p:spPr>
+          <a:xfrm>
+            <a:off x="2102107" y="1029137"/>
+            <a:ext cx="7886700" cy="1186516"/>
+          </a:xfrm>
+          <a:prstGeom prst="rect">
+            <a:avLst/>
+          </a:prstGeom>
+        </p:spPr>
+        <p:txBody>
+          <a:bodyPr/>
+          <a:lstStyle>
+            <a:lvl1pPr marL="171450" indent="-171450" algn="l" defTabSz="685800" rtl="0" eaLnBrk="1" latinLnBrk="0" hangingPunct="1">
+              <a:lnSpc>
+                <a:spcPct val="90000"/>
+              </a:lnSpc>
+              <a:spcBef>
+                <a:spcPts val="750"/>
+              </a:spcBef>
+              <a:buFont typeface="Arial"/>
+              <a:buChar char="•"/>
+              <a:defRPr sz="2100" kern="1200">
+                <a:solidFill>
+                  <a:schemeClr val="tx1"/>
+                </a:solidFill>
+                <a:latin typeface="+mn-lt"/>
+                <a:ea typeface="+mn-ea"/>
+                <a:cs typeface="+mn-cs"/>
+              </a:defRPr>
+            </a:lvl1pPr>
+            <a:lvl2pPr marL="514350" indent="-171450" algn="l" defTabSz="685800" rtl="0" eaLnBrk="1" latinLnBrk="0" hangingPunct="1">
+              <a:lnSpc>
+                <a:spcPct val="90000"/>
+              </a:lnSpc>
+              <a:spcBef>
+                <a:spcPts val="375"/>
+              </a:spcBef>
+              <a:buFont typeface="Arial"/>
+              <a:buChar char="•"/>
+              <a:defRPr sz="1800" kern="1200">
+                <a:solidFill>
+                  <a:schemeClr val="tx1"/>
+                </a:solidFill>
+                <a:latin typeface="+mn-lt"/>
+                <a:ea typeface="+mn-ea"/>
+                <a:cs typeface="+mn-cs"/>
+              </a:defRPr>
+            </a:lvl2pPr>
+            <a:lvl3pPr marL="857250" indent="-171450" algn="l" defTabSz="685800" rtl="0" eaLnBrk="1" latinLnBrk="0" hangingPunct="1">
+              <a:lnSpc>
+                <a:spcPct val="90000"/>
+              </a:lnSpc>
+              <a:spcBef>
+                <a:spcPts val="375"/>
+              </a:spcBef>
+              <a:buFont typeface="Arial"/>
+              <a:buChar char="•"/>
+              <a:defRPr sz="1500" kern="1200">
+                <a:solidFill>
+                  <a:schemeClr val="tx1"/>
+                </a:solidFill>
+                <a:latin typeface="+mn-lt"/>
+                <a:ea typeface="+mn-ea"/>
+                <a:cs typeface="+mn-cs"/>
+              </a:defRPr>
+            </a:lvl3pPr>
+            <a:lvl4pPr marL="1200150" indent="-171450" algn="l" defTabSz="685800" rtl="0" eaLnBrk="1" latinLnBrk="0" hangingPunct="1">
+              <a:lnSpc>
+                <a:spcPct val="90000"/>
+              </a:lnSpc>
+              <a:spcBef>
+                <a:spcPts val="375"/>
+              </a:spcBef>
+              <a:buFont typeface="Arial"/>
+              <a:buChar char="•"/>
+              <a:defRPr sz="1350" kern="1200">
+                <a:solidFill>
+                  <a:schemeClr val="tx1"/>
+                </a:solidFill>
+                <a:latin typeface="+mn-lt"/>
+                <a:ea typeface="+mn-ea"/>
+                <a:cs typeface="+mn-cs"/>
+              </a:defRPr>
+            </a:lvl4pPr>
+            <a:lvl5pPr marL="1543050" indent="-171450" algn="l" defTabSz="685800" rtl="0" eaLnBrk="1" latinLnBrk="0" hangingPunct="1">
+              <a:lnSpc>
+                <a:spcPct val="90000"/>
+              </a:lnSpc>
+              <a:spcBef>
+                <a:spcPts val="375"/>
+              </a:spcBef>
+              <a:buFont typeface="Arial"/>
+              <a:buChar char="•"/>
+              <a:defRPr sz="1350" kern="1200">
+                <a:solidFill>
+                  <a:schemeClr val="tx1"/>
+                </a:solidFill>
+                <a:latin typeface="+mn-lt"/>
+                <a:ea typeface="+mn-ea"/>
+                <a:cs typeface="+mn-cs"/>
+              </a:defRPr>
+            </a:lvl5pPr>
+            <a:lvl6pPr marL="1885950" indent="-171450" algn="l" defTabSz="685800" rtl="0" eaLnBrk="1" latinLnBrk="0" hangingPunct="1">
+              <a:lnSpc>
+                <a:spcPct val="90000"/>
+              </a:lnSpc>
+              <a:spcBef>
+                <a:spcPts val="375"/>
+              </a:spcBef>
+              <a:buFont typeface="Arial"/>
+              <a:buChar char="•"/>
+              <a:defRPr sz="1350" kern="1200">
+                <a:solidFill>
+                  <a:schemeClr val="tx1"/>
+                </a:solidFill>
+                <a:latin typeface="+mn-lt"/>
+                <a:ea typeface="+mn-ea"/>
+                <a:cs typeface="+mn-cs"/>
+              </a:defRPr>
+            </a:lvl6pPr>
+            <a:lvl7pPr marL="2228850" indent="-171450" algn="l" defTabSz="685800" rtl="0" eaLnBrk="1" latinLnBrk="0" hangingPunct="1">
+              <a:lnSpc>
+                <a:spcPct val="90000"/>
+              </a:lnSpc>
+              <a:spcBef>
+                <a:spcPts val="375"/>
+              </a:spcBef>
+              <a:buFont typeface="Arial"/>
+              <a:buChar char="•"/>
+              <a:defRPr sz="1350" kern="1200">
+                <a:solidFill>
+                  <a:schemeClr val="tx1"/>
+                </a:solidFill>
+                <a:latin typeface="+mn-lt"/>
+                <a:ea typeface="+mn-ea"/>
+                <a:cs typeface="+mn-cs"/>
+              </a:defRPr>
+            </a:lvl7pPr>
+            <a:lvl8pPr marL="2571750" indent="-171450" algn="l" defTabSz="685800" rtl="0" eaLnBrk="1" latinLnBrk="0" hangingPunct="1">
+              <a:lnSpc>
+                <a:spcPct val="90000"/>
+              </a:lnSpc>
+              <a:spcBef>
+                <a:spcPts val="375"/>
+              </a:spcBef>
+              <a:buFont typeface="Arial"/>
+              <a:buChar char="•"/>
+              <a:defRPr sz="1350" kern="1200">
+                <a:solidFill>
+                  <a:schemeClr val="tx1"/>
+                </a:solidFill>
+                <a:latin typeface="+mn-lt"/>
+                <a:ea typeface="+mn-ea"/>
+                <a:cs typeface="+mn-cs"/>
+              </a:defRPr>
+            </a:lvl8pPr>
+            <a:lvl9pPr marL="2914650" indent="-171450" algn="l" defTabSz="685800" rtl="0" eaLnBrk="1" latinLnBrk="0" hangingPunct="1">
+              <a:lnSpc>
+                <a:spcPct val="90000"/>
+              </a:lnSpc>
+              <a:spcBef>
+                <a:spcPts val="375"/>
+              </a:spcBef>
+              <a:buFont typeface="Arial"/>
+              <a:buChar char="•"/>
+              <a:defRPr sz="1350" kern="1200">
+                <a:solidFill>
+                  <a:schemeClr val="tx1"/>
+                </a:solidFill>
+                <a:latin typeface="+mn-lt"/>
+                <a:ea typeface="+mn-ea"/>
+                <a:cs typeface="+mn-cs"/>
+              </a:defRPr>
+            </a:lvl9pPr>
+          </a:lstStyle>
+          <a:p>
+            <a:pPr marL="0" indent="0">
+              <a:buNone/>
+            </a:pPr>
+            <a:r>
+              <a:rPr lang="en-US" dirty="0"/>
+              <a:t>The SLP provides direct intervention to the client.</a:t>
+            </a:r>
+          </a:p>
+        </p:txBody>
+      </p:sp>
+      <p:sp>
+        <p:nvSpPr>
+          <p:cNvPr id="19" name="Title 1"/>
           <p:cNvSpPr>
             <a:spLocks noGrp="1"/>
           </p:cNvSpPr>
@@ -4017,122 +7285,119 @@
             <p:ph type="title"/>
           </p:nvPr>
         </p:nvSpPr>
-        <p:spPr/>
-        <p:txBody>
-          <a:bodyPr>
-            <a:normAutofit/>
-          </a:bodyPr>
+        <p:spPr>
+          <a:xfrm>
+            <a:off x="2102107" y="98762"/>
+            <a:ext cx="7886700" cy="1325563"/>
+          </a:xfrm>
+        </p:spPr>
+        <p:txBody>
+          <a:bodyPr/>
           <a:lstStyle/>
           <a:p>
             <a:r>
               <a:rPr lang="en-US" b="1" dirty="0">
                 <a:solidFill>
-                  <a:srgbClr val="FF0000"/>
+                  <a:srgbClr val="7030A0"/>
                 </a:solidFill>
               </a:rPr>
-              <a:t>Activity #30:  Watch the post-treatment interview and answer the following questions</a:t>
-            </a:r>
-            <a:endParaRPr lang="en-US" dirty="0">
-              <a:solidFill>
-                <a:srgbClr val="FF0000"/>
-              </a:solidFill>
-            </a:endParaRPr>
-          </a:p>
-        </p:txBody>
-      </p:sp>
-      <p:sp>
-        <p:nvSpPr>
-          <p:cNvPr id="3" name="Content Placeholder 2">
-            <a:extLst>
-              <a:ext uri="{FF2B5EF4-FFF2-40B4-BE49-F238E27FC236}">
-                <a16:creationId xmlns:a16="http://schemas.microsoft.com/office/drawing/2014/main" id="{4BAD9688-E692-924D-B3A5-2474AD40BD2A}"/>
-              </a:ext>
-            </a:extLst>
-          </p:cNvPr>
-          <p:cNvSpPr>
-            <a:spLocks noGrp="1"/>
-          </p:cNvSpPr>
-          <p:nvPr>
-            <p:ph idx="1"/>
-          </p:nvPr>
-        </p:nvSpPr>
-        <p:spPr>
-          <a:xfrm>
-            <a:off x="1928950" y="1436915"/>
-            <a:ext cx="8281851" cy="5277395"/>
-          </a:xfrm>
-        </p:spPr>
-        <p:txBody>
-          <a:bodyPr>
-            <a:normAutofit lnSpcReduction="10000"/>
-          </a:bodyPr>
-          <a:lstStyle/>
-          <a:p>
-            <a:pPr marL="0" indent="0">
-              <a:buNone/>
-            </a:pPr>
-            <a:endParaRPr lang="en-US" dirty="0"/>
-          </a:p>
-          <a:p>
-            <a:r>
-              <a:rPr lang="en-US" sz="2400" dirty="0"/>
-              <a:t>What did the therapist do to make sure that Matthew’s parents understood what was written in the report?  Be detailed. </a:t>
-            </a:r>
-          </a:p>
-          <a:p>
-            <a:r>
-              <a:rPr lang="en-US" sz="2400" dirty="0"/>
-              <a:t>What do you think Matthew’s parents are most worried about?</a:t>
-            </a:r>
-          </a:p>
-          <a:p>
-            <a:r>
-              <a:rPr lang="en-US" sz="2400" dirty="0"/>
-              <a:t> What do you think has helped Matthew’s parents become so invested in his therapy process? </a:t>
-            </a:r>
-          </a:p>
-          <a:p>
-            <a:r>
-              <a:rPr lang="en-US" sz="2400" dirty="0"/>
-              <a:t>Do you believe the parents felt “heard” during this meeting?  What did the therapist do to help or hinder this? </a:t>
-            </a:r>
-          </a:p>
-          <a:p>
-            <a:r>
-              <a:rPr lang="en-US" sz="2400" dirty="0"/>
-              <a:t>Discuss how the therapist dealt with some of the difficult questions that were asked of her (e.g. about supplements, about when he will be “fixed”).  How would you handle these questions?</a:t>
-            </a:r>
-          </a:p>
-          <a:p>
-            <a:r>
-              <a:rPr lang="en-US" sz="2400" dirty="0"/>
-              <a:t> What did the therapist do to “empower” the family? </a:t>
-            </a:r>
-          </a:p>
-          <a:p>
-            <a:r>
-              <a:rPr lang="en-US" sz="2400" dirty="0"/>
-              <a:t>Why has the family felt frustrated about prior services?</a:t>
-            </a:r>
-          </a:p>
-          <a:p>
-            <a:pPr marL="0" indent="0">
-              <a:buNone/>
-            </a:pPr>
-            <a:endParaRPr lang="en-US" dirty="0"/>
+              <a:t>Direct Services</a:t>
+            </a:r>
           </a:p>
         </p:txBody>
       </p:sp>
     </p:spTree>
     <p:extLst>
       <p:ext uri="{BB962C8B-B14F-4D97-AF65-F5344CB8AC3E}">
-        <p14:creationId xmlns:p14="http://schemas.microsoft.com/office/powerpoint/2010/main" val="1513155811"/>
+        <p14:creationId xmlns:p14="http://schemas.microsoft.com/office/powerpoint/2010/main" val="1822456676"/>
       </p:ext>
     </p:extLst>
   </p:cSld>
   <p:clrMapOvr>
     <a:masterClrMapping/>
   </p:clrMapOvr>
+  <p:timing>
+    <p:tnLst>
+      <p:par>
+        <p:cTn id="1" dur="indefinite" restart="never" nodeType="tmRoot">
+          <p:childTnLst>
+            <p:seq concurrent="1" nextAc="seek">
+              <p:cTn id="2" dur="indefinite" nodeType="mainSeq">
+                <p:childTnLst>
+                  <p:par>
+                    <p:cTn id="3" fill="hold">
+                      <p:stCondLst>
+                        <p:cond delay="indefinite"/>
+                      </p:stCondLst>
+                      <p:childTnLst>
+                        <p:par>
+                          <p:cTn id="4" fill="hold">
+                            <p:stCondLst>
+                              <p:cond delay="0"/>
+                            </p:stCondLst>
+                            <p:childTnLst>
+                              <p:par>
+                                <p:cTn id="5" presetID="1" presetClass="entr" presetSubtype="0" fill="hold" grpId="0" nodeType="clickEffect">
+                                  <p:stCondLst>
+                                    <p:cond delay="0"/>
+                                  </p:stCondLst>
+                                  <p:childTnLst>
+                                    <p:set>
+                                      <p:cBhvr>
+                                        <p:cTn id="6" dur="1" fill="hold">
+                                          <p:stCondLst>
+                                            <p:cond delay="0"/>
+                                          </p:stCondLst>
+                                        </p:cTn>
+                                        <p:tgtEl>
+                                          <p:spTgt spid="18">
+                                            <p:txEl>
+                                              <p:pRg st="0" end="0"/>
+                                            </p:txEl>
+                                          </p:spTgt>
+                                        </p:tgtEl>
+                                        <p:attrNameLst>
+                                          <p:attrName>style.visibility</p:attrName>
+                                        </p:attrNameLst>
+                                      </p:cBhvr>
+                                      <p:to>
+                                        <p:strVal val="visible"/>
+                                      </p:to>
+                                    </p:set>
+                                  </p:childTnLst>
+                                </p:cTn>
+                              </p:par>
+                            </p:childTnLst>
+                          </p:cTn>
+                        </p:par>
+                      </p:childTnLst>
+                    </p:cTn>
+                  </p:par>
+                </p:childTnLst>
+              </p:cTn>
+              <p:prevCondLst>
+                <p:cond evt="onPrev" delay="0">
+                  <p:tgtEl>
+                    <p:sldTgt/>
+                  </p:tgtEl>
+                </p:cond>
+              </p:prevCondLst>
+              <p:nextCondLst>
+                <p:cond evt="onNext" delay="0">
+                  <p:tgtEl>
+                    <p:sldTgt/>
+                  </p:tgtEl>
+                </p:cond>
+              </p:nextCondLst>
+            </p:seq>
+          </p:childTnLst>
+        </p:cTn>
+      </p:par>
+    </p:tnLst>
+    <p:bldLst>
+      <p:bldP spid="18" grpId="0" build="p"/>
+    </p:bldLst>
+  </p:timing>
 </p:sld>
 </file>
 
@@ -4155,13 +7420,529 @@
       </p:grpSpPr>
       <p:sp>
         <p:nvSpPr>
-          <p:cNvPr id="2" name="Title 1">
-            <a:extLst>
-              <a:ext uri="{FF2B5EF4-FFF2-40B4-BE49-F238E27FC236}">
-                <a16:creationId xmlns:a16="http://schemas.microsoft.com/office/drawing/2014/main" id="{9B7F8540-FBCD-0946-AE5A-490A53C516CA}"/>
-              </a:ext>
-            </a:extLst>
-          </p:cNvPr>
+          <p:cNvPr id="5" name="Oval 4"/>
+          <p:cNvSpPr/>
+          <p:nvPr/>
+        </p:nvSpPr>
+        <p:spPr>
+          <a:xfrm>
+            <a:off x="3637408" y="2258799"/>
+            <a:ext cx="1221996" cy="1096082"/>
+          </a:xfrm>
+          <a:prstGeom prst="ellipse">
+            <a:avLst/>
+          </a:prstGeom>
+        </p:spPr>
+        <p:style>
+          <a:lnRef idx="1">
+            <a:schemeClr val="accent1"/>
+          </a:lnRef>
+          <a:fillRef idx="3">
+            <a:schemeClr val="accent1"/>
+          </a:fillRef>
+          <a:effectRef idx="2">
+            <a:schemeClr val="accent1"/>
+          </a:effectRef>
+          <a:fontRef idx="minor">
+            <a:schemeClr val="lt1"/>
+          </a:fontRef>
+        </p:style>
+        <p:txBody>
+          <a:bodyPr rtlCol="0" anchor="ctr"/>
+          <a:lstStyle/>
+          <a:p>
+            <a:pPr algn="ctr"/>
+            <a:endParaRPr lang="en-US" sz="1350"/>
+          </a:p>
+        </p:txBody>
+      </p:sp>
+      <p:sp>
+        <p:nvSpPr>
+          <p:cNvPr id="6" name="Oval 5"/>
+          <p:cNvSpPr/>
+          <p:nvPr/>
+        </p:nvSpPr>
+        <p:spPr>
+          <a:xfrm>
+            <a:off x="6961956" y="2258799"/>
+            <a:ext cx="1311848" cy="1096082"/>
+          </a:xfrm>
+          <a:prstGeom prst="ellipse">
+            <a:avLst/>
+          </a:prstGeom>
+        </p:spPr>
+        <p:style>
+          <a:lnRef idx="1">
+            <a:schemeClr val="accent1"/>
+          </a:lnRef>
+          <a:fillRef idx="3">
+            <a:schemeClr val="accent1"/>
+          </a:fillRef>
+          <a:effectRef idx="2">
+            <a:schemeClr val="accent1"/>
+          </a:effectRef>
+          <a:fontRef idx="minor">
+            <a:schemeClr val="lt1"/>
+          </a:fontRef>
+        </p:style>
+        <p:txBody>
+          <a:bodyPr rtlCol="0" anchor="ctr"/>
+          <a:lstStyle/>
+          <a:p>
+            <a:pPr algn="ctr"/>
+            <a:endParaRPr lang="en-US" sz="1350"/>
+          </a:p>
+        </p:txBody>
+      </p:sp>
+      <p:sp>
+        <p:nvSpPr>
+          <p:cNvPr id="7" name="Oval 6"/>
+          <p:cNvSpPr/>
+          <p:nvPr/>
+        </p:nvSpPr>
+        <p:spPr>
+          <a:xfrm>
+            <a:off x="5452432" y="4540806"/>
+            <a:ext cx="1186054" cy="1149988"/>
+          </a:xfrm>
+          <a:prstGeom prst="ellipse">
+            <a:avLst/>
+          </a:prstGeom>
+        </p:spPr>
+        <p:style>
+          <a:lnRef idx="1">
+            <a:schemeClr val="accent1"/>
+          </a:lnRef>
+          <a:fillRef idx="3">
+            <a:schemeClr val="accent1"/>
+          </a:fillRef>
+          <a:effectRef idx="2">
+            <a:schemeClr val="accent1"/>
+          </a:effectRef>
+          <a:fontRef idx="minor">
+            <a:schemeClr val="lt1"/>
+          </a:fontRef>
+        </p:style>
+        <p:txBody>
+          <a:bodyPr rtlCol="0" anchor="ctr"/>
+          <a:lstStyle/>
+          <a:p>
+            <a:pPr algn="ctr"/>
+            <a:endParaRPr lang="en-US" sz="1350"/>
+          </a:p>
+        </p:txBody>
+      </p:sp>
+      <p:cxnSp>
+        <p:nvCxnSpPr>
+          <p:cNvPr id="9" name="Straight Connector 8"/>
+          <p:cNvCxnSpPr>
+            <a:stCxn id="5" idx="6"/>
+            <a:endCxn id="6" idx="2"/>
+          </p:cNvCxnSpPr>
+          <p:nvPr/>
+        </p:nvCxnSpPr>
+        <p:spPr>
+          <a:xfrm>
+            <a:off x="4859406" y="2806840"/>
+            <a:ext cx="2102551" cy="1191"/>
+          </a:xfrm>
+          <a:prstGeom prst="line">
+            <a:avLst/>
+          </a:prstGeom>
+          <a:ln>
+            <a:tailEnd type="triangle" w="lg" len="lg"/>
+          </a:ln>
+        </p:spPr>
+        <p:style>
+          <a:lnRef idx="2">
+            <a:schemeClr val="accent1"/>
+          </a:lnRef>
+          <a:fillRef idx="0">
+            <a:schemeClr val="accent1"/>
+          </a:fillRef>
+          <a:effectRef idx="1">
+            <a:schemeClr val="accent1"/>
+          </a:effectRef>
+          <a:fontRef idx="minor">
+            <a:schemeClr val="tx1"/>
+          </a:fontRef>
+        </p:style>
+      </p:cxnSp>
+      <p:cxnSp>
+        <p:nvCxnSpPr>
+          <p:cNvPr id="11" name="Straight Connector 10"/>
+          <p:cNvCxnSpPr>
+            <a:endCxn id="7" idx="7"/>
+          </p:cNvCxnSpPr>
+          <p:nvPr/>
+        </p:nvCxnSpPr>
+        <p:spPr>
+          <a:xfrm flipH="1">
+            <a:off x="6464793" y="3308630"/>
+            <a:ext cx="841443" cy="1400588"/>
+          </a:xfrm>
+          <a:prstGeom prst="line">
+            <a:avLst/>
+          </a:prstGeom>
+          <a:ln>
+            <a:tailEnd type="triangle" w="lg" len="lg"/>
+          </a:ln>
+        </p:spPr>
+        <p:style>
+          <a:lnRef idx="2">
+            <a:schemeClr val="accent1"/>
+          </a:lnRef>
+          <a:fillRef idx="0">
+            <a:schemeClr val="accent1"/>
+          </a:fillRef>
+          <a:effectRef idx="1">
+            <a:schemeClr val="accent1"/>
+          </a:effectRef>
+          <a:fontRef idx="minor">
+            <a:schemeClr val="tx1"/>
+          </a:fontRef>
+        </p:style>
+      </p:cxnSp>
+      <p:sp>
+        <p:nvSpPr>
+          <p:cNvPr id="14" name="TextBox 13"/>
+          <p:cNvSpPr txBox="1"/>
+          <p:nvPr/>
+        </p:nvSpPr>
+        <p:spPr>
+          <a:xfrm>
+            <a:off x="3637408" y="2668340"/>
+            <a:ext cx="1221996" cy="553998"/>
+          </a:xfrm>
+          <a:prstGeom prst="rect">
+            <a:avLst/>
+          </a:prstGeom>
+          <a:noFill/>
+        </p:spPr>
+        <p:txBody>
+          <a:bodyPr wrap="square" rtlCol="0">
+            <a:spAutoFit/>
+          </a:bodyPr>
+          <a:lstStyle/>
+          <a:p>
+            <a:pPr algn="ctr"/>
+            <a:r>
+              <a:rPr lang="en-US" sz="1500" b="1" dirty="0"/>
+              <a:t>Consultant/</a:t>
+            </a:r>
+          </a:p>
+          <a:p>
+            <a:pPr algn="ctr"/>
+            <a:r>
+              <a:rPr lang="en-US" sz="1500" b="1" dirty="0"/>
+              <a:t>Coach</a:t>
+            </a:r>
+          </a:p>
+        </p:txBody>
+      </p:sp>
+      <p:sp>
+        <p:nvSpPr>
+          <p:cNvPr id="15" name="TextBox 14"/>
+          <p:cNvSpPr txBox="1"/>
+          <p:nvPr/>
+        </p:nvSpPr>
+        <p:spPr>
+          <a:xfrm>
+            <a:off x="6961956" y="2668340"/>
+            <a:ext cx="1311848" cy="553998"/>
+          </a:xfrm>
+          <a:prstGeom prst="rect">
+            <a:avLst/>
+          </a:prstGeom>
+          <a:noFill/>
+        </p:spPr>
+        <p:txBody>
+          <a:bodyPr wrap="square" rtlCol="0">
+            <a:spAutoFit/>
+          </a:bodyPr>
+          <a:lstStyle/>
+          <a:p>
+            <a:pPr algn="ctr"/>
+            <a:r>
+              <a:rPr lang="en-US" sz="1500" b="1"/>
+              <a:t>Consultee/</a:t>
+            </a:r>
+          </a:p>
+          <a:p>
+            <a:pPr algn="ctr"/>
+            <a:r>
+              <a:rPr lang="en-US" sz="1500" b="1" err="1"/>
+              <a:t>Coachee</a:t>
+            </a:r>
+            <a:endParaRPr lang="en-US" sz="1500" b="1"/>
+          </a:p>
+        </p:txBody>
+      </p:sp>
+      <p:sp>
+        <p:nvSpPr>
+          <p:cNvPr id="16" name="TextBox 15"/>
+          <p:cNvSpPr txBox="1"/>
+          <p:nvPr/>
+        </p:nvSpPr>
+        <p:spPr>
+          <a:xfrm>
+            <a:off x="5452432" y="4977300"/>
+            <a:ext cx="1186053" cy="300082"/>
+          </a:xfrm>
+          <a:prstGeom prst="rect">
+            <a:avLst/>
+          </a:prstGeom>
+          <a:noFill/>
+        </p:spPr>
+        <p:txBody>
+          <a:bodyPr wrap="square" rtlCol="0">
+            <a:spAutoFit/>
+          </a:bodyPr>
+          <a:lstStyle/>
+          <a:p>
+            <a:pPr algn="ctr"/>
+            <a:r>
+              <a:rPr lang="en-US" sz="1350" b="1"/>
+              <a:t>Client</a:t>
+            </a:r>
+          </a:p>
+        </p:txBody>
+      </p:sp>
+      <p:sp>
+        <p:nvSpPr>
+          <p:cNvPr id="17" name="TextBox 16"/>
+          <p:cNvSpPr txBox="1"/>
+          <p:nvPr/>
+        </p:nvSpPr>
+        <p:spPr>
+          <a:xfrm>
+            <a:off x="5146934" y="3624410"/>
+            <a:ext cx="1491553" cy="507831"/>
+          </a:xfrm>
+          <a:prstGeom prst="rect">
+            <a:avLst/>
+          </a:prstGeom>
+          <a:noFill/>
+        </p:spPr>
+        <p:txBody>
+          <a:bodyPr wrap="square" rtlCol="0">
+            <a:spAutoFit/>
+          </a:bodyPr>
+          <a:lstStyle/>
+          <a:p>
+            <a:pPr algn="ctr"/>
+            <a:r>
+              <a:rPr lang="en-US" sz="1350"/>
+              <a:t>Settings and Contexts</a:t>
+            </a:r>
+          </a:p>
+        </p:txBody>
+      </p:sp>
+      <p:sp>
+        <p:nvSpPr>
+          <p:cNvPr id="18" name="Content Placeholder 2"/>
+          <p:cNvSpPr txBox="1">
+            <a:spLocks/>
+          </p:cNvSpPr>
+          <p:nvPr/>
+        </p:nvSpPr>
+        <p:spPr>
+          <a:xfrm>
+            <a:off x="2102107" y="1029137"/>
+            <a:ext cx="7886700" cy="1186516"/>
+          </a:xfrm>
+          <a:prstGeom prst="rect">
+            <a:avLst/>
+          </a:prstGeom>
+        </p:spPr>
+        <p:txBody>
+          <a:bodyPr/>
+          <a:lstStyle>
+            <a:lvl1pPr marL="171450" indent="-171450" algn="l" defTabSz="685800" rtl="0" eaLnBrk="1" latinLnBrk="0" hangingPunct="1">
+              <a:lnSpc>
+                <a:spcPct val="90000"/>
+              </a:lnSpc>
+              <a:spcBef>
+                <a:spcPts val="750"/>
+              </a:spcBef>
+              <a:buFont typeface="Arial"/>
+              <a:buChar char="•"/>
+              <a:defRPr sz="2100" kern="1200">
+                <a:solidFill>
+                  <a:schemeClr val="tx1"/>
+                </a:solidFill>
+                <a:latin typeface="+mn-lt"/>
+                <a:ea typeface="+mn-ea"/>
+                <a:cs typeface="+mn-cs"/>
+              </a:defRPr>
+            </a:lvl1pPr>
+            <a:lvl2pPr marL="514350" indent="-171450" algn="l" defTabSz="685800" rtl="0" eaLnBrk="1" latinLnBrk="0" hangingPunct="1">
+              <a:lnSpc>
+                <a:spcPct val="90000"/>
+              </a:lnSpc>
+              <a:spcBef>
+                <a:spcPts val="375"/>
+              </a:spcBef>
+              <a:buFont typeface="Arial"/>
+              <a:buChar char="•"/>
+              <a:defRPr sz="1800" kern="1200">
+                <a:solidFill>
+                  <a:schemeClr val="tx1"/>
+                </a:solidFill>
+                <a:latin typeface="+mn-lt"/>
+                <a:ea typeface="+mn-ea"/>
+                <a:cs typeface="+mn-cs"/>
+              </a:defRPr>
+            </a:lvl2pPr>
+            <a:lvl3pPr marL="857250" indent="-171450" algn="l" defTabSz="685800" rtl="0" eaLnBrk="1" latinLnBrk="0" hangingPunct="1">
+              <a:lnSpc>
+                <a:spcPct val="90000"/>
+              </a:lnSpc>
+              <a:spcBef>
+                <a:spcPts val="375"/>
+              </a:spcBef>
+              <a:buFont typeface="Arial"/>
+              <a:buChar char="•"/>
+              <a:defRPr sz="1500" kern="1200">
+                <a:solidFill>
+                  <a:schemeClr val="tx1"/>
+                </a:solidFill>
+                <a:latin typeface="+mn-lt"/>
+                <a:ea typeface="+mn-ea"/>
+                <a:cs typeface="+mn-cs"/>
+              </a:defRPr>
+            </a:lvl3pPr>
+            <a:lvl4pPr marL="1200150" indent="-171450" algn="l" defTabSz="685800" rtl="0" eaLnBrk="1" latinLnBrk="0" hangingPunct="1">
+              <a:lnSpc>
+                <a:spcPct val="90000"/>
+              </a:lnSpc>
+              <a:spcBef>
+                <a:spcPts val="375"/>
+              </a:spcBef>
+              <a:buFont typeface="Arial"/>
+              <a:buChar char="•"/>
+              <a:defRPr sz="1350" kern="1200">
+                <a:solidFill>
+                  <a:schemeClr val="tx1"/>
+                </a:solidFill>
+                <a:latin typeface="+mn-lt"/>
+                <a:ea typeface="+mn-ea"/>
+                <a:cs typeface="+mn-cs"/>
+              </a:defRPr>
+            </a:lvl4pPr>
+            <a:lvl5pPr marL="1543050" indent="-171450" algn="l" defTabSz="685800" rtl="0" eaLnBrk="1" latinLnBrk="0" hangingPunct="1">
+              <a:lnSpc>
+                <a:spcPct val="90000"/>
+              </a:lnSpc>
+              <a:spcBef>
+                <a:spcPts val="375"/>
+              </a:spcBef>
+              <a:buFont typeface="Arial"/>
+              <a:buChar char="•"/>
+              <a:defRPr sz="1350" kern="1200">
+                <a:solidFill>
+                  <a:schemeClr val="tx1"/>
+                </a:solidFill>
+                <a:latin typeface="+mn-lt"/>
+                <a:ea typeface="+mn-ea"/>
+                <a:cs typeface="+mn-cs"/>
+              </a:defRPr>
+            </a:lvl5pPr>
+            <a:lvl6pPr marL="1885950" indent="-171450" algn="l" defTabSz="685800" rtl="0" eaLnBrk="1" latinLnBrk="0" hangingPunct="1">
+              <a:lnSpc>
+                <a:spcPct val="90000"/>
+              </a:lnSpc>
+              <a:spcBef>
+                <a:spcPts val="375"/>
+              </a:spcBef>
+              <a:buFont typeface="Arial"/>
+              <a:buChar char="•"/>
+              <a:defRPr sz="1350" kern="1200">
+                <a:solidFill>
+                  <a:schemeClr val="tx1"/>
+                </a:solidFill>
+                <a:latin typeface="+mn-lt"/>
+                <a:ea typeface="+mn-ea"/>
+                <a:cs typeface="+mn-cs"/>
+              </a:defRPr>
+            </a:lvl6pPr>
+            <a:lvl7pPr marL="2228850" indent="-171450" algn="l" defTabSz="685800" rtl="0" eaLnBrk="1" latinLnBrk="0" hangingPunct="1">
+              <a:lnSpc>
+                <a:spcPct val="90000"/>
+              </a:lnSpc>
+              <a:spcBef>
+                <a:spcPts val="375"/>
+              </a:spcBef>
+              <a:buFont typeface="Arial"/>
+              <a:buChar char="•"/>
+              <a:defRPr sz="1350" kern="1200">
+                <a:solidFill>
+                  <a:schemeClr val="tx1"/>
+                </a:solidFill>
+                <a:latin typeface="+mn-lt"/>
+                <a:ea typeface="+mn-ea"/>
+                <a:cs typeface="+mn-cs"/>
+              </a:defRPr>
+            </a:lvl7pPr>
+            <a:lvl8pPr marL="2571750" indent="-171450" algn="l" defTabSz="685800" rtl="0" eaLnBrk="1" latinLnBrk="0" hangingPunct="1">
+              <a:lnSpc>
+                <a:spcPct val="90000"/>
+              </a:lnSpc>
+              <a:spcBef>
+                <a:spcPts val="375"/>
+              </a:spcBef>
+              <a:buFont typeface="Arial"/>
+              <a:buChar char="•"/>
+              <a:defRPr sz="1350" kern="1200">
+                <a:solidFill>
+                  <a:schemeClr val="tx1"/>
+                </a:solidFill>
+                <a:latin typeface="+mn-lt"/>
+                <a:ea typeface="+mn-ea"/>
+                <a:cs typeface="+mn-cs"/>
+              </a:defRPr>
+            </a:lvl8pPr>
+            <a:lvl9pPr marL="2914650" indent="-171450" algn="l" defTabSz="685800" rtl="0" eaLnBrk="1" latinLnBrk="0" hangingPunct="1">
+              <a:lnSpc>
+                <a:spcPct val="90000"/>
+              </a:lnSpc>
+              <a:spcBef>
+                <a:spcPts val="375"/>
+              </a:spcBef>
+              <a:buFont typeface="Arial"/>
+              <a:buChar char="•"/>
+              <a:defRPr sz="1350" kern="1200">
+                <a:solidFill>
+                  <a:schemeClr val="tx1"/>
+                </a:solidFill>
+                <a:latin typeface="+mn-lt"/>
+                <a:ea typeface="+mn-ea"/>
+                <a:cs typeface="+mn-cs"/>
+              </a:defRPr>
+            </a:lvl9pPr>
+          </a:lstStyle>
+          <a:p>
+            <a:pPr marL="0" indent="0">
+              <a:buNone/>
+            </a:pPr>
+            <a:r>
+              <a:rPr lang="en-US"/>
+              <a:t>An indirect, triadic service delivery model in which the consultant and the consultee work together to address an area of concern or common goal for change. The consultee/ </a:t>
+            </a:r>
+            <a:r>
+              <a:rPr lang="en-US" err="1"/>
+              <a:t>coachee</a:t>
+            </a:r>
+            <a:r>
+              <a:rPr lang="en-US"/>
+              <a:t> is the main provider of service.</a:t>
+            </a:r>
+          </a:p>
+        </p:txBody>
+      </p:sp>
+      <p:sp>
+        <p:nvSpPr>
+          <p:cNvPr id="19" name="Title 1"/>
           <p:cNvSpPr>
             <a:spLocks noGrp="1"/>
           </p:cNvSpPr>
@@ -4171,44 +7952,2692 @@
         </p:nvSpPr>
         <p:spPr>
           <a:xfrm>
-            <a:off x="1811383" y="0"/>
-            <a:ext cx="7992836" cy="915034"/>
-          </a:xfrm>
-        </p:spPr>
-        <p:txBody>
-          <a:bodyPr>
-            <a:normAutofit/>
-          </a:bodyPr>
-          <a:lstStyle/>
-          <a:p>
-            <a:r>
-              <a:rPr lang="en-US" sz="2800" b="1" dirty="0">
+            <a:off x="2102107" y="98762"/>
+            <a:ext cx="7886700" cy="1325563"/>
+          </a:xfrm>
+        </p:spPr>
+        <p:txBody>
+          <a:bodyPr/>
+          <a:lstStyle/>
+          <a:p>
+            <a:r>
+              <a:rPr lang="en-US" b="1">
                 <a:solidFill>
-                  <a:srgbClr val="FF0000"/>
+                  <a:srgbClr val="7030A0"/>
                 </a:solidFill>
               </a:rPr>
-              <a:t>Activity #30: </a:t>
-            </a:r>
-            <a:r>
-              <a:rPr lang="en-US" sz="2800" dirty="0">
+              <a:t>Consultation/ Coaching</a:t>
+            </a:r>
+          </a:p>
+        </p:txBody>
+      </p:sp>
+    </p:spTree>
+    <p:extLst>
+      <p:ext uri="{BB962C8B-B14F-4D97-AF65-F5344CB8AC3E}">
+        <p14:creationId xmlns:p14="http://schemas.microsoft.com/office/powerpoint/2010/main" val="1970021784"/>
+      </p:ext>
+    </p:extLst>
+  </p:cSld>
+  <p:clrMapOvr>
+    <a:masterClrMapping/>
+  </p:clrMapOvr>
+  <p:timing>
+    <p:tnLst>
+      <p:par>
+        <p:cTn id="1" dur="indefinite" restart="never" nodeType="tmRoot">
+          <p:childTnLst>
+            <p:seq concurrent="1" nextAc="seek">
+              <p:cTn id="2" dur="indefinite" nodeType="mainSeq">
+                <p:childTnLst>
+                  <p:par>
+                    <p:cTn id="3" fill="hold">
+                      <p:stCondLst>
+                        <p:cond delay="indefinite"/>
+                      </p:stCondLst>
+                      <p:childTnLst>
+                        <p:par>
+                          <p:cTn id="4" fill="hold">
+                            <p:stCondLst>
+                              <p:cond delay="0"/>
+                            </p:stCondLst>
+                            <p:childTnLst>
+                              <p:par>
+                                <p:cTn id="5" presetID="1" presetClass="entr" presetSubtype="0" fill="hold" grpId="0" nodeType="clickEffect">
+                                  <p:stCondLst>
+                                    <p:cond delay="0"/>
+                                  </p:stCondLst>
+                                  <p:childTnLst>
+                                    <p:set>
+                                      <p:cBhvr>
+                                        <p:cTn id="6" dur="1" fill="hold">
+                                          <p:stCondLst>
+                                            <p:cond delay="0"/>
+                                          </p:stCondLst>
+                                        </p:cTn>
+                                        <p:tgtEl>
+                                          <p:spTgt spid="18">
+                                            <p:txEl>
+                                              <p:pRg st="0" end="0"/>
+                                            </p:txEl>
+                                          </p:spTgt>
+                                        </p:tgtEl>
+                                        <p:attrNameLst>
+                                          <p:attrName>style.visibility</p:attrName>
+                                        </p:attrNameLst>
+                                      </p:cBhvr>
+                                      <p:to>
+                                        <p:strVal val="visible"/>
+                                      </p:to>
+                                    </p:set>
+                                  </p:childTnLst>
+                                </p:cTn>
+                              </p:par>
+                            </p:childTnLst>
+                          </p:cTn>
+                        </p:par>
+                      </p:childTnLst>
+                    </p:cTn>
+                  </p:par>
+                </p:childTnLst>
+              </p:cTn>
+              <p:prevCondLst>
+                <p:cond evt="onPrev" delay="0">
+                  <p:tgtEl>
+                    <p:sldTgt/>
+                  </p:tgtEl>
+                </p:cond>
+              </p:prevCondLst>
+              <p:nextCondLst>
+                <p:cond evt="onNext" delay="0">
+                  <p:tgtEl>
+                    <p:sldTgt/>
+                  </p:tgtEl>
+                </p:cond>
+              </p:nextCondLst>
+            </p:seq>
+          </p:childTnLst>
+        </p:cTn>
+      </p:par>
+    </p:tnLst>
+    <p:bldLst>
+      <p:bldP spid="18" grpId="0" build="p"/>
+    </p:bldLst>
+  </p:timing>
+</p:sld>
+</file>
+
+<file path=ppt/slides/slide4.xml><?xml version="1.0" encoding="utf-8"?>
+<p:sld xmlns:a="http://schemas.openxmlformats.org/drawingml/2006/main" xmlns:r="http://schemas.openxmlformats.org/officeDocument/2006/relationships" xmlns:p="http://schemas.openxmlformats.org/presentationml/2006/main">
+  <p:cSld>
+    <p:spTree>
+      <p:nvGrpSpPr>
+        <p:cNvPr id="1" name=""/>
+        <p:cNvGrpSpPr/>
+        <p:nvPr/>
+      </p:nvGrpSpPr>
+      <p:grpSpPr>
+        <a:xfrm>
+          <a:off x="0" y="0"/>
+          <a:ext cx="0" cy="0"/>
+          <a:chOff x="0" y="0"/>
+          <a:chExt cx="0" cy="0"/>
+        </a:xfrm>
+      </p:grpSpPr>
+      <p:sp>
+        <p:nvSpPr>
+          <p:cNvPr id="5" name="Oval 4"/>
+          <p:cNvSpPr/>
+          <p:nvPr/>
+        </p:nvSpPr>
+        <p:spPr>
+          <a:xfrm>
+            <a:off x="3637408" y="2258799"/>
+            <a:ext cx="1221996" cy="1096082"/>
+          </a:xfrm>
+          <a:prstGeom prst="ellipse">
+            <a:avLst/>
+          </a:prstGeom>
+        </p:spPr>
+        <p:style>
+          <a:lnRef idx="1">
+            <a:schemeClr val="accent1"/>
+          </a:lnRef>
+          <a:fillRef idx="3">
+            <a:schemeClr val="accent1"/>
+          </a:fillRef>
+          <a:effectRef idx="2">
+            <a:schemeClr val="accent1"/>
+          </a:effectRef>
+          <a:fontRef idx="minor">
+            <a:schemeClr val="lt1"/>
+          </a:fontRef>
+        </p:style>
+        <p:txBody>
+          <a:bodyPr rtlCol="0" anchor="ctr"/>
+          <a:lstStyle/>
+          <a:p>
+            <a:pPr algn="ctr"/>
+            <a:endParaRPr lang="en-US" sz="1350"/>
+          </a:p>
+        </p:txBody>
+      </p:sp>
+      <p:sp>
+        <p:nvSpPr>
+          <p:cNvPr id="6" name="Oval 5"/>
+          <p:cNvSpPr/>
+          <p:nvPr/>
+        </p:nvSpPr>
+        <p:spPr>
+          <a:xfrm>
+            <a:off x="6961956" y="2258799"/>
+            <a:ext cx="1311848" cy="1096082"/>
+          </a:xfrm>
+          <a:prstGeom prst="ellipse">
+            <a:avLst/>
+          </a:prstGeom>
+        </p:spPr>
+        <p:style>
+          <a:lnRef idx="1">
+            <a:schemeClr val="accent1"/>
+          </a:lnRef>
+          <a:fillRef idx="3">
+            <a:schemeClr val="accent1"/>
+          </a:fillRef>
+          <a:effectRef idx="2">
+            <a:schemeClr val="accent1"/>
+          </a:effectRef>
+          <a:fontRef idx="minor">
+            <a:schemeClr val="lt1"/>
+          </a:fontRef>
+        </p:style>
+        <p:txBody>
+          <a:bodyPr rtlCol="0" anchor="ctr"/>
+          <a:lstStyle/>
+          <a:p>
+            <a:pPr algn="ctr"/>
+            <a:endParaRPr lang="en-US" sz="1350"/>
+          </a:p>
+        </p:txBody>
+      </p:sp>
+      <p:sp>
+        <p:nvSpPr>
+          <p:cNvPr id="7" name="Oval 6"/>
+          <p:cNvSpPr/>
+          <p:nvPr/>
+        </p:nvSpPr>
+        <p:spPr>
+          <a:xfrm>
+            <a:off x="5452432" y="4540806"/>
+            <a:ext cx="1186054" cy="1149988"/>
+          </a:xfrm>
+          <a:prstGeom prst="ellipse">
+            <a:avLst/>
+          </a:prstGeom>
+        </p:spPr>
+        <p:style>
+          <a:lnRef idx="1">
+            <a:schemeClr val="accent1"/>
+          </a:lnRef>
+          <a:fillRef idx="3">
+            <a:schemeClr val="accent1"/>
+          </a:fillRef>
+          <a:effectRef idx="2">
+            <a:schemeClr val="accent1"/>
+          </a:effectRef>
+          <a:fontRef idx="minor">
+            <a:schemeClr val="lt1"/>
+          </a:fontRef>
+        </p:style>
+        <p:txBody>
+          <a:bodyPr rtlCol="0" anchor="ctr"/>
+          <a:lstStyle/>
+          <a:p>
+            <a:pPr algn="ctr"/>
+            <a:endParaRPr lang="en-US" sz="1350"/>
+          </a:p>
+        </p:txBody>
+      </p:sp>
+      <p:cxnSp>
+        <p:nvCxnSpPr>
+          <p:cNvPr id="9" name="Straight Connector 8"/>
+          <p:cNvCxnSpPr>
+            <a:stCxn id="5" idx="6"/>
+            <a:endCxn id="6" idx="2"/>
+          </p:cNvCxnSpPr>
+          <p:nvPr/>
+        </p:nvCxnSpPr>
+        <p:spPr>
+          <a:xfrm>
+            <a:off x="4859406" y="2806840"/>
+            <a:ext cx="2102551" cy="1191"/>
+          </a:xfrm>
+          <a:prstGeom prst="line">
+            <a:avLst/>
+          </a:prstGeom>
+          <a:ln>
+            <a:tailEnd type="triangle" w="lg" len="lg"/>
+          </a:ln>
+        </p:spPr>
+        <p:style>
+          <a:lnRef idx="2">
+            <a:schemeClr val="accent1"/>
+          </a:lnRef>
+          <a:fillRef idx="0">
+            <a:schemeClr val="accent1"/>
+          </a:fillRef>
+          <a:effectRef idx="1">
+            <a:schemeClr val="accent1"/>
+          </a:effectRef>
+          <a:fontRef idx="minor">
+            <a:schemeClr val="tx1"/>
+          </a:fontRef>
+        </p:style>
+      </p:cxnSp>
+      <p:cxnSp>
+        <p:nvCxnSpPr>
+          <p:cNvPr id="11" name="Straight Connector 10"/>
+          <p:cNvCxnSpPr>
+            <a:endCxn id="7" idx="7"/>
+          </p:cNvCxnSpPr>
+          <p:nvPr/>
+        </p:nvCxnSpPr>
+        <p:spPr>
+          <a:xfrm flipH="1">
+            <a:off x="6464793" y="3308630"/>
+            <a:ext cx="841443" cy="1400588"/>
+          </a:xfrm>
+          <a:prstGeom prst="line">
+            <a:avLst/>
+          </a:prstGeom>
+          <a:ln>
+            <a:tailEnd type="triangle" w="lg" len="lg"/>
+          </a:ln>
+        </p:spPr>
+        <p:style>
+          <a:lnRef idx="2">
+            <a:schemeClr val="accent1"/>
+          </a:lnRef>
+          <a:fillRef idx="0">
+            <a:schemeClr val="accent1"/>
+          </a:fillRef>
+          <a:effectRef idx="1">
+            <a:schemeClr val="accent1"/>
+          </a:effectRef>
+          <a:fontRef idx="minor">
+            <a:schemeClr val="tx1"/>
+          </a:fontRef>
+        </p:style>
+      </p:cxnSp>
+      <p:sp>
+        <p:nvSpPr>
+          <p:cNvPr id="14" name="TextBox 13"/>
+          <p:cNvSpPr txBox="1"/>
+          <p:nvPr/>
+        </p:nvSpPr>
+        <p:spPr>
+          <a:xfrm>
+            <a:off x="3637408" y="2668341"/>
+            <a:ext cx="1221996" cy="323165"/>
+          </a:xfrm>
+          <a:prstGeom prst="rect">
+            <a:avLst/>
+          </a:prstGeom>
+          <a:noFill/>
+        </p:spPr>
+        <p:txBody>
+          <a:bodyPr wrap="square" rtlCol="0">
+            <a:spAutoFit/>
+          </a:bodyPr>
+          <a:lstStyle/>
+          <a:p>
+            <a:pPr algn="ctr"/>
+            <a:r>
+              <a:rPr lang="en-US" sz="1500" b="1"/>
+              <a:t>SLP</a:t>
+            </a:r>
+          </a:p>
+        </p:txBody>
+      </p:sp>
+      <p:sp>
+        <p:nvSpPr>
+          <p:cNvPr id="15" name="TextBox 14"/>
+          <p:cNvSpPr txBox="1"/>
+          <p:nvPr/>
+        </p:nvSpPr>
+        <p:spPr>
+          <a:xfrm>
+            <a:off x="6961956" y="2668341"/>
+            <a:ext cx="1311848" cy="323165"/>
+          </a:xfrm>
+          <a:prstGeom prst="rect">
+            <a:avLst/>
+          </a:prstGeom>
+          <a:noFill/>
+        </p:spPr>
+        <p:txBody>
+          <a:bodyPr wrap="square" rtlCol="0">
+            <a:spAutoFit/>
+          </a:bodyPr>
+          <a:lstStyle/>
+          <a:p>
+            <a:pPr algn="ctr"/>
+            <a:r>
+              <a:rPr lang="en-US" sz="1500" b="1" dirty="0"/>
+              <a:t>Caregivers</a:t>
+            </a:r>
+          </a:p>
+        </p:txBody>
+      </p:sp>
+      <p:sp>
+        <p:nvSpPr>
+          <p:cNvPr id="16" name="TextBox 15"/>
+          <p:cNvSpPr txBox="1"/>
+          <p:nvPr/>
+        </p:nvSpPr>
+        <p:spPr>
+          <a:xfrm>
+            <a:off x="5452432" y="4977300"/>
+            <a:ext cx="1186053" cy="300082"/>
+          </a:xfrm>
+          <a:prstGeom prst="rect">
+            <a:avLst/>
+          </a:prstGeom>
+          <a:noFill/>
+        </p:spPr>
+        <p:txBody>
+          <a:bodyPr wrap="square" rtlCol="0">
+            <a:spAutoFit/>
+          </a:bodyPr>
+          <a:lstStyle/>
+          <a:p>
+            <a:pPr algn="ctr"/>
+            <a:r>
+              <a:rPr lang="en-US" sz="1350" b="1" dirty="0"/>
+              <a:t>Client</a:t>
+            </a:r>
+          </a:p>
+        </p:txBody>
+      </p:sp>
+      <p:sp>
+        <p:nvSpPr>
+          <p:cNvPr id="17" name="TextBox 16"/>
+          <p:cNvSpPr txBox="1"/>
+          <p:nvPr/>
+        </p:nvSpPr>
+        <p:spPr>
+          <a:xfrm>
+            <a:off x="5146934" y="3624410"/>
+            <a:ext cx="1491553" cy="507831"/>
+          </a:xfrm>
+          <a:prstGeom prst="rect">
+            <a:avLst/>
+          </a:prstGeom>
+          <a:noFill/>
+        </p:spPr>
+        <p:txBody>
+          <a:bodyPr wrap="square" rtlCol="0">
+            <a:spAutoFit/>
+          </a:bodyPr>
+          <a:lstStyle/>
+          <a:p>
+            <a:pPr algn="ctr"/>
+            <a:r>
+              <a:rPr lang="en-US" sz="1350"/>
+              <a:t>Settings and Contexts</a:t>
+            </a:r>
+          </a:p>
+        </p:txBody>
+      </p:sp>
+      <p:sp>
+        <p:nvSpPr>
+          <p:cNvPr id="19" name="Title 1"/>
+          <p:cNvSpPr>
+            <a:spLocks noGrp="1"/>
+          </p:cNvSpPr>
+          <p:nvPr>
+            <p:ph type="title"/>
+          </p:nvPr>
+        </p:nvSpPr>
+        <p:spPr>
+          <a:xfrm>
+            <a:off x="2102107" y="98762"/>
+            <a:ext cx="7886700" cy="1325563"/>
+          </a:xfrm>
+        </p:spPr>
+        <p:txBody>
+          <a:bodyPr/>
+          <a:lstStyle/>
+          <a:p>
+            <a:r>
+              <a:rPr lang="en-US" b="1"/>
+              <a:t>Coaching Example</a:t>
+            </a:r>
+          </a:p>
+        </p:txBody>
+      </p:sp>
+    </p:spTree>
+    <p:extLst>
+      <p:ext uri="{BB962C8B-B14F-4D97-AF65-F5344CB8AC3E}">
+        <p14:creationId xmlns:p14="http://schemas.microsoft.com/office/powerpoint/2010/main" val="169158698"/>
+      </p:ext>
+    </p:extLst>
+  </p:cSld>
+  <p:clrMapOvr>
+    <a:masterClrMapping/>
+  </p:clrMapOvr>
+</p:sld>
+</file>
+
+<file path=ppt/slides/slide5.xml><?xml version="1.0" encoding="utf-8"?>
+<p:sld xmlns:a="http://schemas.openxmlformats.org/drawingml/2006/main" xmlns:r="http://schemas.openxmlformats.org/officeDocument/2006/relationships" xmlns:p="http://schemas.openxmlformats.org/presentationml/2006/main">
+  <p:cSld>
+    <p:spTree>
+      <p:nvGrpSpPr>
+        <p:cNvPr id="1" name=""/>
+        <p:cNvGrpSpPr/>
+        <p:nvPr/>
+      </p:nvGrpSpPr>
+      <p:grpSpPr>
+        <a:xfrm>
+          <a:off x="0" y="0"/>
+          <a:ext cx="0" cy="0"/>
+          <a:chOff x="0" y="0"/>
+          <a:chExt cx="0" cy="0"/>
+        </a:xfrm>
+      </p:grpSpPr>
+      <p:sp>
+        <p:nvSpPr>
+          <p:cNvPr id="5" name="Oval 4"/>
+          <p:cNvSpPr/>
+          <p:nvPr/>
+        </p:nvSpPr>
+        <p:spPr>
+          <a:xfrm>
+            <a:off x="3637408" y="2258799"/>
+            <a:ext cx="1221996" cy="1096082"/>
+          </a:xfrm>
+          <a:prstGeom prst="ellipse">
+            <a:avLst/>
+          </a:prstGeom>
+        </p:spPr>
+        <p:style>
+          <a:lnRef idx="1">
+            <a:schemeClr val="accent1"/>
+          </a:lnRef>
+          <a:fillRef idx="3">
+            <a:schemeClr val="accent1"/>
+          </a:fillRef>
+          <a:effectRef idx="2">
+            <a:schemeClr val="accent1"/>
+          </a:effectRef>
+          <a:fontRef idx="minor">
+            <a:schemeClr val="lt1"/>
+          </a:fontRef>
+        </p:style>
+        <p:txBody>
+          <a:bodyPr rtlCol="0" anchor="ctr"/>
+          <a:lstStyle/>
+          <a:p>
+            <a:pPr algn="ctr"/>
+            <a:endParaRPr lang="en-US" sz="1350"/>
+          </a:p>
+        </p:txBody>
+      </p:sp>
+      <p:sp>
+        <p:nvSpPr>
+          <p:cNvPr id="6" name="Oval 5"/>
+          <p:cNvSpPr/>
+          <p:nvPr/>
+        </p:nvSpPr>
+        <p:spPr>
+          <a:xfrm>
+            <a:off x="6961956" y="2258799"/>
+            <a:ext cx="1311848" cy="1096082"/>
+          </a:xfrm>
+          <a:prstGeom prst="ellipse">
+            <a:avLst/>
+          </a:prstGeom>
+        </p:spPr>
+        <p:style>
+          <a:lnRef idx="1">
+            <a:schemeClr val="accent1"/>
+          </a:lnRef>
+          <a:fillRef idx="3">
+            <a:schemeClr val="accent1"/>
+          </a:fillRef>
+          <a:effectRef idx="2">
+            <a:schemeClr val="accent1"/>
+          </a:effectRef>
+          <a:fontRef idx="minor">
+            <a:schemeClr val="lt1"/>
+          </a:fontRef>
+        </p:style>
+        <p:txBody>
+          <a:bodyPr rtlCol="0" anchor="ctr"/>
+          <a:lstStyle/>
+          <a:p>
+            <a:pPr algn="ctr"/>
+            <a:endParaRPr lang="en-US" sz="1350"/>
+          </a:p>
+        </p:txBody>
+      </p:sp>
+      <p:sp>
+        <p:nvSpPr>
+          <p:cNvPr id="7" name="Oval 6"/>
+          <p:cNvSpPr/>
+          <p:nvPr/>
+        </p:nvSpPr>
+        <p:spPr>
+          <a:xfrm>
+            <a:off x="5452432" y="4540806"/>
+            <a:ext cx="1186054" cy="1149988"/>
+          </a:xfrm>
+          <a:prstGeom prst="ellipse">
+            <a:avLst/>
+          </a:prstGeom>
+        </p:spPr>
+        <p:style>
+          <a:lnRef idx="1">
+            <a:schemeClr val="accent1"/>
+          </a:lnRef>
+          <a:fillRef idx="3">
+            <a:schemeClr val="accent1"/>
+          </a:fillRef>
+          <a:effectRef idx="2">
+            <a:schemeClr val="accent1"/>
+          </a:effectRef>
+          <a:fontRef idx="minor">
+            <a:schemeClr val="lt1"/>
+          </a:fontRef>
+        </p:style>
+        <p:txBody>
+          <a:bodyPr rtlCol="0" anchor="ctr"/>
+          <a:lstStyle/>
+          <a:p>
+            <a:pPr algn="ctr"/>
+            <a:endParaRPr lang="en-US" sz="1350"/>
+          </a:p>
+        </p:txBody>
+      </p:sp>
+      <p:cxnSp>
+        <p:nvCxnSpPr>
+          <p:cNvPr id="9" name="Straight Connector 8"/>
+          <p:cNvCxnSpPr>
+            <a:stCxn id="5" idx="6"/>
+            <a:endCxn id="6" idx="2"/>
+          </p:cNvCxnSpPr>
+          <p:nvPr/>
+        </p:nvCxnSpPr>
+        <p:spPr>
+          <a:xfrm>
+            <a:off x="4859406" y="2806840"/>
+            <a:ext cx="2102551" cy="1191"/>
+          </a:xfrm>
+          <a:prstGeom prst="line">
+            <a:avLst/>
+          </a:prstGeom>
+          <a:ln>
+            <a:tailEnd type="triangle" w="lg" len="lg"/>
+          </a:ln>
+        </p:spPr>
+        <p:style>
+          <a:lnRef idx="2">
+            <a:schemeClr val="accent1"/>
+          </a:lnRef>
+          <a:fillRef idx="0">
+            <a:schemeClr val="accent1"/>
+          </a:fillRef>
+          <a:effectRef idx="1">
+            <a:schemeClr val="accent1"/>
+          </a:effectRef>
+          <a:fontRef idx="minor">
+            <a:schemeClr val="tx1"/>
+          </a:fontRef>
+        </p:style>
+      </p:cxnSp>
+      <p:cxnSp>
+        <p:nvCxnSpPr>
+          <p:cNvPr id="11" name="Straight Connector 10"/>
+          <p:cNvCxnSpPr>
+            <a:endCxn id="7" idx="7"/>
+          </p:cNvCxnSpPr>
+          <p:nvPr/>
+        </p:nvCxnSpPr>
+        <p:spPr>
+          <a:xfrm flipH="1">
+            <a:off x="6464793" y="3308630"/>
+            <a:ext cx="841443" cy="1400588"/>
+          </a:xfrm>
+          <a:prstGeom prst="line">
+            <a:avLst/>
+          </a:prstGeom>
+          <a:ln>
+            <a:tailEnd type="triangle" w="lg" len="lg"/>
+          </a:ln>
+        </p:spPr>
+        <p:style>
+          <a:lnRef idx="2">
+            <a:schemeClr val="accent1"/>
+          </a:lnRef>
+          <a:fillRef idx="0">
+            <a:schemeClr val="accent1"/>
+          </a:fillRef>
+          <a:effectRef idx="1">
+            <a:schemeClr val="accent1"/>
+          </a:effectRef>
+          <a:fontRef idx="minor">
+            <a:schemeClr val="tx1"/>
+          </a:fontRef>
+        </p:style>
+      </p:cxnSp>
+      <p:sp>
+        <p:nvSpPr>
+          <p:cNvPr id="14" name="TextBox 13"/>
+          <p:cNvSpPr txBox="1"/>
+          <p:nvPr/>
+        </p:nvSpPr>
+        <p:spPr>
+          <a:xfrm>
+            <a:off x="3637408" y="2668341"/>
+            <a:ext cx="1221996" cy="323165"/>
+          </a:xfrm>
+          <a:prstGeom prst="rect">
+            <a:avLst/>
+          </a:prstGeom>
+          <a:noFill/>
+        </p:spPr>
+        <p:txBody>
+          <a:bodyPr wrap="square" rtlCol="0">
+            <a:spAutoFit/>
+          </a:bodyPr>
+          <a:lstStyle/>
+          <a:p>
+            <a:pPr algn="ctr"/>
+            <a:r>
+              <a:rPr lang="en-US" sz="1500" b="1"/>
+              <a:t>SLP</a:t>
+            </a:r>
+          </a:p>
+        </p:txBody>
+      </p:sp>
+      <p:sp>
+        <p:nvSpPr>
+          <p:cNvPr id="15" name="TextBox 14"/>
+          <p:cNvSpPr txBox="1"/>
+          <p:nvPr/>
+        </p:nvSpPr>
+        <p:spPr>
+          <a:xfrm>
+            <a:off x="6961956" y="2668340"/>
+            <a:ext cx="1311848" cy="553998"/>
+          </a:xfrm>
+          <a:prstGeom prst="rect">
+            <a:avLst/>
+          </a:prstGeom>
+          <a:noFill/>
+        </p:spPr>
+        <p:txBody>
+          <a:bodyPr wrap="square" rtlCol="0">
+            <a:spAutoFit/>
+          </a:bodyPr>
+          <a:lstStyle/>
+          <a:p>
+            <a:pPr algn="ctr"/>
+            <a:r>
+              <a:rPr lang="en-US" sz="1500" b="1"/>
+              <a:t>Preschool Teacher</a:t>
+            </a:r>
+          </a:p>
+        </p:txBody>
+      </p:sp>
+      <p:sp>
+        <p:nvSpPr>
+          <p:cNvPr id="16" name="TextBox 15"/>
+          <p:cNvSpPr txBox="1"/>
+          <p:nvPr/>
+        </p:nvSpPr>
+        <p:spPr>
+          <a:xfrm>
+            <a:off x="5452432" y="4977300"/>
+            <a:ext cx="1186053" cy="300082"/>
+          </a:xfrm>
+          <a:prstGeom prst="rect">
+            <a:avLst/>
+          </a:prstGeom>
+          <a:noFill/>
+        </p:spPr>
+        <p:txBody>
+          <a:bodyPr wrap="square" rtlCol="0">
+            <a:spAutoFit/>
+          </a:bodyPr>
+          <a:lstStyle/>
+          <a:p>
+            <a:pPr algn="ctr"/>
+            <a:r>
+              <a:rPr lang="en-US" sz="1350" b="1"/>
+              <a:t>Child</a:t>
+            </a:r>
+          </a:p>
+        </p:txBody>
+      </p:sp>
+      <p:sp>
+        <p:nvSpPr>
+          <p:cNvPr id="17" name="TextBox 16"/>
+          <p:cNvSpPr txBox="1"/>
+          <p:nvPr/>
+        </p:nvSpPr>
+        <p:spPr>
+          <a:xfrm>
+            <a:off x="5146934" y="3624410"/>
+            <a:ext cx="1491553" cy="507831"/>
+          </a:xfrm>
+          <a:prstGeom prst="rect">
+            <a:avLst/>
+          </a:prstGeom>
+          <a:noFill/>
+        </p:spPr>
+        <p:txBody>
+          <a:bodyPr wrap="square" rtlCol="0">
+            <a:spAutoFit/>
+          </a:bodyPr>
+          <a:lstStyle/>
+          <a:p>
+            <a:pPr algn="ctr"/>
+            <a:r>
+              <a:rPr lang="en-US" sz="1350"/>
+              <a:t>Settings and Contexts</a:t>
+            </a:r>
+          </a:p>
+        </p:txBody>
+      </p:sp>
+      <p:sp>
+        <p:nvSpPr>
+          <p:cNvPr id="19" name="Title 1"/>
+          <p:cNvSpPr>
+            <a:spLocks noGrp="1"/>
+          </p:cNvSpPr>
+          <p:nvPr>
+            <p:ph type="title"/>
+          </p:nvPr>
+        </p:nvSpPr>
+        <p:spPr>
+          <a:xfrm>
+            <a:off x="2102107" y="98762"/>
+            <a:ext cx="7886700" cy="1325563"/>
+          </a:xfrm>
+        </p:spPr>
+        <p:txBody>
+          <a:bodyPr/>
+          <a:lstStyle/>
+          <a:p>
+            <a:r>
+              <a:rPr lang="en-US" b="1"/>
+              <a:t>Consultant Example</a:t>
+            </a:r>
+          </a:p>
+        </p:txBody>
+      </p:sp>
+    </p:spTree>
+    <p:extLst>
+      <p:ext uri="{BB962C8B-B14F-4D97-AF65-F5344CB8AC3E}">
+        <p14:creationId xmlns:p14="http://schemas.microsoft.com/office/powerpoint/2010/main" val="130823633"/>
+      </p:ext>
+    </p:extLst>
+  </p:cSld>
+  <p:clrMapOvr>
+    <a:masterClrMapping/>
+  </p:clrMapOvr>
+</p:sld>
+</file>
+
+<file path=ppt/slides/slide6.xml><?xml version="1.0" encoding="utf-8"?>
+<p:sld xmlns:a="http://schemas.openxmlformats.org/drawingml/2006/main" xmlns:r="http://schemas.openxmlformats.org/officeDocument/2006/relationships" xmlns:p="http://schemas.openxmlformats.org/presentationml/2006/main">
+  <p:cSld>
+    <p:spTree>
+      <p:nvGrpSpPr>
+        <p:cNvPr id="1" name=""/>
+        <p:cNvGrpSpPr/>
+        <p:nvPr/>
+      </p:nvGrpSpPr>
+      <p:grpSpPr>
+        <a:xfrm>
+          <a:off x="0" y="0"/>
+          <a:ext cx="0" cy="0"/>
+          <a:chOff x="0" y="0"/>
+          <a:chExt cx="0" cy="0"/>
+        </a:xfrm>
+      </p:grpSpPr>
+      <p:sp>
+        <p:nvSpPr>
+          <p:cNvPr id="5" name="Oval 4"/>
+          <p:cNvSpPr/>
+          <p:nvPr/>
+        </p:nvSpPr>
+        <p:spPr>
+          <a:xfrm>
+            <a:off x="3637408" y="2258799"/>
+            <a:ext cx="1221996" cy="1096082"/>
+          </a:xfrm>
+          <a:prstGeom prst="ellipse">
+            <a:avLst/>
+          </a:prstGeom>
+        </p:spPr>
+        <p:style>
+          <a:lnRef idx="1">
+            <a:schemeClr val="accent1"/>
+          </a:lnRef>
+          <a:fillRef idx="3">
+            <a:schemeClr val="accent1"/>
+          </a:fillRef>
+          <a:effectRef idx="2">
+            <a:schemeClr val="accent1"/>
+          </a:effectRef>
+          <a:fontRef idx="minor">
+            <a:schemeClr val="lt1"/>
+          </a:fontRef>
+        </p:style>
+        <p:txBody>
+          <a:bodyPr rtlCol="0" anchor="ctr"/>
+          <a:lstStyle/>
+          <a:p>
+            <a:pPr algn="ctr"/>
+            <a:endParaRPr lang="en-US" sz="1350"/>
+          </a:p>
+        </p:txBody>
+      </p:sp>
+      <p:sp>
+        <p:nvSpPr>
+          <p:cNvPr id="6" name="Oval 5"/>
+          <p:cNvSpPr/>
+          <p:nvPr/>
+        </p:nvSpPr>
+        <p:spPr>
+          <a:xfrm>
+            <a:off x="6961956" y="2258799"/>
+            <a:ext cx="1311848" cy="1096082"/>
+          </a:xfrm>
+          <a:prstGeom prst="ellipse">
+            <a:avLst/>
+          </a:prstGeom>
+        </p:spPr>
+        <p:style>
+          <a:lnRef idx="1">
+            <a:schemeClr val="accent1"/>
+          </a:lnRef>
+          <a:fillRef idx="3">
+            <a:schemeClr val="accent1"/>
+          </a:fillRef>
+          <a:effectRef idx="2">
+            <a:schemeClr val="accent1"/>
+          </a:effectRef>
+          <a:fontRef idx="minor">
+            <a:schemeClr val="lt1"/>
+          </a:fontRef>
+        </p:style>
+        <p:txBody>
+          <a:bodyPr rtlCol="0" anchor="ctr"/>
+          <a:lstStyle/>
+          <a:p>
+            <a:pPr algn="ctr"/>
+            <a:endParaRPr lang="en-US" sz="1350"/>
+          </a:p>
+        </p:txBody>
+      </p:sp>
+      <p:sp>
+        <p:nvSpPr>
+          <p:cNvPr id="7" name="Oval 6"/>
+          <p:cNvSpPr/>
+          <p:nvPr/>
+        </p:nvSpPr>
+        <p:spPr>
+          <a:xfrm>
+            <a:off x="5452432" y="4540806"/>
+            <a:ext cx="1186054" cy="1149988"/>
+          </a:xfrm>
+          <a:prstGeom prst="ellipse">
+            <a:avLst/>
+          </a:prstGeom>
+        </p:spPr>
+        <p:style>
+          <a:lnRef idx="1">
+            <a:schemeClr val="accent1"/>
+          </a:lnRef>
+          <a:fillRef idx="3">
+            <a:schemeClr val="accent1"/>
+          </a:fillRef>
+          <a:effectRef idx="2">
+            <a:schemeClr val="accent1"/>
+          </a:effectRef>
+          <a:fontRef idx="minor">
+            <a:schemeClr val="lt1"/>
+          </a:fontRef>
+        </p:style>
+        <p:txBody>
+          <a:bodyPr rtlCol="0" anchor="ctr"/>
+          <a:lstStyle/>
+          <a:p>
+            <a:pPr algn="ctr"/>
+            <a:endParaRPr lang="en-US" sz="1350"/>
+          </a:p>
+        </p:txBody>
+      </p:sp>
+      <p:cxnSp>
+        <p:nvCxnSpPr>
+          <p:cNvPr id="9" name="Straight Connector 8"/>
+          <p:cNvCxnSpPr>
+            <a:stCxn id="5" idx="6"/>
+            <a:endCxn id="6" idx="2"/>
+          </p:cNvCxnSpPr>
+          <p:nvPr/>
+        </p:nvCxnSpPr>
+        <p:spPr>
+          <a:xfrm>
+            <a:off x="4859406" y="2806840"/>
+            <a:ext cx="2102551" cy="1191"/>
+          </a:xfrm>
+          <a:prstGeom prst="line">
+            <a:avLst/>
+          </a:prstGeom>
+          <a:ln>
+            <a:headEnd type="triangle" w="lg" len="lg"/>
+            <a:tailEnd type="triangle" w="lg" len="lg"/>
+          </a:ln>
+        </p:spPr>
+        <p:style>
+          <a:lnRef idx="2">
+            <a:schemeClr val="accent1"/>
+          </a:lnRef>
+          <a:fillRef idx="0">
+            <a:schemeClr val="accent1"/>
+          </a:fillRef>
+          <a:effectRef idx="1">
+            <a:schemeClr val="accent1"/>
+          </a:effectRef>
+          <a:fontRef idx="minor">
+            <a:schemeClr val="tx1"/>
+          </a:fontRef>
+        </p:style>
+      </p:cxnSp>
+      <p:cxnSp>
+        <p:nvCxnSpPr>
+          <p:cNvPr id="11" name="Straight Connector 10"/>
+          <p:cNvCxnSpPr>
+            <a:stCxn id="6" idx="4"/>
+            <a:endCxn id="7" idx="6"/>
+          </p:cNvCxnSpPr>
+          <p:nvPr/>
+        </p:nvCxnSpPr>
+        <p:spPr>
+          <a:xfrm rot="5400000">
+            <a:off x="6247724" y="3745644"/>
+            <a:ext cx="1760919" cy="979394"/>
+          </a:xfrm>
+          <a:prstGeom prst="line">
+            <a:avLst/>
+          </a:prstGeom>
+          <a:ln>
+            <a:tailEnd type="triangle" w="lg" len="lg"/>
+          </a:ln>
+        </p:spPr>
+        <p:style>
+          <a:lnRef idx="2">
+            <a:schemeClr val="accent1"/>
+          </a:lnRef>
+          <a:fillRef idx="0">
+            <a:schemeClr val="accent1"/>
+          </a:fillRef>
+          <a:effectRef idx="1">
+            <a:schemeClr val="accent1"/>
+          </a:effectRef>
+          <a:fontRef idx="minor">
+            <a:schemeClr val="tx1"/>
+          </a:fontRef>
+        </p:style>
+      </p:cxnSp>
+      <p:cxnSp>
+        <p:nvCxnSpPr>
+          <p:cNvPr id="13" name="Straight Connector 12"/>
+          <p:cNvCxnSpPr>
+            <a:stCxn id="5" idx="4"/>
+          </p:cNvCxnSpPr>
+          <p:nvPr/>
+        </p:nvCxnSpPr>
+        <p:spPr>
+          <a:xfrm rot="16200000" flipH="1">
+            <a:off x="3969960" y="3633329"/>
+            <a:ext cx="1760920" cy="1204025"/>
+          </a:xfrm>
+          <a:prstGeom prst="line">
+            <a:avLst/>
+          </a:prstGeom>
+          <a:ln>
+            <a:tailEnd type="triangle" w="lg" len="lg"/>
+          </a:ln>
+        </p:spPr>
+        <p:style>
+          <a:lnRef idx="2">
+            <a:schemeClr val="accent1"/>
+          </a:lnRef>
+          <a:fillRef idx="0">
+            <a:schemeClr val="accent1"/>
+          </a:fillRef>
+          <a:effectRef idx="1">
+            <a:schemeClr val="accent1"/>
+          </a:effectRef>
+          <a:fontRef idx="minor">
+            <a:schemeClr val="tx1"/>
+          </a:fontRef>
+        </p:style>
+      </p:cxnSp>
+      <p:sp>
+        <p:nvSpPr>
+          <p:cNvPr id="14" name="TextBox 13"/>
+          <p:cNvSpPr txBox="1"/>
+          <p:nvPr/>
+        </p:nvSpPr>
+        <p:spPr>
+          <a:xfrm>
+            <a:off x="3637408" y="2668341"/>
+            <a:ext cx="1221996" cy="323165"/>
+          </a:xfrm>
+          <a:prstGeom prst="rect">
+            <a:avLst/>
+          </a:prstGeom>
+          <a:noFill/>
+        </p:spPr>
+        <p:txBody>
+          <a:bodyPr wrap="square" rtlCol="0">
+            <a:spAutoFit/>
+          </a:bodyPr>
+          <a:lstStyle/>
+          <a:p>
+            <a:pPr algn="ctr"/>
+            <a:r>
+              <a:rPr lang="en-US" sz="1500" b="1"/>
+              <a:t>Collaborator</a:t>
+            </a:r>
+          </a:p>
+        </p:txBody>
+      </p:sp>
+      <p:sp>
+        <p:nvSpPr>
+          <p:cNvPr id="15" name="TextBox 14"/>
+          <p:cNvSpPr txBox="1"/>
+          <p:nvPr/>
+        </p:nvSpPr>
+        <p:spPr>
+          <a:xfrm>
+            <a:off x="6961956" y="2668341"/>
+            <a:ext cx="1311848" cy="323165"/>
+          </a:xfrm>
+          <a:prstGeom prst="rect">
+            <a:avLst/>
+          </a:prstGeom>
+          <a:noFill/>
+        </p:spPr>
+        <p:txBody>
+          <a:bodyPr wrap="square" rtlCol="0">
+            <a:spAutoFit/>
+          </a:bodyPr>
+          <a:lstStyle/>
+          <a:p>
+            <a:pPr algn="ctr"/>
+            <a:r>
+              <a:rPr lang="en-US" sz="1500" b="1"/>
+              <a:t>Collaborator</a:t>
+            </a:r>
+          </a:p>
+        </p:txBody>
+      </p:sp>
+      <p:sp>
+        <p:nvSpPr>
+          <p:cNvPr id="16" name="TextBox 15"/>
+          <p:cNvSpPr txBox="1"/>
+          <p:nvPr/>
+        </p:nvSpPr>
+        <p:spPr>
+          <a:xfrm>
+            <a:off x="5452432" y="4977300"/>
+            <a:ext cx="1186053" cy="300082"/>
+          </a:xfrm>
+          <a:prstGeom prst="rect">
+            <a:avLst/>
+          </a:prstGeom>
+          <a:noFill/>
+        </p:spPr>
+        <p:txBody>
+          <a:bodyPr wrap="square" rtlCol="0">
+            <a:spAutoFit/>
+          </a:bodyPr>
+          <a:lstStyle/>
+          <a:p>
+            <a:pPr algn="ctr"/>
+            <a:r>
+              <a:rPr lang="en-US" sz="1350" b="1"/>
+              <a:t>Client</a:t>
+            </a:r>
+          </a:p>
+        </p:txBody>
+      </p:sp>
+      <p:sp>
+        <p:nvSpPr>
+          <p:cNvPr id="17" name="TextBox 16"/>
+          <p:cNvSpPr txBox="1"/>
+          <p:nvPr/>
+        </p:nvSpPr>
+        <p:spPr>
+          <a:xfrm>
+            <a:off x="5146934" y="3624410"/>
+            <a:ext cx="1491553" cy="507831"/>
+          </a:xfrm>
+          <a:prstGeom prst="rect">
+            <a:avLst/>
+          </a:prstGeom>
+          <a:noFill/>
+        </p:spPr>
+        <p:txBody>
+          <a:bodyPr wrap="square" rtlCol="0">
+            <a:spAutoFit/>
+          </a:bodyPr>
+          <a:lstStyle/>
+          <a:p>
+            <a:pPr algn="ctr"/>
+            <a:r>
+              <a:rPr lang="en-US" sz="1350"/>
+              <a:t>Settings and Contexts</a:t>
+            </a:r>
+          </a:p>
+        </p:txBody>
+      </p:sp>
+      <p:sp>
+        <p:nvSpPr>
+          <p:cNvPr id="18" name="Content Placeholder 2"/>
+          <p:cNvSpPr txBox="1">
+            <a:spLocks/>
+          </p:cNvSpPr>
+          <p:nvPr/>
+        </p:nvSpPr>
+        <p:spPr>
+          <a:xfrm>
+            <a:off x="2102107" y="1277054"/>
+            <a:ext cx="7886700" cy="1186516"/>
+          </a:xfrm>
+          <a:prstGeom prst="rect">
+            <a:avLst/>
+          </a:prstGeom>
+        </p:spPr>
+        <p:txBody>
+          <a:bodyPr/>
+          <a:lstStyle>
+            <a:lvl1pPr marL="171450" indent="-171450" algn="l" defTabSz="685800" rtl="0" eaLnBrk="1" latinLnBrk="0" hangingPunct="1">
+              <a:lnSpc>
+                <a:spcPct val="90000"/>
+              </a:lnSpc>
+              <a:spcBef>
+                <a:spcPts val="750"/>
+              </a:spcBef>
+              <a:buFont typeface="Arial"/>
+              <a:buChar char="•"/>
+              <a:defRPr sz="2100" kern="1200">
                 <a:solidFill>
-                  <a:srgbClr val="FF0000"/>
+                  <a:schemeClr val="tx1"/>
+                </a:solidFill>
+                <a:latin typeface="+mn-lt"/>
+                <a:ea typeface="+mn-ea"/>
+                <a:cs typeface="+mn-cs"/>
+              </a:defRPr>
+            </a:lvl1pPr>
+            <a:lvl2pPr marL="514350" indent="-171450" algn="l" defTabSz="685800" rtl="0" eaLnBrk="1" latinLnBrk="0" hangingPunct="1">
+              <a:lnSpc>
+                <a:spcPct val="90000"/>
+              </a:lnSpc>
+              <a:spcBef>
+                <a:spcPts val="375"/>
+              </a:spcBef>
+              <a:buFont typeface="Arial"/>
+              <a:buChar char="•"/>
+              <a:defRPr sz="1800" kern="1200">
+                <a:solidFill>
+                  <a:schemeClr val="tx1"/>
+                </a:solidFill>
+                <a:latin typeface="+mn-lt"/>
+                <a:ea typeface="+mn-ea"/>
+                <a:cs typeface="+mn-cs"/>
+              </a:defRPr>
+            </a:lvl2pPr>
+            <a:lvl3pPr marL="857250" indent="-171450" algn="l" defTabSz="685800" rtl="0" eaLnBrk="1" latinLnBrk="0" hangingPunct="1">
+              <a:lnSpc>
+                <a:spcPct val="90000"/>
+              </a:lnSpc>
+              <a:spcBef>
+                <a:spcPts val="375"/>
+              </a:spcBef>
+              <a:buFont typeface="Arial"/>
+              <a:buChar char="•"/>
+              <a:defRPr sz="1500" kern="1200">
+                <a:solidFill>
+                  <a:schemeClr val="tx1"/>
+                </a:solidFill>
+                <a:latin typeface="+mn-lt"/>
+                <a:ea typeface="+mn-ea"/>
+                <a:cs typeface="+mn-cs"/>
+              </a:defRPr>
+            </a:lvl3pPr>
+            <a:lvl4pPr marL="1200150" indent="-171450" algn="l" defTabSz="685800" rtl="0" eaLnBrk="1" latinLnBrk="0" hangingPunct="1">
+              <a:lnSpc>
+                <a:spcPct val="90000"/>
+              </a:lnSpc>
+              <a:spcBef>
+                <a:spcPts val="375"/>
+              </a:spcBef>
+              <a:buFont typeface="Arial"/>
+              <a:buChar char="•"/>
+              <a:defRPr sz="1350" kern="1200">
+                <a:solidFill>
+                  <a:schemeClr val="tx1"/>
+                </a:solidFill>
+                <a:latin typeface="+mn-lt"/>
+                <a:ea typeface="+mn-ea"/>
+                <a:cs typeface="+mn-cs"/>
+              </a:defRPr>
+            </a:lvl4pPr>
+            <a:lvl5pPr marL="1543050" indent="-171450" algn="l" defTabSz="685800" rtl="0" eaLnBrk="1" latinLnBrk="0" hangingPunct="1">
+              <a:lnSpc>
+                <a:spcPct val="90000"/>
+              </a:lnSpc>
+              <a:spcBef>
+                <a:spcPts val="375"/>
+              </a:spcBef>
+              <a:buFont typeface="Arial"/>
+              <a:buChar char="•"/>
+              <a:defRPr sz="1350" kern="1200">
+                <a:solidFill>
+                  <a:schemeClr val="tx1"/>
+                </a:solidFill>
+                <a:latin typeface="+mn-lt"/>
+                <a:ea typeface="+mn-ea"/>
+                <a:cs typeface="+mn-cs"/>
+              </a:defRPr>
+            </a:lvl5pPr>
+            <a:lvl6pPr marL="1885950" indent="-171450" algn="l" defTabSz="685800" rtl="0" eaLnBrk="1" latinLnBrk="0" hangingPunct="1">
+              <a:lnSpc>
+                <a:spcPct val="90000"/>
+              </a:lnSpc>
+              <a:spcBef>
+                <a:spcPts val="375"/>
+              </a:spcBef>
+              <a:buFont typeface="Arial"/>
+              <a:buChar char="•"/>
+              <a:defRPr sz="1350" kern="1200">
+                <a:solidFill>
+                  <a:schemeClr val="tx1"/>
+                </a:solidFill>
+                <a:latin typeface="+mn-lt"/>
+                <a:ea typeface="+mn-ea"/>
+                <a:cs typeface="+mn-cs"/>
+              </a:defRPr>
+            </a:lvl6pPr>
+            <a:lvl7pPr marL="2228850" indent="-171450" algn="l" defTabSz="685800" rtl="0" eaLnBrk="1" latinLnBrk="0" hangingPunct="1">
+              <a:lnSpc>
+                <a:spcPct val="90000"/>
+              </a:lnSpc>
+              <a:spcBef>
+                <a:spcPts val="375"/>
+              </a:spcBef>
+              <a:buFont typeface="Arial"/>
+              <a:buChar char="•"/>
+              <a:defRPr sz="1350" kern="1200">
+                <a:solidFill>
+                  <a:schemeClr val="tx1"/>
+                </a:solidFill>
+                <a:latin typeface="+mn-lt"/>
+                <a:ea typeface="+mn-ea"/>
+                <a:cs typeface="+mn-cs"/>
+              </a:defRPr>
+            </a:lvl7pPr>
+            <a:lvl8pPr marL="2571750" indent="-171450" algn="l" defTabSz="685800" rtl="0" eaLnBrk="1" latinLnBrk="0" hangingPunct="1">
+              <a:lnSpc>
+                <a:spcPct val="90000"/>
+              </a:lnSpc>
+              <a:spcBef>
+                <a:spcPts val="375"/>
+              </a:spcBef>
+              <a:buFont typeface="Arial"/>
+              <a:buChar char="•"/>
+              <a:defRPr sz="1350" kern="1200">
+                <a:solidFill>
+                  <a:schemeClr val="tx1"/>
+                </a:solidFill>
+                <a:latin typeface="+mn-lt"/>
+                <a:ea typeface="+mn-ea"/>
+                <a:cs typeface="+mn-cs"/>
+              </a:defRPr>
+            </a:lvl8pPr>
+            <a:lvl9pPr marL="2914650" indent="-171450" algn="l" defTabSz="685800" rtl="0" eaLnBrk="1" latinLnBrk="0" hangingPunct="1">
+              <a:lnSpc>
+                <a:spcPct val="90000"/>
+              </a:lnSpc>
+              <a:spcBef>
+                <a:spcPts val="375"/>
+              </a:spcBef>
+              <a:buFont typeface="Arial"/>
+              <a:buChar char="•"/>
+              <a:defRPr sz="1350" kern="1200">
+                <a:solidFill>
+                  <a:schemeClr val="tx1"/>
+                </a:solidFill>
+                <a:latin typeface="+mn-lt"/>
+                <a:ea typeface="+mn-ea"/>
+                <a:cs typeface="+mn-cs"/>
+              </a:defRPr>
+            </a:lvl9pPr>
+          </a:lstStyle>
+          <a:p>
+            <a:pPr marL="0" indent="0">
+              <a:buNone/>
+            </a:pPr>
+            <a:r>
+              <a:rPr lang="en-US"/>
+              <a:t>A direct service delivery model in which two or more service providers work collaboratively to address an area of concern or common goal for change.  Each remains a provider of service.</a:t>
+            </a:r>
+          </a:p>
+        </p:txBody>
+      </p:sp>
+      <p:sp>
+        <p:nvSpPr>
+          <p:cNvPr id="19" name="Title 1"/>
+          <p:cNvSpPr>
+            <a:spLocks noGrp="1"/>
+          </p:cNvSpPr>
+          <p:nvPr>
+            <p:ph type="title"/>
+          </p:nvPr>
+        </p:nvSpPr>
+        <p:spPr>
+          <a:xfrm>
+            <a:off x="2152650" y="365127"/>
+            <a:ext cx="7886700" cy="910112"/>
+          </a:xfrm>
+        </p:spPr>
+        <p:txBody>
+          <a:bodyPr/>
+          <a:lstStyle/>
+          <a:p>
+            <a:r>
+              <a:rPr lang="en-US" b="1" dirty="0">
+                <a:solidFill>
+                  <a:srgbClr val="7030A0"/>
                 </a:solidFill>
               </a:rPr>
-              <a:t>Post-Treatment Video</a:t>
-            </a:r>
-          </a:p>
-        </p:txBody>
-      </p:sp>
-      <p:sp>
-        <p:nvSpPr>
-          <p:cNvPr id="5" name="Content Placeholder 4">
+              <a:t>Collaboration:  Interdisciplinary</a:t>
+            </a:r>
+          </a:p>
+        </p:txBody>
+      </p:sp>
+    </p:spTree>
+    <p:extLst>
+      <p:ext uri="{BB962C8B-B14F-4D97-AF65-F5344CB8AC3E}">
+        <p14:creationId xmlns:p14="http://schemas.microsoft.com/office/powerpoint/2010/main" val="829940080"/>
+      </p:ext>
+    </p:extLst>
+  </p:cSld>
+  <p:clrMapOvr>
+    <a:masterClrMapping/>
+  </p:clrMapOvr>
+  <p:timing>
+    <p:tnLst>
+      <p:par>
+        <p:cTn id="1" dur="indefinite" restart="never" nodeType="tmRoot">
+          <p:childTnLst>
+            <p:seq concurrent="1" nextAc="seek">
+              <p:cTn id="2" dur="indefinite" nodeType="mainSeq">
+                <p:childTnLst>
+                  <p:par>
+                    <p:cTn id="3" fill="hold">
+                      <p:stCondLst>
+                        <p:cond delay="indefinite"/>
+                      </p:stCondLst>
+                      <p:childTnLst>
+                        <p:par>
+                          <p:cTn id="4" fill="hold">
+                            <p:stCondLst>
+                              <p:cond delay="0"/>
+                            </p:stCondLst>
+                            <p:childTnLst>
+                              <p:par>
+                                <p:cTn id="5" presetID="1" presetClass="entr" presetSubtype="0" fill="hold" grpId="0" nodeType="clickEffect">
+                                  <p:stCondLst>
+                                    <p:cond delay="0"/>
+                                  </p:stCondLst>
+                                  <p:childTnLst>
+                                    <p:set>
+                                      <p:cBhvr>
+                                        <p:cTn id="6" dur="1" fill="hold">
+                                          <p:stCondLst>
+                                            <p:cond delay="0"/>
+                                          </p:stCondLst>
+                                        </p:cTn>
+                                        <p:tgtEl>
+                                          <p:spTgt spid="18">
+                                            <p:txEl>
+                                              <p:pRg st="0" end="0"/>
+                                            </p:txEl>
+                                          </p:spTgt>
+                                        </p:tgtEl>
+                                        <p:attrNameLst>
+                                          <p:attrName>style.visibility</p:attrName>
+                                        </p:attrNameLst>
+                                      </p:cBhvr>
+                                      <p:to>
+                                        <p:strVal val="visible"/>
+                                      </p:to>
+                                    </p:set>
+                                  </p:childTnLst>
+                                </p:cTn>
+                              </p:par>
+                            </p:childTnLst>
+                          </p:cTn>
+                        </p:par>
+                      </p:childTnLst>
+                    </p:cTn>
+                  </p:par>
+                </p:childTnLst>
+              </p:cTn>
+              <p:prevCondLst>
+                <p:cond evt="onPrev" delay="0">
+                  <p:tgtEl>
+                    <p:sldTgt/>
+                  </p:tgtEl>
+                </p:cond>
+              </p:prevCondLst>
+              <p:nextCondLst>
+                <p:cond evt="onNext" delay="0">
+                  <p:tgtEl>
+                    <p:sldTgt/>
+                  </p:tgtEl>
+                </p:cond>
+              </p:nextCondLst>
+            </p:seq>
+          </p:childTnLst>
+        </p:cTn>
+      </p:par>
+    </p:tnLst>
+    <p:bldLst>
+      <p:bldP spid="18" grpId="0" build="p"/>
+    </p:bldLst>
+  </p:timing>
+</p:sld>
+</file>
+
+<file path=ppt/slides/slide7.xml><?xml version="1.0" encoding="utf-8"?>
+<p:sld xmlns:a="http://schemas.openxmlformats.org/drawingml/2006/main" xmlns:r="http://schemas.openxmlformats.org/officeDocument/2006/relationships" xmlns:p="http://schemas.openxmlformats.org/presentationml/2006/main">
+  <p:cSld>
+    <p:spTree>
+      <p:nvGrpSpPr>
+        <p:cNvPr id="1" name=""/>
+        <p:cNvGrpSpPr/>
+        <p:nvPr/>
+      </p:nvGrpSpPr>
+      <p:grpSpPr>
+        <a:xfrm>
+          <a:off x="0" y="0"/>
+          <a:ext cx="0" cy="0"/>
+          <a:chOff x="0" y="0"/>
+          <a:chExt cx="0" cy="0"/>
+        </a:xfrm>
+      </p:grpSpPr>
+      <p:sp>
+        <p:nvSpPr>
+          <p:cNvPr id="5" name="Oval 4"/>
+          <p:cNvSpPr/>
+          <p:nvPr/>
+        </p:nvSpPr>
+        <p:spPr>
+          <a:xfrm>
+            <a:off x="2370486" y="2258799"/>
+            <a:ext cx="1221996" cy="1096082"/>
+          </a:xfrm>
+          <a:prstGeom prst="ellipse">
+            <a:avLst/>
+          </a:prstGeom>
+        </p:spPr>
+        <p:style>
+          <a:lnRef idx="1">
+            <a:schemeClr val="accent1"/>
+          </a:lnRef>
+          <a:fillRef idx="3">
+            <a:schemeClr val="accent1"/>
+          </a:fillRef>
+          <a:effectRef idx="2">
+            <a:schemeClr val="accent1"/>
+          </a:effectRef>
+          <a:fontRef idx="minor">
+            <a:schemeClr val="lt1"/>
+          </a:fontRef>
+        </p:style>
+        <p:txBody>
+          <a:bodyPr rtlCol="0" anchor="ctr"/>
+          <a:lstStyle/>
+          <a:p>
+            <a:pPr algn="ctr"/>
+            <a:endParaRPr lang="en-US" sz="1350"/>
+          </a:p>
+        </p:txBody>
+      </p:sp>
+      <p:sp>
+        <p:nvSpPr>
+          <p:cNvPr id="6" name="Oval 5"/>
+          <p:cNvSpPr/>
+          <p:nvPr/>
+        </p:nvSpPr>
+        <p:spPr>
+          <a:xfrm>
+            <a:off x="5650108" y="2231308"/>
+            <a:ext cx="1311848" cy="1096082"/>
+          </a:xfrm>
+          <a:prstGeom prst="ellipse">
+            <a:avLst/>
+          </a:prstGeom>
+        </p:spPr>
+        <p:style>
+          <a:lnRef idx="1">
+            <a:schemeClr val="accent1"/>
+          </a:lnRef>
+          <a:fillRef idx="3">
+            <a:schemeClr val="accent1"/>
+          </a:fillRef>
+          <a:effectRef idx="2">
+            <a:schemeClr val="accent1"/>
+          </a:effectRef>
+          <a:fontRef idx="minor">
+            <a:schemeClr val="lt1"/>
+          </a:fontRef>
+        </p:style>
+        <p:txBody>
+          <a:bodyPr rtlCol="0" anchor="ctr"/>
+          <a:lstStyle/>
+          <a:p>
+            <a:pPr algn="ctr"/>
+            <a:endParaRPr lang="en-US" sz="1350"/>
+          </a:p>
+        </p:txBody>
+      </p:sp>
+      <p:sp>
+        <p:nvSpPr>
+          <p:cNvPr id="7" name="Oval 6"/>
+          <p:cNvSpPr/>
+          <p:nvPr/>
+        </p:nvSpPr>
+        <p:spPr>
+          <a:xfrm>
+            <a:off x="5713005" y="4552347"/>
+            <a:ext cx="1186054" cy="1149988"/>
+          </a:xfrm>
+          <a:prstGeom prst="ellipse">
+            <a:avLst/>
+          </a:prstGeom>
+        </p:spPr>
+        <p:style>
+          <a:lnRef idx="1">
+            <a:schemeClr val="accent1"/>
+          </a:lnRef>
+          <a:fillRef idx="3">
+            <a:schemeClr val="accent1"/>
+          </a:fillRef>
+          <a:effectRef idx="2">
+            <a:schemeClr val="accent1"/>
+          </a:effectRef>
+          <a:fontRef idx="minor">
+            <a:schemeClr val="lt1"/>
+          </a:fontRef>
+        </p:style>
+        <p:txBody>
+          <a:bodyPr rtlCol="0" anchor="ctr"/>
+          <a:lstStyle/>
+          <a:p>
+            <a:pPr algn="ctr"/>
+            <a:endParaRPr lang="en-US" sz="1350"/>
+          </a:p>
+        </p:txBody>
+      </p:sp>
+      <p:cxnSp>
+        <p:nvCxnSpPr>
+          <p:cNvPr id="9" name="Straight Connector 8"/>
+          <p:cNvCxnSpPr>
+            <a:stCxn id="5" idx="6"/>
+            <a:endCxn id="6" idx="2"/>
+          </p:cNvCxnSpPr>
+          <p:nvPr/>
+        </p:nvCxnSpPr>
+        <p:spPr>
+          <a:xfrm flipV="1">
+            <a:off x="3592482" y="2779350"/>
+            <a:ext cx="2057626" cy="27491"/>
+          </a:xfrm>
+          <a:prstGeom prst="line">
+            <a:avLst/>
+          </a:prstGeom>
+          <a:ln>
+            <a:headEnd type="triangle" w="lg" len="lg"/>
+            <a:tailEnd type="triangle" w="lg" len="lg"/>
+          </a:ln>
+        </p:spPr>
+        <p:style>
+          <a:lnRef idx="2">
+            <a:schemeClr val="accent1"/>
+          </a:lnRef>
+          <a:fillRef idx="0">
+            <a:schemeClr val="accent1"/>
+          </a:fillRef>
+          <a:effectRef idx="1">
+            <a:schemeClr val="accent1"/>
+          </a:effectRef>
+          <a:fontRef idx="minor">
+            <a:schemeClr val="tx1"/>
+          </a:fontRef>
+        </p:style>
+      </p:cxnSp>
+      <p:cxnSp>
+        <p:nvCxnSpPr>
+          <p:cNvPr id="11" name="Straight Connector 10"/>
+          <p:cNvCxnSpPr>
+            <a:stCxn id="6" idx="4"/>
+            <a:endCxn id="7" idx="0"/>
+          </p:cNvCxnSpPr>
+          <p:nvPr/>
+        </p:nvCxnSpPr>
+        <p:spPr>
+          <a:xfrm>
+            <a:off x="6306032" y="3327391"/>
+            <a:ext cx="0" cy="1224957"/>
+          </a:xfrm>
+          <a:prstGeom prst="line">
+            <a:avLst/>
+          </a:prstGeom>
+          <a:ln>
+            <a:tailEnd type="triangle" w="lg" len="lg"/>
+          </a:ln>
+        </p:spPr>
+        <p:style>
+          <a:lnRef idx="2">
+            <a:schemeClr val="accent1"/>
+          </a:lnRef>
+          <a:fillRef idx="0">
+            <a:schemeClr val="accent1"/>
+          </a:fillRef>
+          <a:effectRef idx="1">
+            <a:schemeClr val="accent1"/>
+          </a:effectRef>
+          <a:fontRef idx="minor">
+            <a:schemeClr val="tx1"/>
+          </a:fontRef>
+        </p:style>
+      </p:cxnSp>
+      <p:cxnSp>
+        <p:nvCxnSpPr>
+          <p:cNvPr id="13" name="Straight Connector 12"/>
+          <p:cNvCxnSpPr>
+            <a:stCxn id="5" idx="4"/>
+          </p:cNvCxnSpPr>
+          <p:nvPr/>
+        </p:nvCxnSpPr>
+        <p:spPr>
+          <a:xfrm>
+            <a:off x="2981484" y="3354881"/>
+            <a:ext cx="2722652" cy="1772460"/>
+          </a:xfrm>
+          <a:prstGeom prst="line">
+            <a:avLst/>
+          </a:prstGeom>
+          <a:ln>
+            <a:tailEnd type="triangle" w="lg" len="lg"/>
+          </a:ln>
+        </p:spPr>
+        <p:style>
+          <a:lnRef idx="2">
+            <a:schemeClr val="accent1"/>
+          </a:lnRef>
+          <a:fillRef idx="0">
+            <a:schemeClr val="accent1"/>
+          </a:fillRef>
+          <a:effectRef idx="1">
+            <a:schemeClr val="accent1"/>
+          </a:effectRef>
+          <a:fontRef idx="minor">
+            <a:schemeClr val="tx1"/>
+          </a:fontRef>
+        </p:style>
+      </p:cxnSp>
+      <p:sp>
+        <p:nvSpPr>
+          <p:cNvPr id="14" name="TextBox 13"/>
+          <p:cNvSpPr txBox="1"/>
+          <p:nvPr/>
+        </p:nvSpPr>
+        <p:spPr>
+          <a:xfrm>
+            <a:off x="2307141" y="2682242"/>
+            <a:ext cx="1221996" cy="323165"/>
+          </a:xfrm>
+          <a:prstGeom prst="rect">
+            <a:avLst/>
+          </a:prstGeom>
+          <a:noFill/>
+        </p:spPr>
+        <p:txBody>
+          <a:bodyPr wrap="square" rtlCol="0">
+            <a:spAutoFit/>
+          </a:bodyPr>
+          <a:lstStyle/>
+          <a:p>
+            <a:pPr algn="ctr"/>
+            <a:r>
+              <a:rPr lang="en-US" sz="1500" b="1"/>
+              <a:t>SLP</a:t>
+            </a:r>
+          </a:p>
+        </p:txBody>
+      </p:sp>
+      <p:sp>
+        <p:nvSpPr>
+          <p:cNvPr id="15" name="TextBox 14"/>
+          <p:cNvSpPr txBox="1"/>
+          <p:nvPr/>
+        </p:nvSpPr>
+        <p:spPr>
+          <a:xfrm>
+            <a:off x="5713453" y="2555145"/>
+            <a:ext cx="1311848" cy="553998"/>
+          </a:xfrm>
+          <a:prstGeom prst="rect">
+            <a:avLst/>
+          </a:prstGeom>
+          <a:noFill/>
+        </p:spPr>
+        <p:txBody>
+          <a:bodyPr wrap="square" rtlCol="0">
+            <a:spAutoFit/>
+          </a:bodyPr>
+          <a:lstStyle/>
+          <a:p>
+            <a:pPr algn="ctr"/>
+            <a:r>
+              <a:rPr lang="en-US" sz="1500" b="1"/>
+              <a:t>Physical Therapist</a:t>
+            </a:r>
+          </a:p>
+        </p:txBody>
+      </p:sp>
+      <p:sp>
+        <p:nvSpPr>
+          <p:cNvPr id="16" name="TextBox 15"/>
+          <p:cNvSpPr txBox="1"/>
+          <p:nvPr/>
+        </p:nvSpPr>
+        <p:spPr>
+          <a:xfrm>
+            <a:off x="5704138" y="5004791"/>
+            <a:ext cx="1186053" cy="300082"/>
+          </a:xfrm>
+          <a:prstGeom prst="rect">
+            <a:avLst/>
+          </a:prstGeom>
+          <a:noFill/>
+        </p:spPr>
+        <p:txBody>
+          <a:bodyPr wrap="square" rtlCol="0">
+            <a:spAutoFit/>
+          </a:bodyPr>
+          <a:lstStyle/>
+          <a:p>
+            <a:pPr algn="ctr"/>
+            <a:r>
+              <a:rPr lang="en-US" sz="1350" b="1"/>
+              <a:t>Client</a:t>
+            </a:r>
+          </a:p>
+        </p:txBody>
+      </p:sp>
+      <p:sp>
+        <p:nvSpPr>
+          <p:cNvPr id="17" name="TextBox 16"/>
+          <p:cNvSpPr txBox="1"/>
+          <p:nvPr/>
+        </p:nvSpPr>
+        <p:spPr>
+          <a:xfrm>
+            <a:off x="5146934" y="3624410"/>
+            <a:ext cx="1491553" cy="507831"/>
+          </a:xfrm>
+          <a:prstGeom prst="rect">
+            <a:avLst/>
+          </a:prstGeom>
+          <a:noFill/>
+        </p:spPr>
+        <p:txBody>
+          <a:bodyPr wrap="square" rtlCol="0">
+            <a:spAutoFit/>
+          </a:bodyPr>
+          <a:lstStyle/>
+          <a:p>
+            <a:pPr algn="ctr"/>
+            <a:r>
+              <a:rPr lang="en-US" sz="1350"/>
+              <a:t>Settings and Contexts</a:t>
+            </a:r>
+          </a:p>
+        </p:txBody>
+      </p:sp>
+      <p:sp>
+        <p:nvSpPr>
+          <p:cNvPr id="19" name="Title 1"/>
+          <p:cNvSpPr>
+            <a:spLocks noGrp="1"/>
+          </p:cNvSpPr>
+          <p:nvPr>
+            <p:ph type="title"/>
+          </p:nvPr>
+        </p:nvSpPr>
+        <p:spPr>
+          <a:xfrm>
+            <a:off x="2152650" y="365127"/>
+            <a:ext cx="7886700" cy="910112"/>
+          </a:xfrm>
+        </p:spPr>
+        <p:txBody>
+          <a:bodyPr/>
+          <a:lstStyle/>
+          <a:p>
+            <a:r>
+              <a:rPr lang="en-US" b="1"/>
+              <a:t>Collaboration Example</a:t>
+            </a:r>
+          </a:p>
+        </p:txBody>
+      </p:sp>
+      <p:sp>
+        <p:nvSpPr>
+          <p:cNvPr id="20" name="Oval 19"/>
+          <p:cNvSpPr/>
+          <p:nvPr/>
+        </p:nvSpPr>
+        <p:spPr>
+          <a:xfrm>
+            <a:off x="8686012" y="2120299"/>
+            <a:ext cx="1311848" cy="1096082"/>
+          </a:xfrm>
+          <a:prstGeom prst="ellipse">
+            <a:avLst/>
+          </a:prstGeom>
+        </p:spPr>
+        <p:style>
+          <a:lnRef idx="1">
+            <a:schemeClr val="accent1"/>
+          </a:lnRef>
+          <a:fillRef idx="3">
+            <a:schemeClr val="accent1"/>
+          </a:fillRef>
+          <a:effectRef idx="2">
+            <a:schemeClr val="accent1"/>
+          </a:effectRef>
+          <a:fontRef idx="minor">
+            <a:schemeClr val="lt1"/>
+          </a:fontRef>
+        </p:style>
+        <p:txBody>
+          <a:bodyPr rtlCol="0" anchor="ctr"/>
+          <a:lstStyle/>
+          <a:p>
+            <a:pPr algn="ctr"/>
+            <a:endParaRPr lang="en-US" sz="1350"/>
+          </a:p>
+        </p:txBody>
+      </p:sp>
+      <p:sp>
+        <p:nvSpPr>
+          <p:cNvPr id="21" name="TextBox 20"/>
+          <p:cNvSpPr txBox="1"/>
+          <p:nvPr/>
+        </p:nvSpPr>
+        <p:spPr>
+          <a:xfrm>
+            <a:off x="8622667" y="2451408"/>
+            <a:ext cx="1311848" cy="553998"/>
+          </a:xfrm>
+          <a:prstGeom prst="rect">
+            <a:avLst/>
+          </a:prstGeom>
+          <a:noFill/>
+        </p:spPr>
+        <p:txBody>
+          <a:bodyPr wrap="square" rtlCol="0">
+            <a:spAutoFit/>
+          </a:bodyPr>
+          <a:lstStyle/>
+          <a:p>
+            <a:pPr algn="ctr"/>
+            <a:r>
+              <a:rPr lang="en-US" sz="1500" b="1"/>
+              <a:t>Special Educator</a:t>
+            </a:r>
+          </a:p>
+        </p:txBody>
+      </p:sp>
+      <p:cxnSp>
+        <p:nvCxnSpPr>
+          <p:cNvPr id="24" name="Straight Connector 23"/>
+          <p:cNvCxnSpPr>
+            <a:endCxn id="21" idx="1"/>
+          </p:cNvCxnSpPr>
+          <p:nvPr/>
+        </p:nvCxnSpPr>
+        <p:spPr>
+          <a:xfrm flipV="1">
+            <a:off x="6899059" y="2728407"/>
+            <a:ext cx="1723608" cy="27492"/>
+          </a:xfrm>
+          <a:prstGeom prst="line">
+            <a:avLst/>
+          </a:prstGeom>
+          <a:ln>
+            <a:headEnd type="triangle" w="lg" len="lg"/>
+            <a:tailEnd type="triangle" w="lg" len="lg"/>
+          </a:ln>
+        </p:spPr>
+        <p:style>
+          <a:lnRef idx="2">
+            <a:schemeClr val="accent1"/>
+          </a:lnRef>
+          <a:fillRef idx="0">
+            <a:schemeClr val="accent1"/>
+          </a:fillRef>
+          <a:effectRef idx="1">
+            <a:schemeClr val="accent1"/>
+          </a:effectRef>
+          <a:fontRef idx="minor">
+            <a:schemeClr val="tx1"/>
+          </a:fontRef>
+        </p:style>
+      </p:cxnSp>
+      <p:cxnSp>
+        <p:nvCxnSpPr>
+          <p:cNvPr id="26" name="Straight Connector 25"/>
+          <p:cNvCxnSpPr>
+            <a:stCxn id="7" idx="6"/>
+          </p:cNvCxnSpPr>
+          <p:nvPr/>
+        </p:nvCxnSpPr>
+        <p:spPr>
+          <a:xfrm flipV="1">
+            <a:off x="6899059" y="3216381"/>
+            <a:ext cx="2235976" cy="1910960"/>
+          </a:xfrm>
+          <a:prstGeom prst="line">
+            <a:avLst/>
+          </a:prstGeom>
+          <a:ln>
+            <a:headEnd type="triangle" w="lg" len="lg"/>
+            <a:tailEnd type="none" w="lg" len="lg"/>
+          </a:ln>
+        </p:spPr>
+        <p:style>
+          <a:lnRef idx="2">
+            <a:schemeClr val="accent1"/>
+          </a:lnRef>
+          <a:fillRef idx="0">
+            <a:schemeClr val="accent1"/>
+          </a:fillRef>
+          <a:effectRef idx="1">
+            <a:schemeClr val="accent1"/>
+          </a:effectRef>
+          <a:fontRef idx="minor">
+            <a:schemeClr val="tx1"/>
+          </a:fontRef>
+        </p:style>
+      </p:cxnSp>
+    </p:spTree>
+    <p:extLst>
+      <p:ext uri="{BB962C8B-B14F-4D97-AF65-F5344CB8AC3E}">
+        <p14:creationId xmlns:p14="http://schemas.microsoft.com/office/powerpoint/2010/main" val="2012788618"/>
+      </p:ext>
+    </p:extLst>
+  </p:cSld>
+  <p:clrMapOvr>
+    <a:masterClrMapping/>
+  </p:clrMapOvr>
+</p:sld>
+</file>
+
+<file path=ppt/slides/slide8.xml><?xml version="1.0" encoding="utf-8"?>
+<p:sld xmlns:a="http://schemas.openxmlformats.org/drawingml/2006/main" xmlns:r="http://schemas.openxmlformats.org/officeDocument/2006/relationships" xmlns:p="http://schemas.openxmlformats.org/presentationml/2006/main">
+  <p:cSld>
+    <p:spTree>
+      <p:nvGrpSpPr>
+        <p:cNvPr id="1" name=""/>
+        <p:cNvGrpSpPr/>
+        <p:nvPr/>
+      </p:nvGrpSpPr>
+      <p:grpSpPr>
+        <a:xfrm>
+          <a:off x="0" y="0"/>
+          <a:ext cx="0" cy="0"/>
+          <a:chOff x="0" y="0"/>
+          <a:chExt cx="0" cy="0"/>
+        </a:xfrm>
+      </p:grpSpPr>
+      <p:sp>
+        <p:nvSpPr>
+          <p:cNvPr id="5" name="Oval 4"/>
+          <p:cNvSpPr/>
+          <p:nvPr/>
+        </p:nvSpPr>
+        <p:spPr>
+          <a:xfrm>
+            <a:off x="2370486" y="2258799"/>
+            <a:ext cx="1221996" cy="1096082"/>
+          </a:xfrm>
+          <a:prstGeom prst="ellipse">
+            <a:avLst/>
+          </a:prstGeom>
+        </p:spPr>
+        <p:style>
+          <a:lnRef idx="1">
+            <a:schemeClr val="accent1"/>
+          </a:lnRef>
+          <a:fillRef idx="3">
+            <a:schemeClr val="accent1"/>
+          </a:fillRef>
+          <a:effectRef idx="2">
+            <a:schemeClr val="accent1"/>
+          </a:effectRef>
+          <a:fontRef idx="minor">
+            <a:schemeClr val="lt1"/>
+          </a:fontRef>
+        </p:style>
+        <p:txBody>
+          <a:bodyPr rtlCol="0" anchor="ctr"/>
+          <a:lstStyle/>
+          <a:p>
+            <a:pPr algn="ctr"/>
+            <a:endParaRPr lang="en-US" sz="1350"/>
+          </a:p>
+        </p:txBody>
+      </p:sp>
+      <p:sp>
+        <p:nvSpPr>
+          <p:cNvPr id="6" name="Oval 5"/>
+          <p:cNvSpPr/>
+          <p:nvPr/>
+        </p:nvSpPr>
+        <p:spPr>
+          <a:xfrm>
+            <a:off x="5650108" y="2231308"/>
+            <a:ext cx="1311848" cy="1096082"/>
+          </a:xfrm>
+          <a:prstGeom prst="ellipse">
+            <a:avLst/>
+          </a:prstGeom>
+        </p:spPr>
+        <p:style>
+          <a:lnRef idx="1">
+            <a:schemeClr val="accent1"/>
+          </a:lnRef>
+          <a:fillRef idx="3">
+            <a:schemeClr val="accent1"/>
+          </a:fillRef>
+          <a:effectRef idx="2">
+            <a:schemeClr val="accent1"/>
+          </a:effectRef>
+          <a:fontRef idx="minor">
+            <a:schemeClr val="lt1"/>
+          </a:fontRef>
+        </p:style>
+        <p:txBody>
+          <a:bodyPr rtlCol="0" anchor="ctr"/>
+          <a:lstStyle/>
+          <a:p>
+            <a:pPr algn="ctr"/>
+            <a:endParaRPr lang="en-US" sz="1350"/>
+          </a:p>
+        </p:txBody>
+      </p:sp>
+      <p:sp>
+        <p:nvSpPr>
+          <p:cNvPr id="7" name="Oval 6"/>
+          <p:cNvSpPr/>
+          <p:nvPr/>
+        </p:nvSpPr>
+        <p:spPr>
+          <a:xfrm>
+            <a:off x="5713005" y="4552347"/>
+            <a:ext cx="1186054" cy="1149988"/>
+          </a:xfrm>
+          <a:prstGeom prst="ellipse">
+            <a:avLst/>
+          </a:prstGeom>
+        </p:spPr>
+        <p:style>
+          <a:lnRef idx="1">
+            <a:schemeClr val="accent1"/>
+          </a:lnRef>
+          <a:fillRef idx="3">
+            <a:schemeClr val="accent1"/>
+          </a:fillRef>
+          <a:effectRef idx="2">
+            <a:schemeClr val="accent1"/>
+          </a:effectRef>
+          <a:fontRef idx="minor">
+            <a:schemeClr val="lt1"/>
+          </a:fontRef>
+        </p:style>
+        <p:txBody>
+          <a:bodyPr rtlCol="0" anchor="ctr"/>
+          <a:lstStyle/>
+          <a:p>
+            <a:pPr algn="ctr"/>
+            <a:endParaRPr lang="en-US" sz="1350"/>
+          </a:p>
+        </p:txBody>
+      </p:sp>
+      <p:cxnSp>
+        <p:nvCxnSpPr>
+          <p:cNvPr id="9" name="Straight Connector 8"/>
+          <p:cNvCxnSpPr>
+            <a:stCxn id="5" idx="6"/>
+            <a:endCxn id="6" idx="2"/>
+          </p:cNvCxnSpPr>
+          <p:nvPr/>
+        </p:nvCxnSpPr>
+        <p:spPr>
+          <a:xfrm flipV="1">
+            <a:off x="3592482" y="2779350"/>
+            <a:ext cx="2057626" cy="27491"/>
+          </a:xfrm>
+          <a:prstGeom prst="line">
+            <a:avLst/>
+          </a:prstGeom>
+          <a:ln>
+            <a:headEnd type="triangle" w="lg" len="lg"/>
+            <a:tailEnd type="triangle" w="lg" len="lg"/>
+          </a:ln>
+        </p:spPr>
+        <p:style>
+          <a:lnRef idx="2">
+            <a:schemeClr val="accent1"/>
+          </a:lnRef>
+          <a:fillRef idx="0">
+            <a:schemeClr val="accent1"/>
+          </a:fillRef>
+          <a:effectRef idx="1">
+            <a:schemeClr val="accent1"/>
+          </a:effectRef>
+          <a:fontRef idx="minor">
+            <a:schemeClr val="tx1"/>
+          </a:fontRef>
+        </p:style>
+      </p:cxnSp>
+      <p:cxnSp>
+        <p:nvCxnSpPr>
+          <p:cNvPr id="11" name="Straight Connector 10"/>
+          <p:cNvCxnSpPr>
+            <a:stCxn id="6" idx="4"/>
+            <a:endCxn id="7" idx="0"/>
+          </p:cNvCxnSpPr>
+          <p:nvPr/>
+        </p:nvCxnSpPr>
+        <p:spPr>
+          <a:xfrm>
+            <a:off x="6306032" y="3327391"/>
+            <a:ext cx="0" cy="1224957"/>
+          </a:xfrm>
+          <a:prstGeom prst="line">
+            <a:avLst/>
+          </a:prstGeom>
+          <a:ln>
+            <a:prstDash val="lgDash"/>
+            <a:tailEnd type="triangle" w="lg" len="lg"/>
+          </a:ln>
+        </p:spPr>
+        <p:style>
+          <a:lnRef idx="2">
+            <a:schemeClr val="accent1"/>
+          </a:lnRef>
+          <a:fillRef idx="0">
+            <a:schemeClr val="accent1"/>
+          </a:fillRef>
+          <a:effectRef idx="1">
+            <a:schemeClr val="accent1"/>
+          </a:effectRef>
+          <a:fontRef idx="minor">
+            <a:schemeClr val="tx1"/>
+          </a:fontRef>
+        </p:style>
+      </p:cxnSp>
+      <p:cxnSp>
+        <p:nvCxnSpPr>
+          <p:cNvPr id="13" name="Straight Connector 12"/>
+          <p:cNvCxnSpPr>
+            <a:cxnSpLocks/>
+            <a:stCxn id="5" idx="4"/>
+          </p:cNvCxnSpPr>
+          <p:nvPr/>
+        </p:nvCxnSpPr>
+        <p:spPr>
+          <a:xfrm>
+            <a:off x="2981484" y="3354881"/>
+            <a:ext cx="2722652" cy="1772460"/>
+          </a:xfrm>
+          <a:prstGeom prst="line">
+            <a:avLst/>
+          </a:prstGeom>
+          <a:ln>
+            <a:prstDash val="dash"/>
+            <a:tailEnd type="triangle" w="lg" len="lg"/>
+          </a:ln>
+        </p:spPr>
+        <p:style>
+          <a:lnRef idx="2">
+            <a:schemeClr val="accent1"/>
+          </a:lnRef>
+          <a:fillRef idx="0">
+            <a:schemeClr val="accent1"/>
+          </a:fillRef>
+          <a:effectRef idx="1">
+            <a:schemeClr val="accent1"/>
+          </a:effectRef>
+          <a:fontRef idx="minor">
+            <a:schemeClr val="tx1"/>
+          </a:fontRef>
+        </p:style>
+      </p:cxnSp>
+      <p:sp>
+        <p:nvSpPr>
+          <p:cNvPr id="14" name="TextBox 13"/>
+          <p:cNvSpPr txBox="1"/>
+          <p:nvPr/>
+        </p:nvSpPr>
+        <p:spPr>
+          <a:xfrm>
+            <a:off x="2307141" y="2682242"/>
+            <a:ext cx="1221996" cy="323165"/>
+          </a:xfrm>
+          <a:prstGeom prst="rect">
+            <a:avLst/>
+          </a:prstGeom>
+          <a:noFill/>
+        </p:spPr>
+        <p:txBody>
+          <a:bodyPr wrap="square" rtlCol="0">
+            <a:spAutoFit/>
+          </a:bodyPr>
+          <a:lstStyle/>
+          <a:p>
+            <a:pPr algn="ctr"/>
+            <a:r>
+              <a:rPr lang="en-US" sz="1500" b="1"/>
+              <a:t>SLP</a:t>
+            </a:r>
+          </a:p>
+        </p:txBody>
+      </p:sp>
+      <p:sp>
+        <p:nvSpPr>
+          <p:cNvPr id="15" name="TextBox 14"/>
+          <p:cNvSpPr txBox="1"/>
+          <p:nvPr/>
+        </p:nvSpPr>
+        <p:spPr>
+          <a:xfrm>
+            <a:off x="5713453" y="2555145"/>
+            <a:ext cx="1311848" cy="553998"/>
+          </a:xfrm>
+          <a:prstGeom prst="rect">
+            <a:avLst/>
+          </a:prstGeom>
+          <a:noFill/>
+        </p:spPr>
+        <p:txBody>
+          <a:bodyPr wrap="square" rtlCol="0">
+            <a:spAutoFit/>
+          </a:bodyPr>
+          <a:lstStyle/>
+          <a:p>
+            <a:pPr algn="ctr"/>
+            <a:r>
+              <a:rPr lang="en-US" sz="1500" b="1"/>
+              <a:t>Physical Therapist</a:t>
+            </a:r>
+          </a:p>
+        </p:txBody>
+      </p:sp>
+      <p:sp>
+        <p:nvSpPr>
+          <p:cNvPr id="16" name="TextBox 15"/>
+          <p:cNvSpPr txBox="1"/>
+          <p:nvPr/>
+        </p:nvSpPr>
+        <p:spPr>
+          <a:xfrm>
+            <a:off x="5704138" y="5004791"/>
+            <a:ext cx="1186053" cy="300082"/>
+          </a:xfrm>
+          <a:prstGeom prst="rect">
+            <a:avLst/>
+          </a:prstGeom>
+          <a:noFill/>
+        </p:spPr>
+        <p:txBody>
+          <a:bodyPr wrap="square" rtlCol="0">
+            <a:spAutoFit/>
+          </a:bodyPr>
+          <a:lstStyle/>
+          <a:p>
+            <a:pPr algn="ctr"/>
+            <a:r>
+              <a:rPr lang="en-US" sz="1350" b="1" dirty="0"/>
+              <a:t>Client</a:t>
+            </a:r>
+          </a:p>
+        </p:txBody>
+      </p:sp>
+      <p:sp>
+        <p:nvSpPr>
+          <p:cNvPr id="17" name="TextBox 16"/>
+          <p:cNvSpPr txBox="1"/>
+          <p:nvPr/>
+        </p:nvSpPr>
+        <p:spPr>
+          <a:xfrm>
+            <a:off x="5146934" y="3624410"/>
+            <a:ext cx="1491553" cy="507831"/>
+          </a:xfrm>
+          <a:prstGeom prst="rect">
+            <a:avLst/>
+          </a:prstGeom>
+          <a:noFill/>
+        </p:spPr>
+        <p:txBody>
+          <a:bodyPr wrap="square" rtlCol="0">
+            <a:spAutoFit/>
+          </a:bodyPr>
+          <a:lstStyle/>
+          <a:p>
+            <a:pPr algn="ctr"/>
+            <a:r>
+              <a:rPr lang="en-US" sz="1350"/>
+              <a:t>Settings and Contexts</a:t>
+            </a:r>
+          </a:p>
+        </p:txBody>
+      </p:sp>
+      <p:sp>
+        <p:nvSpPr>
+          <p:cNvPr id="19" name="Title 1"/>
+          <p:cNvSpPr>
+            <a:spLocks noGrp="1"/>
+          </p:cNvSpPr>
+          <p:nvPr>
+            <p:ph type="title"/>
+          </p:nvPr>
+        </p:nvSpPr>
+        <p:spPr>
+          <a:xfrm>
+            <a:off x="2152650" y="365127"/>
+            <a:ext cx="7886700" cy="910112"/>
+          </a:xfrm>
+        </p:spPr>
+        <p:txBody>
+          <a:bodyPr>
+            <a:normAutofit fontScale="90000"/>
+          </a:bodyPr>
+          <a:lstStyle/>
+          <a:p>
+            <a:r>
+              <a:rPr lang="en-US" b="1" dirty="0"/>
+              <a:t>Collaboration Example: </a:t>
+            </a:r>
+            <a:r>
+              <a:rPr lang="en-US" b="1" dirty="0">
+                <a:solidFill>
+                  <a:srgbClr val="7030A0"/>
+                </a:solidFill>
+              </a:rPr>
+              <a:t>Transdisciplinary</a:t>
+            </a:r>
+          </a:p>
+        </p:txBody>
+      </p:sp>
+      <p:sp>
+        <p:nvSpPr>
+          <p:cNvPr id="20" name="Oval 19"/>
+          <p:cNvSpPr/>
+          <p:nvPr/>
+        </p:nvSpPr>
+        <p:spPr>
+          <a:xfrm>
+            <a:off x="8686012" y="2120299"/>
+            <a:ext cx="1311848" cy="1096082"/>
+          </a:xfrm>
+          <a:prstGeom prst="ellipse">
+            <a:avLst/>
+          </a:prstGeom>
+        </p:spPr>
+        <p:style>
+          <a:lnRef idx="1">
+            <a:schemeClr val="accent1"/>
+          </a:lnRef>
+          <a:fillRef idx="3">
+            <a:schemeClr val="accent1"/>
+          </a:fillRef>
+          <a:effectRef idx="2">
+            <a:schemeClr val="accent1"/>
+          </a:effectRef>
+          <a:fontRef idx="minor">
+            <a:schemeClr val="lt1"/>
+          </a:fontRef>
+        </p:style>
+        <p:txBody>
+          <a:bodyPr rtlCol="0" anchor="ctr"/>
+          <a:lstStyle/>
+          <a:p>
+            <a:pPr algn="ctr"/>
+            <a:endParaRPr lang="en-US" sz="1350"/>
+          </a:p>
+        </p:txBody>
+      </p:sp>
+      <p:sp>
+        <p:nvSpPr>
+          <p:cNvPr id="21" name="TextBox 20"/>
+          <p:cNvSpPr txBox="1"/>
+          <p:nvPr/>
+        </p:nvSpPr>
+        <p:spPr>
+          <a:xfrm>
+            <a:off x="8622667" y="2451408"/>
+            <a:ext cx="1311848" cy="553998"/>
+          </a:xfrm>
+          <a:prstGeom prst="rect">
+            <a:avLst/>
+          </a:prstGeom>
+          <a:noFill/>
+        </p:spPr>
+        <p:txBody>
+          <a:bodyPr wrap="square" rtlCol="0">
+            <a:spAutoFit/>
+          </a:bodyPr>
+          <a:lstStyle/>
+          <a:p>
+            <a:pPr algn="ctr"/>
+            <a:r>
+              <a:rPr lang="en-US" sz="1500" b="1" dirty="0"/>
+              <a:t>Home Health Care Nurse</a:t>
+            </a:r>
+          </a:p>
+        </p:txBody>
+      </p:sp>
+      <p:cxnSp>
+        <p:nvCxnSpPr>
+          <p:cNvPr id="24" name="Straight Connector 23"/>
+          <p:cNvCxnSpPr>
+            <a:endCxn id="21" idx="1"/>
+          </p:cNvCxnSpPr>
+          <p:nvPr/>
+        </p:nvCxnSpPr>
+        <p:spPr>
+          <a:xfrm flipV="1">
+            <a:off x="6899059" y="2728407"/>
+            <a:ext cx="1723608" cy="27492"/>
+          </a:xfrm>
+          <a:prstGeom prst="line">
+            <a:avLst/>
+          </a:prstGeom>
+          <a:ln>
+            <a:headEnd type="triangle" w="lg" len="lg"/>
+            <a:tailEnd type="triangle" w="lg" len="lg"/>
+          </a:ln>
+        </p:spPr>
+        <p:style>
+          <a:lnRef idx="2">
+            <a:schemeClr val="accent1"/>
+          </a:lnRef>
+          <a:fillRef idx="0">
+            <a:schemeClr val="accent1"/>
+          </a:fillRef>
+          <a:effectRef idx="1">
+            <a:schemeClr val="accent1"/>
+          </a:effectRef>
+          <a:fontRef idx="minor">
+            <a:schemeClr val="tx1"/>
+          </a:fontRef>
+        </p:style>
+      </p:cxnSp>
+      <p:cxnSp>
+        <p:nvCxnSpPr>
+          <p:cNvPr id="26" name="Straight Connector 25"/>
+          <p:cNvCxnSpPr>
+            <a:stCxn id="7" idx="6"/>
+          </p:cNvCxnSpPr>
+          <p:nvPr/>
+        </p:nvCxnSpPr>
+        <p:spPr>
+          <a:xfrm flipV="1">
+            <a:off x="6899059" y="3216381"/>
+            <a:ext cx="2235976" cy="1910960"/>
+          </a:xfrm>
+          <a:prstGeom prst="line">
+            <a:avLst/>
+          </a:prstGeom>
+          <a:ln>
+            <a:prstDash val="lgDash"/>
+            <a:headEnd type="triangle" w="lg" len="lg"/>
+            <a:tailEnd type="none" w="lg" len="lg"/>
+          </a:ln>
+        </p:spPr>
+        <p:style>
+          <a:lnRef idx="2">
+            <a:schemeClr val="accent1"/>
+          </a:lnRef>
+          <a:fillRef idx="0">
+            <a:schemeClr val="accent1"/>
+          </a:fillRef>
+          <a:effectRef idx="1">
+            <a:schemeClr val="accent1"/>
+          </a:effectRef>
+          <a:fontRef idx="minor">
+            <a:schemeClr val="tx1"/>
+          </a:fontRef>
+        </p:style>
+      </p:cxnSp>
+      <p:sp>
+        <p:nvSpPr>
+          <p:cNvPr id="3" name="TextBox 2">
             <a:extLst>
               <a:ext uri="{FF2B5EF4-FFF2-40B4-BE49-F238E27FC236}">
-                <a16:creationId xmlns:a16="http://schemas.microsoft.com/office/drawing/2014/main" id="{9EDFF773-5DFD-5F43-B48D-EFD3B3719500}"/>
+                <a16:creationId xmlns:a16="http://schemas.microsoft.com/office/drawing/2014/main" id="{1170ABEE-1812-8241-B49D-E0738FC675E3}"/>
               </a:ext>
             </a:extLst>
           </p:cNvPr>
+          <p:cNvSpPr txBox="1"/>
+          <p:nvPr/>
+        </p:nvSpPr>
+        <p:spPr>
+          <a:xfrm>
+            <a:off x="1881189" y="1275239"/>
+            <a:ext cx="8053327" cy="707886"/>
+          </a:xfrm>
+          <a:prstGeom prst="rect">
+            <a:avLst/>
+          </a:prstGeom>
+          <a:noFill/>
+        </p:spPr>
+        <p:txBody>
+          <a:bodyPr wrap="square" rtlCol="0">
+            <a:spAutoFit/>
+          </a:bodyPr>
+          <a:lstStyle/>
+          <a:p>
+            <a:r>
+              <a:rPr lang="en-US" sz="2000" dirty="0"/>
+              <a:t>Assess and plan jointly.  Blend professional boundaries; may have role release where responsibilities are shared across disciplines..  </a:t>
+            </a:r>
+          </a:p>
+        </p:txBody>
+      </p:sp>
+    </p:spTree>
+    <p:extLst>
+      <p:ext uri="{BB962C8B-B14F-4D97-AF65-F5344CB8AC3E}">
+        <p14:creationId xmlns:p14="http://schemas.microsoft.com/office/powerpoint/2010/main" val="977216603"/>
+      </p:ext>
+    </p:extLst>
+  </p:cSld>
+  <p:clrMapOvr>
+    <a:masterClrMapping/>
+  </p:clrMapOvr>
+</p:sld>
+</file>
+
+<file path=ppt/slides/slide9.xml><?xml version="1.0" encoding="utf-8"?>
+<p:sld xmlns:a="http://schemas.openxmlformats.org/drawingml/2006/main" xmlns:r="http://schemas.openxmlformats.org/officeDocument/2006/relationships" xmlns:p="http://schemas.openxmlformats.org/presentationml/2006/main">
+  <p:cSld>
+    <p:spTree>
+      <p:nvGrpSpPr>
+        <p:cNvPr id="1" name=""/>
+        <p:cNvGrpSpPr/>
+        <p:nvPr/>
+      </p:nvGrpSpPr>
+      <p:grpSpPr>
+        <a:xfrm>
+          <a:off x="0" y="0"/>
+          <a:ext cx="0" cy="0"/>
+          <a:chOff x="0" y="0"/>
+          <a:chExt cx="0" cy="0"/>
+        </a:xfrm>
+      </p:grpSpPr>
+      <p:sp>
+        <p:nvSpPr>
+          <p:cNvPr id="2" name="Title 1"/>
+          <p:cNvSpPr>
+            <a:spLocks noGrp="1"/>
+          </p:cNvSpPr>
+          <p:nvPr>
+            <p:ph type="title"/>
+          </p:nvPr>
+        </p:nvSpPr>
+        <p:spPr/>
+        <p:txBody>
+          <a:bodyPr/>
+          <a:lstStyle/>
+          <a:p>
+            <a:r>
+              <a:rPr lang="en-US" b="1" dirty="0"/>
+              <a:t>Referral</a:t>
+            </a:r>
+          </a:p>
+        </p:txBody>
+      </p:sp>
+      <p:sp>
+        <p:nvSpPr>
+          <p:cNvPr id="3" name="Content Placeholder 2"/>
           <p:cNvSpPr>
             <a:spLocks noGrp="1"/>
           </p:cNvSpPr>
@@ -4223,7 +10652,19 @@
           <a:p>
             <a:r>
               <a:rPr lang="en-US" dirty="0"/>
-              <a:t>Final parent conference video</a:t>
+              <a:t>Referring for outside services to benefit a client</a:t>
+            </a:r>
+          </a:p>
+          <a:p>
+            <a:r>
+              <a:rPr lang="en-US" dirty="0"/>
+              <a:t>Who do SLPs commonly refer to?</a:t>
+            </a:r>
+          </a:p>
+          <a:p>
+            <a:r>
+              <a:rPr lang="en-US" dirty="0"/>
+              <a:t>Who do we get referrals from?</a:t>
             </a:r>
           </a:p>
         </p:txBody>
@@ -4231,7 +10672,7 @@
     </p:spTree>
     <p:extLst>
       <p:ext uri="{BB962C8B-B14F-4D97-AF65-F5344CB8AC3E}">
-        <p14:creationId xmlns:p14="http://schemas.microsoft.com/office/powerpoint/2010/main" val="3406083087"/>
+        <p14:creationId xmlns:p14="http://schemas.microsoft.com/office/powerpoint/2010/main" val="1331033803"/>
       </p:ext>
     </p:extLst>
   </p:cSld>
@@ -4534,299 +10975,4 @@
     </a:ext>
   </a:extLst>
 </a:theme>
-</file>
-
-<file path=ppt/theme/theme2.xml><?xml version="1.0" encoding="utf-8"?>
-<a:theme xmlns:a="http://schemas.openxmlformats.org/drawingml/2006/main" name="Office Theme">
-  <a:themeElements>
-    <a:clrScheme name="Office">
-      <a:dk1>
-        <a:sysClr val="windowText" lastClr="000000"/>
-      </a:dk1>
-      <a:lt1>
-        <a:sysClr val="window" lastClr="FFFFFF"/>
-      </a:lt1>
-      <a:dk2>
-        <a:srgbClr val="44546A"/>
-      </a:dk2>
-      <a:lt2>
-        <a:srgbClr val="E7E6E6"/>
-      </a:lt2>
-      <a:accent1>
-        <a:srgbClr val="4472C4"/>
-      </a:accent1>
-      <a:accent2>
-        <a:srgbClr val="ED7D31"/>
-      </a:accent2>
-      <a:accent3>
-        <a:srgbClr val="A5A5A5"/>
-      </a:accent3>
-      <a:accent4>
-        <a:srgbClr val="FFC000"/>
-      </a:accent4>
-      <a:accent5>
-        <a:srgbClr val="5B9BD5"/>
-      </a:accent5>
-      <a:accent6>
-        <a:srgbClr val="70AD47"/>
-      </a:accent6>
-      <a:hlink>
-        <a:srgbClr val="0563C1"/>
-      </a:hlink>
-      <a:folHlink>
-        <a:srgbClr val="954F72"/>
-      </a:folHlink>
-    </a:clrScheme>
-    <a:fontScheme name="Office">
-      <a:majorFont>
-        <a:latin typeface="Calibri Light" panose="020F0302020204030204"/>
-        <a:ea typeface=""/>
-        <a:cs typeface=""/>
-        <a:font script="Jpan" typeface="游ゴシック Light"/>
-        <a:font script="Hang" typeface="맑은 고딕"/>
-        <a:font script="Hans" typeface="等线 Light"/>
-        <a:font script="Hant" typeface="新細明體"/>
-        <a:font script="Arab" typeface="Times New Roman"/>
-        <a:font script="Hebr" typeface="Times New Roman"/>
-        <a:font script="Thai" typeface="Angsana New"/>
-        <a:font script="Ethi" typeface="Nyala"/>
-        <a:font script="Beng" typeface="Vrinda"/>
-        <a:font script="Gujr" typeface="Shruti"/>
-        <a:font script="Khmr" typeface="MoolBoran"/>
-        <a:font script="Knda" typeface="Tunga"/>
-        <a:font script="Guru" typeface="Raavi"/>
-        <a:font script="Cans" typeface="Euphemia"/>
-        <a:font script="Cher" typeface="Plantagenet Cherokee"/>
-        <a:font script="Yiii" typeface="Microsoft Yi Baiti"/>
-        <a:font script="Tibt" typeface="Microsoft Himalaya"/>
-        <a:font script="Thaa" typeface="MV Boli"/>
-        <a:font script="Deva" typeface="Mangal"/>
-        <a:font script="Telu" typeface="Gautami"/>
-        <a:font script="Taml" typeface="Latha"/>
-        <a:font script="Syrc" typeface="Estrangelo Edessa"/>
-        <a:font script="Orya" typeface="Kalinga"/>
-        <a:font script="Mlym" typeface="Kartika"/>
-        <a:font script="Laoo" typeface="DokChampa"/>
-        <a:font script="Sinh" typeface="Iskoola Pota"/>
-        <a:font script="Mong" typeface="Mongolian Baiti"/>
-        <a:font script="Viet" typeface="Times New Roman"/>
-        <a:font script="Uigh" typeface="Microsoft Uighur"/>
-        <a:font script="Geor" typeface="Sylfaen"/>
-        <a:font script="Armn" typeface="Arial"/>
-        <a:font script="Bugi" typeface="Leelawadee UI"/>
-        <a:font script="Bopo" typeface="Microsoft JhengHei"/>
-        <a:font script="Java" typeface="Javanese Text"/>
-        <a:font script="Lisu" typeface="Segoe UI"/>
-        <a:font script="Mymr" typeface="Myanmar Text"/>
-        <a:font script="Nkoo" typeface="Ebrima"/>
-        <a:font script="Olck" typeface="Nirmala UI"/>
-        <a:font script="Osma" typeface="Ebrima"/>
-        <a:font script="Phag" typeface="Phagspa"/>
-        <a:font script="Syrn" typeface="Estrangelo Edessa"/>
-        <a:font script="Syrj" typeface="Estrangelo Edessa"/>
-        <a:font script="Syre" typeface="Estrangelo Edessa"/>
-        <a:font script="Sora" typeface="Nirmala UI"/>
-        <a:font script="Tale" typeface="Microsoft Tai Le"/>
-        <a:font script="Talu" typeface="Microsoft New Tai Lue"/>
-        <a:font script="Tfng" typeface="Ebrima"/>
-      </a:majorFont>
-      <a:minorFont>
-        <a:latin typeface="Calibri" panose="020F0502020204030204"/>
-        <a:ea typeface=""/>
-        <a:cs typeface=""/>
-        <a:font script="Jpan" typeface="游ゴシック"/>
-        <a:font script="Hang" typeface="맑은 고딕"/>
-        <a:font script="Hans" typeface="等线"/>
-        <a:font script="Hant" typeface="新細明體"/>
-        <a:font script="Arab" typeface="Arial"/>
-        <a:font script="Hebr" typeface="Arial"/>
-        <a:font script="Thai" typeface="Cordia New"/>
-        <a:font script="Ethi" typeface="Nyala"/>
-        <a:font script="Beng" typeface="Vrinda"/>
-        <a:font script="Gujr" typeface="Shruti"/>
-        <a:font script="Khmr" typeface="DaunPenh"/>
-        <a:font script="Knda" typeface="Tunga"/>
-        <a:font script="Guru" typeface="Raavi"/>
-        <a:font script="Cans" typeface="Euphemia"/>
-        <a:font script="Cher" typeface="Plantagenet Cherokee"/>
-        <a:font script="Yiii" typeface="Microsoft Yi Baiti"/>
-        <a:font script="Tibt" typeface="Microsoft Himalaya"/>
-        <a:font script="Thaa" typeface="MV Boli"/>
-        <a:font script="Deva" typeface="Mangal"/>
-        <a:font script="Telu" typeface="Gautami"/>
-        <a:font script="Taml" typeface="Latha"/>
-        <a:font script="Syrc" typeface="Estrangelo Edessa"/>
-        <a:font script="Orya" typeface="Kalinga"/>
-        <a:font script="Mlym" typeface="Kartika"/>
-        <a:font script="Laoo" typeface="DokChampa"/>
-        <a:font script="Sinh" typeface="Iskoola Pota"/>
-        <a:font script="Mong" typeface="Mongolian Baiti"/>
-        <a:font script="Viet" typeface="Arial"/>
-        <a:font script="Uigh" typeface="Microsoft Uighur"/>
-        <a:font script="Geor" typeface="Sylfaen"/>
-        <a:font script="Armn" typeface="Arial"/>
-        <a:font script="Bugi" typeface="Leelawadee UI"/>
-        <a:font script="Bopo" typeface="Microsoft JhengHei"/>
-        <a:font script="Java" typeface="Javanese Text"/>
-        <a:font script="Lisu" typeface="Segoe UI"/>
-        <a:font script="Mymr" typeface="Myanmar Text"/>
-        <a:font script="Nkoo" typeface="Ebrima"/>
-        <a:font script="Olck" typeface="Nirmala UI"/>
-        <a:font script="Osma" typeface="Ebrima"/>
-        <a:font script="Phag" typeface="Phagspa"/>
-        <a:font script="Syrn" typeface="Estrangelo Edessa"/>
-        <a:font script="Syrj" typeface="Estrangelo Edessa"/>
-        <a:font script="Syre" typeface="Estrangelo Edessa"/>
-        <a:font script="Sora" typeface="Nirmala UI"/>
-        <a:font script="Tale" typeface="Microsoft Tai Le"/>
-        <a:font script="Talu" typeface="Microsoft New Tai Lue"/>
-        <a:font script="Tfng" typeface="Ebrima"/>
-      </a:minorFont>
-    </a:fontScheme>
-    <a:fmtScheme name="Office">
-      <a:fillStyleLst>
-        <a:solidFill>
-          <a:schemeClr val="phClr"/>
-        </a:solidFill>
-        <a:gradFill rotWithShape="1">
-          <a:gsLst>
-            <a:gs pos="0">
-              <a:schemeClr val="phClr">
-                <a:lumMod val="110000"/>
-                <a:satMod val="105000"/>
-                <a:tint val="67000"/>
-              </a:schemeClr>
-            </a:gs>
-            <a:gs pos="50000">
-              <a:schemeClr val="phClr">
-                <a:lumMod val="105000"/>
-                <a:satMod val="103000"/>
-                <a:tint val="73000"/>
-              </a:schemeClr>
-            </a:gs>
-            <a:gs pos="100000">
-              <a:schemeClr val="phClr">
-                <a:lumMod val="105000"/>
-                <a:satMod val="109000"/>
-                <a:tint val="81000"/>
-              </a:schemeClr>
-            </a:gs>
-          </a:gsLst>
-          <a:lin ang="5400000" scaled="0"/>
-        </a:gradFill>
-        <a:gradFill rotWithShape="1">
-          <a:gsLst>
-            <a:gs pos="0">
-              <a:schemeClr val="phClr">
-                <a:satMod val="103000"/>
-                <a:lumMod val="102000"/>
-                <a:tint val="94000"/>
-              </a:schemeClr>
-            </a:gs>
-            <a:gs pos="50000">
-              <a:schemeClr val="phClr">
-                <a:satMod val="110000"/>
-                <a:lumMod val="100000"/>
-                <a:shade val="100000"/>
-              </a:schemeClr>
-            </a:gs>
-            <a:gs pos="100000">
-              <a:schemeClr val="phClr">
-                <a:lumMod val="99000"/>
-                <a:satMod val="120000"/>
-                <a:shade val="78000"/>
-              </a:schemeClr>
-            </a:gs>
-          </a:gsLst>
-          <a:lin ang="5400000" scaled="0"/>
-        </a:gradFill>
-      </a:fillStyleLst>
-      <a:lnStyleLst>
-        <a:ln w="6350" cap="flat" cmpd="sng" algn="ctr">
-          <a:solidFill>
-            <a:schemeClr val="phClr"/>
-          </a:solidFill>
-          <a:prstDash val="solid"/>
-          <a:miter lim="800000"/>
-        </a:ln>
-        <a:ln w="12700" cap="flat" cmpd="sng" algn="ctr">
-          <a:solidFill>
-            <a:schemeClr val="phClr"/>
-          </a:solidFill>
-          <a:prstDash val="solid"/>
-          <a:miter lim="800000"/>
-        </a:ln>
-        <a:ln w="19050" cap="flat" cmpd="sng" algn="ctr">
-          <a:solidFill>
-            <a:schemeClr val="phClr"/>
-          </a:solidFill>
-          <a:prstDash val="solid"/>
-          <a:miter lim="800000"/>
-        </a:ln>
-      </a:lnStyleLst>
-      <a:effectStyleLst>
-        <a:effectStyle>
-          <a:effectLst/>
-        </a:effectStyle>
-        <a:effectStyle>
-          <a:effectLst/>
-        </a:effectStyle>
-        <a:effectStyle>
-          <a:effectLst>
-            <a:outerShdw blurRad="57150" dist="19050" dir="5400000" algn="ctr" rotWithShape="0">
-              <a:srgbClr val="000000">
-                <a:alpha val="63000"/>
-              </a:srgbClr>
-            </a:outerShdw>
-          </a:effectLst>
-        </a:effectStyle>
-      </a:effectStyleLst>
-      <a:bgFillStyleLst>
-        <a:solidFill>
-          <a:schemeClr val="phClr"/>
-        </a:solidFill>
-        <a:solidFill>
-          <a:schemeClr val="phClr">
-            <a:tint val="95000"/>
-            <a:satMod val="170000"/>
-          </a:schemeClr>
-        </a:solidFill>
-        <a:gradFill rotWithShape="1">
-          <a:gsLst>
-            <a:gs pos="0">
-              <a:schemeClr val="phClr">
-                <a:tint val="93000"/>
-                <a:satMod val="150000"/>
-                <a:shade val="98000"/>
-                <a:lumMod val="102000"/>
-              </a:schemeClr>
-            </a:gs>
-            <a:gs pos="50000">
-              <a:schemeClr val="phClr">
-                <a:tint val="98000"/>
-                <a:satMod val="130000"/>
-                <a:shade val="90000"/>
-                <a:lumMod val="103000"/>
-              </a:schemeClr>
-            </a:gs>
-            <a:gs pos="100000">
-              <a:schemeClr val="phClr">
-                <a:shade val="63000"/>
-                <a:satMod val="120000"/>
-              </a:schemeClr>
-            </a:gs>
-          </a:gsLst>
-          <a:lin ang="5400000" scaled="0"/>
-        </a:gradFill>
-      </a:bgFillStyleLst>
-    </a:fmtScheme>
-  </a:themeElements>
-  <a:objectDefaults/>
-  <a:extraClrSchemeLst/>
-  <a:extLst>
-    <a:ext uri="{05A4C25C-085E-4340-85A3-A5531E510DB2}">
-      <thm15:themeFamily xmlns:thm15="http://schemas.microsoft.com/office/thememl/2012/main" name="Office Theme" id="{62F939B6-93AF-4DB8-9C6B-D6C7DFDC589F}" vid="{4A3C46E8-61CC-4603-A589-7422A47A8E4A}"/>
-    </a:ext>
-  </a:extLst>
-</a:theme>
 </file>